--- a/resume.pptx
+++ b/resume.pptx
@@ -12,10 +12,10 @@
     <p:sldMasterId id="2147483696" r:id="rId11"/>
   </p:sldMasterIdLst>
   <p:notesMasterIdLst>
-    <p:notesMasterId r:id="rId43"/>
+    <p:notesMasterId r:id="rId44"/>
   </p:notesMasterIdLst>
   <p:handoutMasterIdLst>
-    <p:handoutMasterId r:id="rId44"/>
+    <p:handoutMasterId r:id="rId45"/>
   </p:handoutMasterIdLst>
   <p:sldIdLst>
     <p:sldId id="256" r:id="rId12"/>
@@ -28,27 +28,28 @@
     <p:sldId id="313" r:id="rId19"/>
     <p:sldId id="314" r:id="rId20"/>
     <p:sldId id="315" r:id="rId21"/>
-    <p:sldId id="285" r:id="rId22"/>
-    <p:sldId id="276" r:id="rId23"/>
-    <p:sldId id="286" r:id="rId24"/>
-    <p:sldId id="287" r:id="rId25"/>
-    <p:sldId id="283" r:id="rId26"/>
-    <p:sldId id="316" r:id="rId27"/>
-    <p:sldId id="317" r:id="rId28"/>
-    <p:sldId id="318" r:id="rId29"/>
-    <p:sldId id="319" r:id="rId30"/>
-    <p:sldId id="320" r:id="rId31"/>
-    <p:sldId id="321" r:id="rId32"/>
-    <p:sldId id="322" r:id="rId33"/>
-    <p:sldId id="288" r:id="rId34"/>
-    <p:sldId id="323" r:id="rId35"/>
-    <p:sldId id="324" r:id="rId36"/>
-    <p:sldId id="325" r:id="rId37"/>
-    <p:sldId id="306" r:id="rId38"/>
-    <p:sldId id="326" r:id="rId39"/>
-    <p:sldId id="327" r:id="rId40"/>
-    <p:sldId id="328" r:id="rId41"/>
-    <p:sldId id="272" r:id="rId42"/>
+    <p:sldId id="329" r:id="rId22"/>
+    <p:sldId id="285" r:id="rId23"/>
+    <p:sldId id="276" r:id="rId24"/>
+    <p:sldId id="286" r:id="rId25"/>
+    <p:sldId id="287" r:id="rId26"/>
+    <p:sldId id="283" r:id="rId27"/>
+    <p:sldId id="316" r:id="rId28"/>
+    <p:sldId id="317" r:id="rId29"/>
+    <p:sldId id="318" r:id="rId30"/>
+    <p:sldId id="319" r:id="rId31"/>
+    <p:sldId id="320" r:id="rId32"/>
+    <p:sldId id="321" r:id="rId33"/>
+    <p:sldId id="322" r:id="rId34"/>
+    <p:sldId id="288" r:id="rId35"/>
+    <p:sldId id="323" r:id="rId36"/>
+    <p:sldId id="324" r:id="rId37"/>
+    <p:sldId id="325" r:id="rId38"/>
+    <p:sldId id="306" r:id="rId39"/>
+    <p:sldId id="326" r:id="rId40"/>
+    <p:sldId id="327" r:id="rId41"/>
+    <p:sldId id="328" r:id="rId42"/>
+    <p:sldId id="272" r:id="rId43"/>
   </p:sldIdLst>
   <p:sldSz cx="12192000" cy="6858000"/>
   <p:notesSz cx="6858000" cy="9144000"/>
@@ -3688,7 +3689,7 @@
           <a:p>
             <a:r>
               <a:rPr lang="es-ES" dirty="0"/>
-              <a:t>30’</a:t>
+              <a:t>2’’</a:t>
             </a:r>
           </a:p>
         </p:txBody>
@@ -3719,7 +3720,7 @@
     </p:spTree>
     <p:extLst>
       <p:ext uri="{BB962C8B-B14F-4D97-AF65-F5344CB8AC3E}">
-        <p14:creationId xmlns:p14="http://schemas.microsoft.com/office/powerpoint/2010/main" val="2362482728"/>
+        <p14:creationId xmlns:p14="http://schemas.microsoft.com/office/powerpoint/2010/main" val="1386536327"/>
       </p:ext>
     </p:extLst>
   </p:cSld>
@@ -3775,7 +3776,7 @@
           <a:p>
             <a:r>
               <a:rPr lang="es-ES" dirty="0"/>
-              <a:t>32</a:t>
+              <a:t>30’</a:t>
             </a:r>
           </a:p>
         </p:txBody>
@@ -3797,7 +3798,7 @@
           <a:p>
             <a:fld id="{2062F163-3063-474E-9A8A-E961A784F045}" type="slidenum">
               <a:rPr lang="es-ES_tradnl" smtClean="0"/>
-              <a:t>13</a:t>
+              <a:t>12</a:t>
             </a:fld>
             <a:endParaRPr lang="es-ES_tradnl" dirty="0"/>
           </a:p>
@@ -3806,7 +3807,7 @@
     </p:spTree>
     <p:extLst>
       <p:ext uri="{BB962C8B-B14F-4D97-AF65-F5344CB8AC3E}">
-        <p14:creationId xmlns:p14="http://schemas.microsoft.com/office/powerpoint/2010/main" val="1305584938"/>
+        <p14:creationId xmlns:p14="http://schemas.microsoft.com/office/powerpoint/2010/main" val="2362482728"/>
       </p:ext>
     </p:extLst>
   </p:cSld>
@@ -3862,7 +3863,7 @@
           <a:p>
             <a:r>
               <a:rPr lang="es-ES" dirty="0"/>
-              <a:t>37</a:t>
+              <a:t>32</a:t>
             </a:r>
           </a:p>
         </p:txBody>
@@ -3893,7 +3894,7 @@
     </p:spTree>
     <p:extLst>
       <p:ext uri="{BB962C8B-B14F-4D97-AF65-F5344CB8AC3E}">
-        <p14:creationId xmlns:p14="http://schemas.microsoft.com/office/powerpoint/2010/main" val="3855520252"/>
+        <p14:creationId xmlns:p14="http://schemas.microsoft.com/office/powerpoint/2010/main" val="1305584938"/>
       </p:ext>
     </p:extLst>
   </p:cSld>
@@ -3949,100 +3950,8 @@
           <a:p>
             <a:r>
               <a:rPr lang="es-ES" dirty="0"/>
-              <a:t>Resolverlo primero con </a:t>
-            </a:r>
-            <a:r>
-              <a:rPr lang="es-ES" dirty="0" err="1"/>
-              <a:t>self</a:t>
-            </a:r>
-            <a:endParaRPr lang="es-ES" dirty="0"/>
-          </a:p>
-          <a:p>
-            <a:r>
-              <a:rPr lang="es-ES" dirty="0"/>
-              <a:t>Luego añadir las </a:t>
-            </a:r>
-            <a:r>
-              <a:rPr lang="es-ES" dirty="0" err="1"/>
-              <a:t>arrow</a:t>
-            </a:r>
-            <a:r>
-              <a:rPr lang="es-ES" dirty="0"/>
-              <a:t> </a:t>
-            </a:r>
-            <a:r>
-              <a:rPr lang="es-ES" dirty="0" err="1"/>
-              <a:t>functions</a:t>
-            </a:r>
-            <a:endParaRPr lang="es-ES" dirty="0"/>
-          </a:p>
-          <a:p>
-            <a:r>
-              <a:rPr lang="es-ES" dirty="0"/>
-              <a:t>Y por ultimo quitar el</a:t>
-            </a:r>
-            <a:r>
-              <a:rPr lang="es-ES" baseline="0" dirty="0"/>
-              <a:t> </a:t>
-            </a:r>
-            <a:r>
-              <a:rPr lang="es-ES" baseline="0" dirty="0" err="1"/>
-              <a:t>self</a:t>
-            </a:r>
-            <a:r>
-              <a:rPr lang="es-ES" baseline="0" dirty="0"/>
-              <a:t>. Hacer </a:t>
-            </a:r>
-            <a:r>
-              <a:rPr lang="es-ES" baseline="0" dirty="0" err="1"/>
-              <a:t>incapie</a:t>
-            </a:r>
-            <a:r>
-              <a:rPr lang="es-ES" baseline="0" dirty="0"/>
-              <a:t> en que las </a:t>
-            </a:r>
-            <a:r>
-              <a:rPr lang="es-ES" baseline="0" dirty="0" err="1"/>
-              <a:t>arrow</a:t>
-            </a:r>
-            <a:r>
-              <a:rPr lang="es-ES" baseline="0" dirty="0"/>
-              <a:t> </a:t>
-            </a:r>
-            <a:r>
-              <a:rPr lang="es-ES" baseline="0" dirty="0" err="1"/>
-              <a:t>funcions</a:t>
-            </a:r>
-            <a:r>
-              <a:rPr lang="es-ES" baseline="0" dirty="0"/>
-              <a:t> no son </a:t>
-            </a:r>
-            <a:r>
-              <a:rPr lang="es-ES" baseline="0" dirty="0" err="1"/>
-              <a:t>sintactic</a:t>
-            </a:r>
-            <a:r>
-              <a:rPr lang="es-ES" baseline="0" dirty="0"/>
-              <a:t> </a:t>
-            </a:r>
-            <a:r>
-              <a:rPr lang="es-ES" baseline="0" dirty="0" err="1"/>
-              <a:t>sugar</a:t>
-            </a:r>
-            <a:r>
-              <a:rPr lang="es-ES" baseline="0" dirty="0"/>
-              <a:t> a diferencia de las clases</a:t>
-            </a:r>
-          </a:p>
-          <a:p>
-            <a:endParaRPr lang="es-ES" baseline="0" dirty="0"/>
-          </a:p>
-          <a:p>
-            <a:r>
-              <a:rPr lang="es-ES" baseline="0" dirty="0"/>
-              <a:t>42</a:t>
-            </a:r>
-            <a:endParaRPr lang="es-ES" dirty="0"/>
+              <a:t>37</a:t>
+            </a:r>
           </a:p>
         </p:txBody>
       </p:sp>
@@ -4072,7 +3981,7 @@
     </p:spTree>
     <p:extLst>
       <p:ext uri="{BB962C8B-B14F-4D97-AF65-F5344CB8AC3E}">
-        <p14:creationId xmlns:p14="http://schemas.microsoft.com/office/powerpoint/2010/main" val="1379647819"/>
+        <p14:creationId xmlns:p14="http://schemas.microsoft.com/office/powerpoint/2010/main" val="3855520252"/>
       </p:ext>
     </p:extLst>
   </p:cSld>
@@ -4128,11 +4037,89 @@
           <a:p>
             <a:r>
               <a:rPr lang="es-ES" dirty="0"/>
-              <a:t>Antes de todo preguntar si hay</a:t>
+              <a:t>Resolverlo primero con </a:t>
+            </a:r>
+            <a:r>
+              <a:rPr lang="es-ES" dirty="0" err="1"/>
+              <a:t>self</a:t>
+            </a:r>
+            <a:endParaRPr lang="es-ES" dirty="0"/>
+          </a:p>
+          <a:p>
+            <a:r>
+              <a:rPr lang="es-ES" dirty="0"/>
+              <a:t>Luego añadir las </a:t>
+            </a:r>
+            <a:r>
+              <a:rPr lang="es-ES" dirty="0" err="1"/>
+              <a:t>arrow</a:t>
+            </a:r>
+            <a:r>
+              <a:rPr lang="es-ES" dirty="0"/>
+              <a:t> </a:t>
+            </a:r>
+            <a:r>
+              <a:rPr lang="es-ES" dirty="0" err="1"/>
+              <a:t>functions</a:t>
+            </a:r>
+            <a:endParaRPr lang="es-ES" dirty="0"/>
+          </a:p>
+          <a:p>
+            <a:r>
+              <a:rPr lang="es-ES" dirty="0"/>
+              <a:t>Y por ultimo quitar el</a:t>
             </a:r>
             <a:r>
               <a:rPr lang="es-ES" baseline="0" dirty="0"/>
-              <a:t> alguien que no sepa que es una promesa</a:t>
+              <a:t> </a:t>
+            </a:r>
+            <a:r>
+              <a:rPr lang="es-ES" baseline="0" dirty="0" err="1"/>
+              <a:t>self</a:t>
+            </a:r>
+            <a:r>
+              <a:rPr lang="es-ES" baseline="0" dirty="0"/>
+              <a:t>. Hacer </a:t>
+            </a:r>
+            <a:r>
+              <a:rPr lang="es-ES" baseline="0" dirty="0" err="1"/>
+              <a:t>incapie</a:t>
+            </a:r>
+            <a:r>
+              <a:rPr lang="es-ES" baseline="0" dirty="0"/>
+              <a:t> en que las </a:t>
+            </a:r>
+            <a:r>
+              <a:rPr lang="es-ES" baseline="0" dirty="0" err="1"/>
+              <a:t>arrow</a:t>
+            </a:r>
+            <a:r>
+              <a:rPr lang="es-ES" baseline="0" dirty="0"/>
+              <a:t> </a:t>
+            </a:r>
+            <a:r>
+              <a:rPr lang="es-ES" baseline="0" dirty="0" err="1"/>
+              <a:t>funcions</a:t>
+            </a:r>
+            <a:r>
+              <a:rPr lang="es-ES" baseline="0" dirty="0"/>
+              <a:t> no son </a:t>
+            </a:r>
+            <a:r>
+              <a:rPr lang="es-ES" baseline="0" dirty="0" err="1"/>
+              <a:t>sintactic</a:t>
+            </a:r>
+            <a:r>
+              <a:rPr lang="es-ES" baseline="0" dirty="0"/>
+              <a:t> </a:t>
+            </a:r>
+            <a:r>
+              <a:rPr lang="es-ES" baseline="0" dirty="0" err="1"/>
+              <a:t>sugar</a:t>
+            </a:r>
+            <a:r>
+              <a:rPr lang="es-ES" baseline="0" dirty="0"/>
+              <a:t> a diferencia de las clases</a:t>
             </a:r>
           </a:p>
           <a:p>
@@ -4141,7 +4128,7 @@
           <a:p>
             <a:r>
               <a:rPr lang="es-ES" baseline="0" dirty="0"/>
-              <a:t>52</a:t>
+              <a:t>42</a:t>
             </a:r>
             <a:endParaRPr lang="es-ES" dirty="0"/>
           </a:p>
@@ -4173,7 +4160,7 @@
     </p:spTree>
     <p:extLst>
       <p:ext uri="{BB962C8B-B14F-4D97-AF65-F5344CB8AC3E}">
-        <p14:creationId xmlns:p14="http://schemas.microsoft.com/office/powerpoint/2010/main" val="3217329686"/>
+        <p14:creationId xmlns:p14="http://schemas.microsoft.com/office/powerpoint/2010/main" val="1379647819"/>
       </p:ext>
     </p:extLst>
   </p:cSld>
@@ -4242,7 +4229,7 @@
           <a:p>
             <a:r>
               <a:rPr lang="es-ES" baseline="0" dirty="0"/>
-              <a:t>57</a:t>
+              <a:t>52</a:t>
             </a:r>
             <a:endParaRPr lang="es-ES" dirty="0"/>
           </a:p>
@@ -4274,7 +4261,7 @@
     </p:spTree>
     <p:extLst>
       <p:ext uri="{BB962C8B-B14F-4D97-AF65-F5344CB8AC3E}">
-        <p14:creationId xmlns:p14="http://schemas.microsoft.com/office/powerpoint/2010/main" val="371724975"/>
+        <p14:creationId xmlns:p14="http://schemas.microsoft.com/office/powerpoint/2010/main" val="3217329686"/>
       </p:ext>
     </p:extLst>
   </p:cSld>
@@ -4330,60 +4317,20 @@
           <a:p>
             <a:r>
               <a:rPr lang="es-ES" dirty="0"/>
-              <a:t>Lo primero que hace cuando a uno le hablan de </a:t>
-            </a:r>
-            <a:r>
-              <a:rPr lang="es-ES" dirty="0" err="1"/>
-              <a:t>webpack</a:t>
-            </a:r>
-            <a:r>
-              <a:rPr lang="es-ES" dirty="0"/>
-              <a:t> de lo maravilloso que es que viene a sustituir</a:t>
+              <a:t>Antes de todo preguntar si hay</a:t>
             </a:r>
             <a:r>
               <a:rPr lang="es-ES" baseline="0" dirty="0"/>
-              <a:t> a </a:t>
-            </a:r>
-            <a:r>
-              <a:rPr lang="es-ES" baseline="0" dirty="0" err="1"/>
-              <a:t>grunt</a:t>
-            </a:r>
+              <a:t> alguien que no sepa que es una promesa</a:t>
+            </a:r>
+          </a:p>
+          <a:p>
+            <a:endParaRPr lang="es-ES" baseline="0" dirty="0"/>
+          </a:p>
+          <a:p>
             <a:r>
               <a:rPr lang="es-ES" baseline="0" dirty="0"/>
-              <a:t> y a </a:t>
-            </a:r>
-            <a:r>
-              <a:rPr lang="es-ES" baseline="0" dirty="0" err="1"/>
-              <a:t>gulp</a:t>
-            </a:r>
-            <a:r>
-              <a:rPr lang="es-ES" baseline="0" dirty="0"/>
-              <a:t> entonces </a:t>
-            </a:r>
-            <a:r>
-              <a:rPr lang="es-ES" dirty="0"/>
-              <a:t>preguntas</a:t>
-            </a:r>
-            <a:r>
-              <a:rPr lang="es-ES" baseline="0" dirty="0"/>
-              <a:t> ¿</a:t>
-            </a:r>
-            <a:r>
-              <a:rPr lang="es-ES" dirty="0"/>
-              <a:t>que es otro gestor de tareas?. Y la respuesta es tan buena y concisa que a mi</a:t>
-            </a:r>
-            <a:r>
-              <a:rPr lang="es-ES" baseline="0" dirty="0"/>
-              <a:t> se me quedo esta cara</a:t>
-            </a:r>
-          </a:p>
-          <a:p>
-            <a:endParaRPr lang="es-ES" baseline="0" dirty="0"/>
-          </a:p>
-          <a:p>
-            <a:r>
-              <a:rPr lang="es-ES" baseline="0" dirty="0"/>
-              <a:t>60</a:t>
+              <a:t>57</a:t>
             </a:r>
             <a:endParaRPr lang="es-ES" dirty="0"/>
           </a:p>
@@ -4415,7 +4362,7 @@
     </p:spTree>
     <p:extLst>
       <p:ext uri="{BB962C8B-B14F-4D97-AF65-F5344CB8AC3E}">
-        <p14:creationId xmlns:p14="http://schemas.microsoft.com/office/powerpoint/2010/main" val="72708581"/>
+        <p14:creationId xmlns:p14="http://schemas.microsoft.com/office/powerpoint/2010/main" val="371724975"/>
       </p:ext>
     </p:extLst>
   </p:cSld>
@@ -4471,8 +4418,62 @@
           <a:p>
             <a:r>
               <a:rPr lang="es-ES" dirty="0"/>
-              <a:t>65</a:t>
-            </a:r>
+              <a:t>Lo primero que hace cuando a uno le hablan de </a:t>
+            </a:r>
+            <a:r>
+              <a:rPr lang="es-ES" dirty="0" err="1"/>
+              <a:t>webpack</a:t>
+            </a:r>
+            <a:r>
+              <a:rPr lang="es-ES" dirty="0"/>
+              <a:t> de lo maravilloso que es que viene a sustituir</a:t>
+            </a:r>
+            <a:r>
+              <a:rPr lang="es-ES" baseline="0" dirty="0"/>
+              <a:t> a </a:t>
+            </a:r>
+            <a:r>
+              <a:rPr lang="es-ES" baseline="0" dirty="0" err="1"/>
+              <a:t>grunt</a:t>
+            </a:r>
+            <a:r>
+              <a:rPr lang="es-ES" baseline="0" dirty="0"/>
+              <a:t> y a </a:t>
+            </a:r>
+            <a:r>
+              <a:rPr lang="es-ES" baseline="0" dirty="0" err="1"/>
+              <a:t>gulp</a:t>
+            </a:r>
+            <a:r>
+              <a:rPr lang="es-ES" baseline="0" dirty="0"/>
+              <a:t> entonces </a:t>
+            </a:r>
+            <a:r>
+              <a:rPr lang="es-ES" dirty="0"/>
+              <a:t>preguntas</a:t>
+            </a:r>
+            <a:r>
+              <a:rPr lang="es-ES" baseline="0" dirty="0"/>
+              <a:t> ¿</a:t>
+            </a:r>
+            <a:r>
+              <a:rPr lang="es-ES" dirty="0"/>
+              <a:t>que es otro gestor de tareas?. Y la respuesta es tan buena y concisa que a mi</a:t>
+            </a:r>
+            <a:r>
+              <a:rPr lang="es-ES" baseline="0" dirty="0"/>
+              <a:t> se me quedo esta cara</a:t>
+            </a:r>
+          </a:p>
+          <a:p>
+            <a:endParaRPr lang="es-ES" baseline="0" dirty="0"/>
+          </a:p>
+          <a:p>
+            <a:r>
+              <a:rPr lang="es-ES" baseline="0" dirty="0"/>
+              <a:t>60</a:t>
+            </a:r>
+            <a:endParaRPr lang="es-ES" dirty="0"/>
           </a:p>
         </p:txBody>
       </p:sp>
@@ -4502,7 +4503,7 @@
     </p:spTree>
     <p:extLst>
       <p:ext uri="{BB962C8B-B14F-4D97-AF65-F5344CB8AC3E}">
-        <p14:creationId xmlns:p14="http://schemas.microsoft.com/office/powerpoint/2010/main" val="1116259667"/>
+        <p14:creationId xmlns:p14="http://schemas.microsoft.com/office/powerpoint/2010/main" val="72708581"/>
       </p:ext>
     </p:extLst>
   </p:cSld>
@@ -4558,7 +4559,7 @@
           <a:p>
             <a:r>
               <a:rPr lang="es-ES" dirty="0"/>
-              <a:t>70</a:t>
+              <a:t>65</a:t>
             </a:r>
           </a:p>
         </p:txBody>
@@ -4589,7 +4590,7 @@
     </p:spTree>
     <p:extLst>
       <p:ext uri="{BB962C8B-B14F-4D97-AF65-F5344CB8AC3E}">
-        <p14:creationId xmlns:p14="http://schemas.microsoft.com/office/powerpoint/2010/main" val="440756291"/>
+        <p14:creationId xmlns:p14="http://schemas.microsoft.com/office/powerpoint/2010/main" val="1116259667"/>
       </p:ext>
     </p:extLst>
   </p:cSld>
@@ -4732,7 +4733,7 @@
           <a:p>
             <a:r>
               <a:rPr lang="es-ES" dirty="0"/>
-              <a:t>80</a:t>
+              <a:t>70</a:t>
             </a:r>
           </a:p>
         </p:txBody>
@@ -4763,7 +4764,7 @@
     </p:spTree>
     <p:extLst>
       <p:ext uri="{BB962C8B-B14F-4D97-AF65-F5344CB8AC3E}">
-        <p14:creationId xmlns:p14="http://schemas.microsoft.com/office/powerpoint/2010/main" val="1733654785"/>
+        <p14:creationId xmlns:p14="http://schemas.microsoft.com/office/powerpoint/2010/main" val="440756291"/>
       </p:ext>
     </p:extLst>
   </p:cSld>
@@ -4819,7 +4820,7 @@
           <a:p>
             <a:r>
               <a:rPr lang="es-ES" dirty="0"/>
-              <a:t>90</a:t>
+              <a:t>80</a:t>
             </a:r>
           </a:p>
         </p:txBody>
@@ -4850,7 +4851,7 @@
     </p:spTree>
     <p:extLst>
       <p:ext uri="{BB962C8B-B14F-4D97-AF65-F5344CB8AC3E}">
-        <p14:creationId xmlns:p14="http://schemas.microsoft.com/office/powerpoint/2010/main" val="928662810"/>
+        <p14:creationId xmlns:p14="http://schemas.microsoft.com/office/powerpoint/2010/main" val="1733654785"/>
       </p:ext>
     </p:extLst>
   </p:cSld>
@@ -4906,7 +4907,7 @@
           <a:p>
             <a:r>
               <a:rPr lang="es-ES" dirty="0"/>
-              <a:t>95</a:t>
+              <a:t>90</a:t>
             </a:r>
           </a:p>
         </p:txBody>
@@ -4937,7 +4938,7 @@
     </p:spTree>
     <p:extLst>
       <p:ext uri="{BB962C8B-B14F-4D97-AF65-F5344CB8AC3E}">
-        <p14:creationId xmlns:p14="http://schemas.microsoft.com/office/powerpoint/2010/main" val="610776595"/>
+        <p14:creationId xmlns:p14="http://schemas.microsoft.com/office/powerpoint/2010/main" val="928662810"/>
       </p:ext>
     </p:extLst>
   </p:cSld>
@@ -4993,116 +4994,7 @@
           <a:p>
             <a:r>
               <a:rPr lang="es-ES" dirty="0"/>
-              <a:t>Modificar el archivo car.js</a:t>
-            </a:r>
-          </a:p>
-          <a:p>
-            <a:pPr marL="228600" indent="-228600">
-              <a:buAutoNum type="alphaUcPeriod"/>
-            </a:pPr>
-            <a:r>
-              <a:rPr lang="es-ES" dirty="0"/>
-              <a:t>Declarar</a:t>
-            </a:r>
-            <a:r>
-              <a:rPr lang="es-ES" baseline="0" dirty="0"/>
-              <a:t> las variables como privadas</a:t>
-            </a:r>
-          </a:p>
-          <a:p>
-            <a:pPr marL="228600" indent="-228600">
-              <a:buAutoNum type="alphaUcPeriod"/>
-            </a:pPr>
-            <a:r>
-              <a:rPr lang="es-ES" baseline="0" dirty="0"/>
-              <a:t>Forzar algún error de </a:t>
-            </a:r>
-            <a:r>
-              <a:rPr lang="es-ES" baseline="0" dirty="0" err="1"/>
-              <a:t>tipado</a:t>
-            </a:r>
-            <a:endParaRPr lang="es-ES" baseline="0" dirty="0"/>
-          </a:p>
-          <a:p>
-            <a:pPr marL="228600" indent="-228600">
-              <a:buAutoNum type="alphaUcPeriod"/>
-            </a:pPr>
-            <a:r>
-              <a:rPr lang="es-ES" baseline="0" dirty="0"/>
-              <a:t>Hacer el </a:t>
-            </a:r>
-            <a:r>
-              <a:rPr lang="es-ES" baseline="0" dirty="0" err="1"/>
-              <a:t>private</a:t>
-            </a:r>
-            <a:r>
-              <a:rPr lang="es-ES" baseline="0" dirty="0"/>
-              <a:t> en la declaración</a:t>
-            </a:r>
-          </a:p>
-          <a:p>
-            <a:pPr marL="228600" indent="-228600">
-              <a:buAutoNum type="alphaUcPeriod"/>
-            </a:pPr>
-            <a:endParaRPr lang="es-ES" baseline="0" dirty="0"/>
-          </a:p>
-          <a:p>
-            <a:pPr marL="228600" indent="-228600">
-              <a:buAutoNum type="alphaUcPeriod"/>
-            </a:pPr>
-            <a:endParaRPr lang="es-ES" baseline="0" dirty="0"/>
-          </a:p>
-          <a:p>
-            <a:pPr marL="228600" indent="-228600">
-              <a:buAutoNum type="alphaUcPeriod"/>
-            </a:pPr>
-            <a:r>
-              <a:rPr lang="es-ES" baseline="0" dirty="0"/>
-              <a:t>Después de convertirlos a </a:t>
-            </a:r>
-            <a:r>
-              <a:rPr lang="es-ES" baseline="0" dirty="0" err="1"/>
-              <a:t>typescript</a:t>
-            </a:r>
-            <a:r>
-              <a:rPr lang="es-ES" baseline="0" dirty="0"/>
-              <a:t> podéis ver que el 95% del código que hay es ECMA6, </a:t>
-            </a:r>
-            <a:r>
-              <a:rPr lang="es-ES" baseline="0" dirty="0" err="1"/>
-              <a:t>typescript</a:t>
-            </a:r>
-            <a:r>
-              <a:rPr lang="es-ES" baseline="0" dirty="0"/>
-              <a:t> solo hemos añadido ciertas declaraciones de tipos, y algo de </a:t>
-            </a:r>
-            <a:r>
-              <a:rPr lang="es-ES" baseline="0" dirty="0" err="1"/>
-              <a:t>sintactic</a:t>
-            </a:r>
-            <a:r>
-              <a:rPr lang="es-ES" baseline="0" dirty="0"/>
-              <a:t> </a:t>
-            </a:r>
-            <a:r>
-              <a:rPr lang="es-ES" baseline="0" dirty="0" err="1"/>
-              <a:t>sugar</a:t>
-            </a:r>
-            <a:endParaRPr lang="es-ES" baseline="0" dirty="0"/>
-          </a:p>
-          <a:p>
-            <a:pPr marL="228600" indent="-228600">
-              <a:buAutoNum type="alphaUcPeriod"/>
-            </a:pPr>
-            <a:endParaRPr lang="es-ES" baseline="0" dirty="0"/>
-          </a:p>
-          <a:p>
-            <a:pPr marL="0" indent="0">
-              <a:buNone/>
-            </a:pPr>
-            <a:r>
-              <a:rPr lang="es-ES" dirty="0"/>
-              <a:t>115</a:t>
+              <a:t>95</a:t>
             </a:r>
           </a:p>
         </p:txBody>
@@ -5133,7 +5025,7 @@
     </p:spTree>
     <p:extLst>
       <p:ext uri="{BB962C8B-B14F-4D97-AF65-F5344CB8AC3E}">
-        <p14:creationId xmlns:p14="http://schemas.microsoft.com/office/powerpoint/2010/main" val="4064432423"/>
+        <p14:creationId xmlns:p14="http://schemas.microsoft.com/office/powerpoint/2010/main" val="610776595"/>
       </p:ext>
     </p:extLst>
   </p:cSld>
@@ -5189,7 +5081,116 @@
           <a:p>
             <a:r>
               <a:rPr lang="es-ES" dirty="0"/>
-              <a:t>125</a:t>
+              <a:t>Modificar el archivo car.js</a:t>
+            </a:r>
+          </a:p>
+          <a:p>
+            <a:pPr marL="228600" indent="-228600">
+              <a:buAutoNum type="alphaUcPeriod"/>
+            </a:pPr>
+            <a:r>
+              <a:rPr lang="es-ES" dirty="0"/>
+              <a:t>Declarar</a:t>
+            </a:r>
+            <a:r>
+              <a:rPr lang="es-ES" baseline="0" dirty="0"/>
+              <a:t> las variables como privadas</a:t>
+            </a:r>
+          </a:p>
+          <a:p>
+            <a:pPr marL="228600" indent="-228600">
+              <a:buAutoNum type="alphaUcPeriod"/>
+            </a:pPr>
+            <a:r>
+              <a:rPr lang="es-ES" baseline="0" dirty="0"/>
+              <a:t>Forzar algún error de </a:t>
+            </a:r>
+            <a:r>
+              <a:rPr lang="es-ES" baseline="0" dirty="0" err="1"/>
+              <a:t>tipado</a:t>
+            </a:r>
+            <a:endParaRPr lang="es-ES" baseline="0" dirty="0"/>
+          </a:p>
+          <a:p>
+            <a:pPr marL="228600" indent="-228600">
+              <a:buAutoNum type="alphaUcPeriod"/>
+            </a:pPr>
+            <a:r>
+              <a:rPr lang="es-ES" baseline="0" dirty="0"/>
+              <a:t>Hacer el </a:t>
+            </a:r>
+            <a:r>
+              <a:rPr lang="es-ES" baseline="0" dirty="0" err="1"/>
+              <a:t>private</a:t>
+            </a:r>
+            <a:r>
+              <a:rPr lang="es-ES" baseline="0" dirty="0"/>
+              <a:t> en la declaración</a:t>
+            </a:r>
+          </a:p>
+          <a:p>
+            <a:pPr marL="228600" indent="-228600">
+              <a:buAutoNum type="alphaUcPeriod"/>
+            </a:pPr>
+            <a:endParaRPr lang="es-ES" baseline="0" dirty="0"/>
+          </a:p>
+          <a:p>
+            <a:pPr marL="228600" indent="-228600">
+              <a:buAutoNum type="alphaUcPeriod"/>
+            </a:pPr>
+            <a:endParaRPr lang="es-ES" baseline="0" dirty="0"/>
+          </a:p>
+          <a:p>
+            <a:pPr marL="228600" indent="-228600">
+              <a:buAutoNum type="alphaUcPeriod"/>
+            </a:pPr>
+            <a:r>
+              <a:rPr lang="es-ES" baseline="0" dirty="0"/>
+              <a:t>Después de convertirlos a </a:t>
+            </a:r>
+            <a:r>
+              <a:rPr lang="es-ES" baseline="0" dirty="0" err="1"/>
+              <a:t>typescript</a:t>
+            </a:r>
+            <a:r>
+              <a:rPr lang="es-ES" baseline="0" dirty="0"/>
+              <a:t> podéis ver que el 95% del código que hay es ECMA6, </a:t>
+            </a:r>
+            <a:r>
+              <a:rPr lang="es-ES" baseline="0" dirty="0" err="1"/>
+              <a:t>typescript</a:t>
+            </a:r>
+            <a:r>
+              <a:rPr lang="es-ES" baseline="0" dirty="0"/>
+              <a:t> solo hemos añadido ciertas declaraciones de tipos, y algo de </a:t>
+            </a:r>
+            <a:r>
+              <a:rPr lang="es-ES" baseline="0" dirty="0" err="1"/>
+              <a:t>sintactic</a:t>
+            </a:r>
+            <a:r>
+              <a:rPr lang="es-ES" baseline="0" dirty="0"/>
+              <a:t> </a:t>
+            </a:r>
+            <a:r>
+              <a:rPr lang="es-ES" baseline="0" dirty="0" err="1"/>
+              <a:t>sugar</a:t>
+            </a:r>
+            <a:endParaRPr lang="es-ES" baseline="0" dirty="0"/>
+          </a:p>
+          <a:p>
+            <a:pPr marL="228600" indent="-228600">
+              <a:buAutoNum type="alphaUcPeriod"/>
+            </a:pPr>
+            <a:endParaRPr lang="es-ES" baseline="0" dirty="0"/>
+          </a:p>
+          <a:p>
+            <a:pPr marL="0" indent="0">
+              <a:buNone/>
+            </a:pPr>
+            <a:r>
+              <a:rPr lang="es-ES" dirty="0"/>
+              <a:t>115</a:t>
             </a:r>
           </a:p>
         </p:txBody>
@@ -5220,7 +5221,7 @@
     </p:spTree>
     <p:extLst>
       <p:ext uri="{BB962C8B-B14F-4D97-AF65-F5344CB8AC3E}">
-        <p14:creationId xmlns:p14="http://schemas.microsoft.com/office/powerpoint/2010/main" val="1579727478"/>
+        <p14:creationId xmlns:p14="http://schemas.microsoft.com/office/powerpoint/2010/main" val="4064432423"/>
       </p:ext>
     </p:extLst>
   </p:cSld>
@@ -5274,83 +5275,9 @@
           <a:bodyPr/>
           <a:lstStyle/>
           <a:p>
-            <a:pPr marL="0" marR="0" lvl="0" indent="0" algn="l" defTabSz="914400" rtl="0" eaLnBrk="1" fontAlgn="auto" latinLnBrk="0" hangingPunct="1">
-              <a:lnSpc>
-                <a:spcPct val="100000"/>
-              </a:lnSpc>
-              <a:spcBef>
-                <a:spcPts val="0"/>
-              </a:spcBef>
-              <a:spcAft>
-                <a:spcPts val="0"/>
-              </a:spcAft>
-              <a:buClrTx/>
-              <a:buSzTx/>
-              <a:buFontTx/>
-              <a:buNone/>
-              <a:tabLst/>
-              <a:defRPr/>
-            </a:pPr>
             <a:r>
               <a:rPr lang="es-ES" dirty="0"/>
-              <a:t>Para instalar </a:t>
-            </a:r>
-            <a:r>
-              <a:rPr lang="es-ES" dirty="0" err="1"/>
-              <a:t>typescript</a:t>
-            </a:r>
-            <a:r>
-              <a:rPr lang="es-ES" dirty="0"/>
-              <a:t> </a:t>
-            </a:r>
-            <a:r>
-              <a:rPr lang="en-US" sz="1200" dirty="0">
-                <a:latin typeface="Segoe UI Light" panose="020B0502040204020203" pitchFamily="34" charset="0"/>
-                <a:cs typeface="Segoe UI Light" panose="020B0502040204020203" pitchFamily="34" charset="0"/>
-              </a:rPr>
-              <a:t>https://www.typescriptlang.org/index.html#download-links</a:t>
-            </a:r>
-          </a:p>
-          <a:p>
-            <a:endParaRPr lang="es-ES" dirty="0"/>
-          </a:p>
-          <a:p>
-            <a:r>
-              <a:rPr lang="es-ES" dirty="0"/>
-              <a:t>si tenéis problemas con PROMESAS </a:t>
-            </a:r>
-            <a:r>
-              <a:rPr lang="es-ES" dirty="0" err="1"/>
-              <a:t>npm</a:t>
-            </a:r>
-            <a:r>
-              <a:rPr lang="es-ES" dirty="0"/>
-              <a:t> i --</a:t>
-            </a:r>
-            <a:r>
-              <a:rPr lang="es-ES" dirty="0" err="1"/>
-              <a:t>save</a:t>
-            </a:r>
-            <a:r>
-              <a:rPr lang="es-ES" dirty="0"/>
-              <a:t> @</a:t>
-            </a:r>
-            <a:r>
-              <a:rPr lang="es-ES" dirty="0" err="1"/>
-              <a:t>types</a:t>
-            </a:r>
-            <a:r>
-              <a:rPr lang="es-ES" dirty="0"/>
-              <a:t>/es6-promise</a:t>
-            </a:r>
-          </a:p>
-          <a:p>
-            <a:endParaRPr lang="es-ES" dirty="0"/>
-          </a:p>
-          <a:p>
-            <a:r>
-              <a:rPr lang="es-ES" dirty="0"/>
-              <a:t>140</a:t>
+              <a:t>125</a:t>
             </a:r>
           </a:p>
         </p:txBody>
@@ -5381,7 +5308,7 @@
     </p:spTree>
     <p:extLst>
       <p:ext uri="{BB962C8B-B14F-4D97-AF65-F5344CB8AC3E}">
-        <p14:creationId xmlns:p14="http://schemas.microsoft.com/office/powerpoint/2010/main" val="3038193957"/>
+        <p14:creationId xmlns:p14="http://schemas.microsoft.com/office/powerpoint/2010/main" val="1579727478"/>
       </p:ext>
     </p:extLst>
   </p:cSld>
@@ -5435,13 +5362,83 @@
           <a:bodyPr/>
           <a:lstStyle/>
           <a:p>
+            <a:pPr marL="0" marR="0" lvl="0" indent="0" algn="l" defTabSz="914400" rtl="0" eaLnBrk="1" fontAlgn="auto" latinLnBrk="0" hangingPunct="1">
+              <a:lnSpc>
+                <a:spcPct val="100000"/>
+              </a:lnSpc>
+              <a:spcBef>
+                <a:spcPts val="0"/>
+              </a:spcBef>
+              <a:spcAft>
+                <a:spcPts val="0"/>
+              </a:spcAft>
+              <a:buClrTx/>
+              <a:buSzTx/>
+              <a:buFontTx/>
+              <a:buNone/>
+              <a:tabLst/>
+              <a:defRPr/>
+            </a:pPr>
+            <a:r>
+              <a:rPr lang="es-ES" dirty="0"/>
+              <a:t>Para instalar </a:t>
+            </a:r>
             <a:r>
               <a:rPr lang="es-ES" dirty="0" err="1"/>
-              <a:t>rxjs</a:t>
+              <a:t>typescript</a:t>
             </a:r>
             <a:r>
               <a:rPr lang="es-ES" dirty="0"/>
-              <a:t> es ampliamente usada en Angular2</a:t>
+              <a:t> </a:t>
+            </a:r>
+            <a:r>
+              <a:rPr lang="en-US" sz="1200" dirty="0">
+                <a:latin typeface="Segoe UI Light" panose="020B0502040204020203" pitchFamily="34" charset="0"/>
+                <a:cs typeface="Segoe UI Light" panose="020B0502040204020203" pitchFamily="34" charset="0"/>
+              </a:rPr>
+              <a:t>https://www.typescriptlang.org/index.html#download-links</a:t>
+            </a:r>
+          </a:p>
+          <a:p>
+            <a:endParaRPr lang="es-ES" dirty="0"/>
+          </a:p>
+          <a:p>
+            <a:r>
+              <a:rPr lang="es-ES" dirty="0"/>
+              <a:t>si tenéis problemas con PROMESAS </a:t>
+            </a:r>
+            <a:r>
+              <a:rPr lang="es-ES" dirty="0" err="1"/>
+              <a:t>npm</a:t>
+            </a:r>
+            <a:r>
+              <a:rPr lang="es-ES" dirty="0"/>
+              <a:t> i --</a:t>
+            </a:r>
+            <a:r>
+              <a:rPr lang="es-ES" dirty="0" err="1"/>
+              <a:t>save</a:t>
+            </a:r>
+            <a:r>
+              <a:rPr lang="es-ES" dirty="0"/>
+              <a:t> @</a:t>
+            </a:r>
+            <a:r>
+              <a:rPr lang="es-ES" dirty="0" err="1"/>
+              <a:t>types</a:t>
+            </a:r>
+            <a:r>
+              <a:rPr lang="es-ES" dirty="0"/>
+              <a:t>/es6-promise</a:t>
+            </a:r>
+          </a:p>
+          <a:p>
+            <a:endParaRPr lang="es-ES" dirty="0"/>
+          </a:p>
+          <a:p>
+            <a:r>
+              <a:rPr lang="es-ES" dirty="0"/>
+              <a:t>140</a:t>
             </a:r>
           </a:p>
         </p:txBody>
@@ -5463,7 +5460,98 @@
           <a:p>
             <a:fld id="{2062F163-3063-474E-9A8A-E961A784F045}" type="slidenum">
               <a:rPr lang="es-ES_tradnl" smtClean="0"/>
-              <a:t>28</a:t>
+              <a:t>27</a:t>
+            </a:fld>
+            <a:endParaRPr lang="es-ES_tradnl" dirty="0"/>
+          </a:p>
+        </p:txBody>
+      </p:sp>
+    </p:spTree>
+    <p:extLst>
+      <p:ext uri="{BB962C8B-B14F-4D97-AF65-F5344CB8AC3E}">
+        <p14:creationId xmlns:p14="http://schemas.microsoft.com/office/powerpoint/2010/main" val="3038193957"/>
+      </p:ext>
+    </p:extLst>
+  </p:cSld>
+  <p:clrMapOvr>
+    <a:masterClrMapping/>
+  </p:clrMapOvr>
+</p:notes>
+</file>
+
+<file path=ppt/notesSlides/notesSlide27.xml><?xml version="1.0" encoding="utf-8"?>
+<p:notes xmlns:a="http://schemas.openxmlformats.org/drawingml/2006/main" xmlns:r="http://schemas.openxmlformats.org/officeDocument/2006/relationships" xmlns:p="http://schemas.openxmlformats.org/presentationml/2006/main">
+  <p:cSld>
+    <p:spTree>
+      <p:nvGrpSpPr>
+        <p:cNvPr id="1" name=""/>
+        <p:cNvGrpSpPr/>
+        <p:nvPr/>
+      </p:nvGrpSpPr>
+      <p:grpSpPr>
+        <a:xfrm>
+          <a:off x="0" y="0"/>
+          <a:ext cx="0" cy="0"/>
+          <a:chOff x="0" y="0"/>
+          <a:chExt cx="0" cy="0"/>
+        </a:xfrm>
+      </p:grpSpPr>
+      <p:sp>
+        <p:nvSpPr>
+          <p:cNvPr id="2" name="Marcador de imagen de diapositiva 1"/>
+          <p:cNvSpPr>
+            <a:spLocks noGrp="1" noRot="1" noChangeAspect="1"/>
+          </p:cNvSpPr>
+          <p:nvPr>
+            <p:ph type="sldImg"/>
+          </p:nvPr>
+        </p:nvSpPr>
+        <p:spPr/>
+      </p:sp>
+      <p:sp>
+        <p:nvSpPr>
+          <p:cNvPr id="3" name="Marcador de notas 2"/>
+          <p:cNvSpPr>
+            <a:spLocks noGrp="1"/>
+          </p:cNvSpPr>
+          <p:nvPr>
+            <p:ph type="body" idx="1"/>
+          </p:nvPr>
+        </p:nvSpPr>
+        <p:spPr/>
+        <p:txBody>
+          <a:bodyPr/>
+          <a:lstStyle/>
+          <a:p>
+            <a:r>
+              <a:rPr lang="es-ES" dirty="0" err="1"/>
+              <a:t>rxjs</a:t>
+            </a:r>
+            <a:r>
+              <a:rPr lang="es-ES" dirty="0"/>
+              <a:t> es ampliamente usada en Angular2</a:t>
+            </a:r>
+          </a:p>
+        </p:txBody>
+      </p:sp>
+      <p:sp>
+        <p:nvSpPr>
+          <p:cNvPr id="4" name="Marcador de número de diapositiva 3"/>
+          <p:cNvSpPr>
+            <a:spLocks noGrp="1"/>
+          </p:cNvSpPr>
+          <p:nvPr>
+            <p:ph type="sldNum" sz="quarter" idx="10"/>
+          </p:nvPr>
+        </p:nvSpPr>
+        <p:spPr/>
+        <p:txBody>
+          <a:bodyPr/>
+          <a:lstStyle/>
+          <a:p>
+            <a:fld id="{2062F163-3063-474E-9A8A-E961A784F045}" type="slidenum">
+              <a:rPr lang="es-ES_tradnl" smtClean="0"/>
+              <a:t>29</a:t>
             </a:fld>
             <a:endParaRPr lang="es-ES_tradnl" dirty="0"/>
           </a:p>
@@ -19064,6 +19152,1211 @@
       </p:grpSpPr>
       <p:sp>
         <p:nvSpPr>
+          <p:cNvPr id="14" name="Rectángulo: esquinas redondeadas 13"/>
+          <p:cNvSpPr/>
+          <p:nvPr/>
+        </p:nvSpPr>
+        <p:spPr>
+          <a:xfrm>
+            <a:off x="482572" y="3488395"/>
+            <a:ext cx="3500689" cy="2173210"/>
+          </a:xfrm>
+          <a:prstGeom prst="roundRect">
+            <a:avLst/>
+          </a:prstGeom>
+        </p:spPr>
+        <p:style>
+          <a:lnRef idx="2">
+            <a:schemeClr val="dk1"/>
+          </a:lnRef>
+          <a:fillRef idx="1">
+            <a:schemeClr val="lt1"/>
+          </a:fillRef>
+          <a:effectRef idx="0">
+            <a:schemeClr val="dk1"/>
+          </a:effectRef>
+          <a:fontRef idx="minor">
+            <a:schemeClr val="dk1"/>
+          </a:fontRef>
+        </p:style>
+        <p:txBody>
+          <a:bodyPr rtlCol="0" anchor="ctr"/>
+          <a:lstStyle/>
+          <a:p>
+            <a:pPr algn="ctr"/>
+            <a:endParaRPr lang="es-ES" dirty="0"/>
+          </a:p>
+        </p:txBody>
+      </p:sp>
+      <p:sp>
+        <p:nvSpPr>
+          <p:cNvPr id="2" name="Título 1"/>
+          <p:cNvSpPr>
+            <a:spLocks noGrp="1"/>
+          </p:cNvSpPr>
+          <p:nvPr>
+            <p:ph type="title"/>
+          </p:nvPr>
+        </p:nvSpPr>
+        <p:spPr>
+          <a:xfrm>
+            <a:off x="902475" y="204017"/>
+            <a:ext cx="2795765" cy="644691"/>
+          </a:xfrm>
+        </p:spPr>
+        <p:style>
+          <a:lnRef idx="2">
+            <a:schemeClr val="dk1"/>
+          </a:lnRef>
+          <a:fillRef idx="1">
+            <a:schemeClr val="lt1"/>
+          </a:fillRef>
+          <a:effectRef idx="0">
+            <a:schemeClr val="dk1"/>
+          </a:effectRef>
+          <a:fontRef idx="minor">
+            <a:schemeClr val="dk1"/>
+          </a:fontRef>
+        </p:style>
+        <p:txBody>
+          <a:bodyPr>
+            <a:normAutofit fontScale="90000"/>
+          </a:bodyPr>
+          <a:lstStyle/>
+          <a:p>
+            <a:r>
+              <a:rPr lang="es-ES" dirty="0"/>
+              <a:t>Situación </a:t>
+            </a:r>
+          </a:p>
+        </p:txBody>
+      </p:sp>
+      <p:sp>
+        <p:nvSpPr>
+          <p:cNvPr id="3" name="Marcador de contenido 2"/>
+          <p:cNvSpPr>
+            <a:spLocks noGrp="1"/>
+          </p:cNvSpPr>
+          <p:nvPr>
+            <p:ph idx="1"/>
+          </p:nvPr>
+        </p:nvSpPr>
+        <p:spPr>
+          <a:xfrm>
+            <a:off x="838200" y="5118689"/>
+            <a:ext cx="10515600" cy="1069704"/>
+          </a:xfrm>
+        </p:spPr>
+        <p:txBody>
+          <a:bodyPr/>
+          <a:lstStyle/>
+          <a:p>
+            <a:endParaRPr lang="es-ES" dirty="0"/>
+          </a:p>
+          <a:p>
+            <a:endParaRPr lang="es-ES" dirty="0"/>
+          </a:p>
+          <a:p>
+            <a:endParaRPr lang="es-ES" dirty="0"/>
+          </a:p>
+        </p:txBody>
+      </p:sp>
+      <p:pic>
+        <p:nvPicPr>
+          <p:cNvPr id="1040" name="Picture 16" descr="Imagen relacionada"/>
+          <p:cNvPicPr>
+            <a:picLocks noChangeAspect="1" noChangeArrowheads="1"/>
+          </p:cNvPicPr>
+          <p:nvPr/>
+        </p:nvPicPr>
+        <p:blipFill>
+          <a:blip r:embed="rId3">
+            <a:extLst>
+              <a:ext uri="{28A0092B-C50C-407E-A947-70E740481C1C}">
+                <a14:useLocalDpi xmlns:a14="http://schemas.microsoft.com/office/drawing/2010/main" val="0"/>
+              </a:ext>
+            </a:extLst>
+          </a:blip>
+          <a:srcRect/>
+          <a:stretch>
+            <a:fillRect/>
+          </a:stretch>
+        </p:blipFill>
+        <p:spPr bwMode="auto">
+          <a:xfrm>
+            <a:off x="537032" y="3712731"/>
+            <a:ext cx="2045830" cy="633266"/>
+          </a:xfrm>
+          <a:prstGeom prst="rect">
+            <a:avLst/>
+          </a:prstGeom>
+          <a:noFill/>
+          <a:extLst>
+            <a:ext uri="{909E8E84-426E-40DD-AFC4-6F175D3DCCD1}">
+              <a14:hiddenFill xmlns:a14="http://schemas.microsoft.com/office/drawing/2010/main">
+                <a:solidFill>
+                  <a:srgbClr val="FFFFFF"/>
+                </a:solidFill>
+              </a14:hiddenFill>
+            </a:ext>
+          </a:extLst>
+        </p:spPr>
+      </p:pic>
+      <p:grpSp>
+        <p:nvGrpSpPr>
+          <p:cNvPr id="24" name="Grupo 23"/>
+          <p:cNvGrpSpPr/>
+          <p:nvPr/>
+        </p:nvGrpSpPr>
+        <p:grpSpPr>
+          <a:xfrm>
+            <a:off x="834811" y="1564231"/>
+            <a:ext cx="10422469" cy="4370160"/>
+            <a:chOff x="834811" y="1564231"/>
+            <a:chExt cx="10422469" cy="4370160"/>
+          </a:xfrm>
+        </p:grpSpPr>
+        <p:sp>
+          <p:nvSpPr>
+            <p:cNvPr id="21" name="Rectángulo: esquinas redondeadas 20"/>
+            <p:cNvSpPr/>
+            <p:nvPr/>
+          </p:nvSpPr>
+          <p:spPr>
+            <a:xfrm>
+              <a:off x="7966710" y="3077790"/>
+              <a:ext cx="3276036" cy="1194522"/>
+            </a:xfrm>
+            <a:prstGeom prst="roundRect">
+              <a:avLst/>
+            </a:prstGeom>
+          </p:spPr>
+          <p:style>
+            <a:lnRef idx="2">
+              <a:schemeClr val="dk1"/>
+            </a:lnRef>
+            <a:fillRef idx="1">
+              <a:schemeClr val="lt1"/>
+            </a:fillRef>
+            <a:effectRef idx="0">
+              <a:schemeClr val="dk1"/>
+            </a:effectRef>
+            <a:fontRef idx="minor">
+              <a:schemeClr val="dk1"/>
+            </a:fontRef>
+          </p:style>
+          <p:txBody>
+            <a:bodyPr rtlCol="0" anchor="ctr"/>
+            <a:lstStyle/>
+            <a:p>
+              <a:pPr algn="ctr"/>
+              <a:endParaRPr lang="es-ES" dirty="0"/>
+            </a:p>
+          </p:txBody>
+        </p:sp>
+        <p:sp>
+          <p:nvSpPr>
+            <p:cNvPr id="18" name="Rectángulo: esquinas redondeadas 17"/>
+            <p:cNvSpPr/>
+            <p:nvPr/>
+          </p:nvSpPr>
+          <p:spPr>
+            <a:xfrm>
+              <a:off x="7599680" y="4707958"/>
+              <a:ext cx="3657600" cy="1226433"/>
+            </a:xfrm>
+            <a:prstGeom prst="roundRect">
+              <a:avLst/>
+            </a:prstGeom>
+          </p:spPr>
+          <p:style>
+            <a:lnRef idx="2">
+              <a:schemeClr val="dk1"/>
+            </a:lnRef>
+            <a:fillRef idx="1">
+              <a:schemeClr val="lt1"/>
+            </a:fillRef>
+            <a:effectRef idx="0">
+              <a:schemeClr val="dk1"/>
+            </a:effectRef>
+            <a:fontRef idx="minor">
+              <a:schemeClr val="dk1"/>
+            </a:fontRef>
+          </p:style>
+          <p:txBody>
+            <a:bodyPr rtlCol="0" anchor="ctr"/>
+            <a:lstStyle/>
+            <a:p>
+              <a:pPr algn="ctr"/>
+              <a:endParaRPr lang="es-ES"/>
+            </a:p>
+          </p:txBody>
+        </p:sp>
+        <p:sp>
+          <p:nvSpPr>
+            <p:cNvPr id="16" name="Rectángulo: esquinas redondeadas 15"/>
+            <p:cNvSpPr/>
+            <p:nvPr/>
+          </p:nvSpPr>
+          <p:spPr>
+            <a:xfrm>
+              <a:off x="4008183" y="3519918"/>
+              <a:ext cx="3134297" cy="2141687"/>
+            </a:xfrm>
+            <a:prstGeom prst="roundRect">
+              <a:avLst/>
+            </a:prstGeom>
+          </p:spPr>
+          <p:style>
+            <a:lnRef idx="2">
+              <a:schemeClr val="dk1"/>
+            </a:lnRef>
+            <a:fillRef idx="1">
+              <a:schemeClr val="lt1"/>
+            </a:fillRef>
+            <a:effectRef idx="0">
+              <a:schemeClr val="dk1"/>
+            </a:effectRef>
+            <a:fontRef idx="minor">
+              <a:schemeClr val="dk1"/>
+            </a:fontRef>
+          </p:style>
+          <p:txBody>
+            <a:bodyPr rtlCol="0" anchor="ctr"/>
+            <a:lstStyle/>
+            <a:p>
+              <a:pPr algn="ctr"/>
+              <a:endParaRPr lang="es-ES" dirty="0"/>
+            </a:p>
+          </p:txBody>
+        </p:sp>
+        <p:sp>
+          <p:nvSpPr>
+            <p:cNvPr id="12" name="Rectángulo 11"/>
+            <p:cNvSpPr/>
+            <p:nvPr/>
+          </p:nvSpPr>
+          <p:spPr>
+            <a:xfrm>
+              <a:off x="2600960" y="2353512"/>
+              <a:ext cx="4998720" cy="1033930"/>
+            </a:xfrm>
+            <a:prstGeom prst="rect">
+              <a:avLst/>
+            </a:prstGeom>
+          </p:spPr>
+          <p:style>
+            <a:lnRef idx="2">
+              <a:schemeClr val="dk1"/>
+            </a:lnRef>
+            <a:fillRef idx="1">
+              <a:schemeClr val="lt1"/>
+            </a:fillRef>
+            <a:effectRef idx="0">
+              <a:schemeClr val="dk1"/>
+            </a:effectRef>
+            <a:fontRef idx="minor">
+              <a:schemeClr val="dk1"/>
+            </a:fontRef>
+          </p:style>
+          <p:txBody>
+            <a:bodyPr rtlCol="0" anchor="ctr"/>
+            <a:lstStyle/>
+            <a:p>
+              <a:pPr algn="ctr"/>
+              <a:endParaRPr lang="es-ES" dirty="0"/>
+            </a:p>
+          </p:txBody>
+        </p:sp>
+        <p:pic>
+          <p:nvPicPr>
+            <p:cNvPr id="1032" name="Picture 8" descr="Imagen relacionada"/>
+            <p:cNvPicPr>
+              <a:picLocks noChangeAspect="1" noChangeArrowheads="1"/>
+            </p:cNvPicPr>
+            <p:nvPr/>
+          </p:nvPicPr>
+          <p:blipFill>
+            <a:blip r:embed="rId4">
+              <a:extLst>
+                <a:ext uri="{28A0092B-C50C-407E-A947-70E740481C1C}">
+                  <a14:useLocalDpi xmlns:a14="http://schemas.microsoft.com/office/drawing/2010/main" val="0"/>
+                </a:ext>
+              </a:extLst>
+            </a:blip>
+            <a:srcRect/>
+            <a:stretch>
+              <a:fillRect/>
+            </a:stretch>
+          </p:blipFill>
+          <p:spPr bwMode="auto">
+            <a:xfrm>
+              <a:off x="3035094" y="2367080"/>
+              <a:ext cx="979458" cy="973202"/>
+            </a:xfrm>
+            <a:prstGeom prst="rect">
+              <a:avLst/>
+            </a:prstGeom>
+            <a:noFill/>
+            <a:extLst>
+              <a:ext uri="{909E8E84-426E-40DD-AFC4-6F175D3DCCD1}">
+                <a14:hiddenFill xmlns:a14="http://schemas.microsoft.com/office/drawing/2010/main">
+                  <a:solidFill>
+                    <a:srgbClr val="FFFFFF"/>
+                  </a:solidFill>
+                </a14:hiddenFill>
+              </a:ext>
+            </a:extLst>
+          </p:spPr>
+        </p:pic>
+        <p:pic>
+          <p:nvPicPr>
+            <p:cNvPr id="1028" name="Picture 4" descr="Imagen relacionada"/>
+            <p:cNvPicPr>
+              <a:picLocks noChangeAspect="1" noChangeArrowheads="1"/>
+            </p:cNvPicPr>
+            <p:nvPr/>
+          </p:nvPicPr>
+          <p:blipFill>
+            <a:blip r:embed="rId5">
+              <a:extLst>
+                <a:ext uri="{28A0092B-C50C-407E-A947-70E740481C1C}">
+                  <a14:useLocalDpi xmlns:a14="http://schemas.microsoft.com/office/drawing/2010/main" val="0"/>
+                </a:ext>
+              </a:extLst>
+            </a:blip>
+            <a:srcRect/>
+            <a:stretch>
+              <a:fillRect/>
+            </a:stretch>
+          </p:blipFill>
+          <p:spPr bwMode="auto">
+            <a:xfrm>
+              <a:off x="3977627" y="2583763"/>
+              <a:ext cx="1595035" cy="683288"/>
+            </a:xfrm>
+            <a:prstGeom prst="rect">
+              <a:avLst/>
+            </a:prstGeom>
+            <a:noFill/>
+            <a:extLst>
+              <a:ext uri="{909E8E84-426E-40DD-AFC4-6F175D3DCCD1}">
+                <a14:hiddenFill xmlns:a14="http://schemas.microsoft.com/office/drawing/2010/main">
+                  <a:solidFill>
+                    <a:srgbClr val="FFFFFF"/>
+                  </a:solidFill>
+                </a14:hiddenFill>
+              </a:ext>
+            </a:extLst>
+          </p:spPr>
+        </p:pic>
+        <p:pic>
+          <p:nvPicPr>
+            <p:cNvPr id="1026" name="Picture 2" descr="Imagen relacionada"/>
+            <p:cNvPicPr>
+              <a:picLocks noChangeAspect="1" noChangeArrowheads="1"/>
+            </p:cNvPicPr>
+            <p:nvPr/>
+          </p:nvPicPr>
+          <p:blipFill>
+            <a:blip r:embed="rId6">
+              <a:extLst>
+                <a:ext uri="{28A0092B-C50C-407E-A947-70E740481C1C}">
+                  <a14:useLocalDpi xmlns:a14="http://schemas.microsoft.com/office/drawing/2010/main" val="0"/>
+                </a:ext>
+              </a:extLst>
+            </a:blip>
+            <a:srcRect/>
+            <a:stretch>
+              <a:fillRect/>
+            </a:stretch>
+          </p:blipFill>
+          <p:spPr bwMode="auto">
+            <a:xfrm>
+              <a:off x="4239229" y="4482790"/>
+              <a:ext cx="1126399" cy="1022613"/>
+            </a:xfrm>
+            <a:prstGeom prst="rect">
+              <a:avLst/>
+            </a:prstGeom>
+            <a:noFill/>
+            <a:extLst>
+              <a:ext uri="{909E8E84-426E-40DD-AFC4-6F175D3DCCD1}">
+                <a14:hiddenFill xmlns:a14="http://schemas.microsoft.com/office/drawing/2010/main">
+                  <a:solidFill>
+                    <a:srgbClr val="FFFFFF"/>
+                  </a:solidFill>
+                </a14:hiddenFill>
+              </a:ext>
+            </a:extLst>
+          </p:spPr>
+        </p:pic>
+        <p:pic>
+          <p:nvPicPr>
+            <p:cNvPr id="1030" name="Picture 6" descr="Imagen relacionada"/>
+            <p:cNvPicPr>
+              <a:picLocks noChangeAspect="1" noChangeArrowheads="1"/>
+            </p:cNvPicPr>
+            <p:nvPr/>
+          </p:nvPicPr>
+          <p:blipFill>
+            <a:blip r:embed="rId7">
+              <a:extLst>
+                <a:ext uri="{28A0092B-C50C-407E-A947-70E740481C1C}">
+                  <a14:useLocalDpi xmlns:a14="http://schemas.microsoft.com/office/drawing/2010/main" val="0"/>
+                </a:ext>
+              </a:extLst>
+            </a:blip>
+            <a:srcRect/>
+            <a:stretch>
+              <a:fillRect/>
+            </a:stretch>
+          </p:blipFill>
+          <p:spPr bwMode="auto">
+            <a:xfrm>
+              <a:off x="6019600" y="2497367"/>
+              <a:ext cx="1007608" cy="768438"/>
+            </a:xfrm>
+            <a:prstGeom prst="rect">
+              <a:avLst/>
+            </a:prstGeom>
+            <a:noFill/>
+            <a:extLst>
+              <a:ext uri="{909E8E84-426E-40DD-AFC4-6F175D3DCCD1}">
+                <a14:hiddenFill xmlns:a14="http://schemas.microsoft.com/office/drawing/2010/main">
+                  <a:solidFill>
+                    <a:srgbClr val="FFFFFF"/>
+                  </a:solidFill>
+                </a14:hiddenFill>
+              </a:ext>
+            </a:extLst>
+          </p:spPr>
+        </p:pic>
+        <p:pic>
+          <p:nvPicPr>
+            <p:cNvPr id="7" name="Picture 2" descr="https://cdn-images-1.medium.com/max/2000/1*A-_KrEvMuiH7dlwshFw5aw.png"/>
+            <p:cNvPicPr>
+              <a:picLocks noChangeAspect="1" noChangeArrowheads="1"/>
+            </p:cNvPicPr>
+            <p:nvPr/>
+          </p:nvPicPr>
+          <p:blipFill>
+            <a:blip r:embed="rId8" cstate="print">
+              <a:extLst>
+                <a:ext uri="{28A0092B-C50C-407E-A947-70E740481C1C}">
+                  <a14:useLocalDpi xmlns:a14="http://schemas.microsoft.com/office/drawing/2010/main" val="0"/>
+                </a:ext>
+              </a:extLst>
+            </a:blip>
+            <a:srcRect/>
+            <a:stretch>
+              <a:fillRect/>
+            </a:stretch>
+          </p:blipFill>
+          <p:spPr bwMode="auto">
+            <a:xfrm>
+              <a:off x="5061175" y="2632355"/>
+              <a:ext cx="1155441" cy="646041"/>
+            </a:xfrm>
+            <a:prstGeom prst="rect">
+              <a:avLst/>
+            </a:prstGeom>
+            <a:noFill/>
+            <a:extLst>
+              <a:ext uri="{909E8E84-426E-40DD-AFC4-6F175D3DCCD1}">
+                <a14:hiddenFill xmlns:a14="http://schemas.microsoft.com/office/drawing/2010/main">
+                  <a:solidFill>
+                    <a:srgbClr val="FFFFFF"/>
+                  </a:solidFill>
+                </a14:hiddenFill>
+              </a:ext>
+            </a:extLst>
+          </p:spPr>
+        </p:pic>
+        <p:pic>
+          <p:nvPicPr>
+            <p:cNvPr id="1034" name="Picture 10" descr="Imagen relacionada"/>
+            <p:cNvPicPr>
+              <a:picLocks noChangeAspect="1" noChangeArrowheads="1"/>
+            </p:cNvPicPr>
+            <p:nvPr/>
+          </p:nvPicPr>
+          <p:blipFill>
+            <a:blip r:embed="rId9">
+              <a:extLst>
+                <a:ext uri="{28A0092B-C50C-407E-A947-70E740481C1C}">
+                  <a14:useLocalDpi xmlns:a14="http://schemas.microsoft.com/office/drawing/2010/main" val="0"/>
+                </a:ext>
+              </a:extLst>
+            </a:blip>
+            <a:srcRect/>
+            <a:stretch>
+              <a:fillRect/>
+            </a:stretch>
+          </p:blipFill>
+          <p:spPr bwMode="auto">
+            <a:xfrm>
+              <a:off x="5562066" y="3712731"/>
+              <a:ext cx="1284912" cy="1100872"/>
+            </a:xfrm>
+            <a:prstGeom prst="rect">
+              <a:avLst/>
+            </a:prstGeom>
+            <a:noFill/>
+            <a:extLst>
+              <a:ext uri="{909E8E84-426E-40DD-AFC4-6F175D3DCCD1}">
+                <a14:hiddenFill xmlns:a14="http://schemas.microsoft.com/office/drawing/2010/main">
+                  <a:solidFill>
+                    <a:srgbClr val="FFFFFF"/>
+                  </a:solidFill>
+                </a14:hiddenFill>
+              </a:ext>
+            </a:extLst>
+          </p:spPr>
+        </p:pic>
+        <p:pic>
+          <p:nvPicPr>
+            <p:cNvPr id="1036" name="Picture 12" descr="Imagen relacionada"/>
+            <p:cNvPicPr>
+              <a:picLocks noChangeAspect="1" noChangeArrowheads="1"/>
+            </p:cNvPicPr>
+            <p:nvPr/>
+          </p:nvPicPr>
+          <p:blipFill>
+            <a:blip r:embed="rId10">
+              <a:extLst>
+                <a:ext uri="{28A0092B-C50C-407E-A947-70E740481C1C}">
+                  <a14:useLocalDpi xmlns:a14="http://schemas.microsoft.com/office/drawing/2010/main" val="0"/>
+                </a:ext>
+              </a:extLst>
+            </a:blip>
+            <a:srcRect/>
+            <a:stretch>
+              <a:fillRect/>
+            </a:stretch>
+          </p:blipFill>
+          <p:spPr bwMode="auto">
+            <a:xfrm>
+              <a:off x="8212602" y="3251325"/>
+              <a:ext cx="1059361" cy="794174"/>
+            </a:xfrm>
+            <a:prstGeom prst="rect">
+              <a:avLst/>
+            </a:prstGeom>
+            <a:noFill/>
+            <a:extLst>
+              <a:ext uri="{909E8E84-426E-40DD-AFC4-6F175D3DCCD1}">
+                <a14:hiddenFill xmlns:a14="http://schemas.microsoft.com/office/drawing/2010/main">
+                  <a:solidFill>
+                    <a:srgbClr val="FFFFFF"/>
+                  </a:solidFill>
+                </a14:hiddenFill>
+              </a:ext>
+            </a:extLst>
+          </p:spPr>
+        </p:pic>
+        <p:pic>
+          <p:nvPicPr>
+            <p:cNvPr id="1042" name="Picture 18" descr="Imagen relacionada"/>
+            <p:cNvPicPr>
+              <a:picLocks noChangeAspect="1" noChangeArrowheads="1"/>
+            </p:cNvPicPr>
+            <p:nvPr/>
+          </p:nvPicPr>
+          <p:blipFill>
+            <a:blip r:embed="rId11">
+              <a:extLst>
+                <a:ext uri="{28A0092B-C50C-407E-A947-70E740481C1C}">
+                  <a14:useLocalDpi xmlns:a14="http://schemas.microsoft.com/office/drawing/2010/main" val="0"/>
+                </a:ext>
+              </a:extLst>
+            </a:blip>
+            <a:srcRect/>
+            <a:stretch>
+              <a:fillRect/>
+            </a:stretch>
+          </p:blipFill>
+          <p:spPr bwMode="auto">
+            <a:xfrm>
+              <a:off x="9338653" y="4912500"/>
+              <a:ext cx="1614907" cy="772242"/>
+            </a:xfrm>
+            <a:prstGeom prst="rect">
+              <a:avLst/>
+            </a:prstGeom>
+            <a:noFill/>
+            <a:extLst>
+              <a:ext uri="{909E8E84-426E-40DD-AFC4-6F175D3DCCD1}">
+                <a14:hiddenFill xmlns:a14="http://schemas.microsoft.com/office/drawing/2010/main">
+                  <a:solidFill>
+                    <a:srgbClr val="FFFFFF"/>
+                  </a:solidFill>
+                </a14:hiddenFill>
+              </a:ext>
+            </a:extLst>
+          </p:spPr>
+        </p:pic>
+        <p:pic>
+          <p:nvPicPr>
+            <p:cNvPr id="1044" name="Picture 20" descr="Imagen relacionada"/>
+            <p:cNvPicPr>
+              <a:picLocks noChangeAspect="1" noChangeArrowheads="1"/>
+            </p:cNvPicPr>
+            <p:nvPr/>
+          </p:nvPicPr>
+          <p:blipFill>
+            <a:blip r:embed="rId12">
+              <a:extLst>
+                <a:ext uri="{28A0092B-C50C-407E-A947-70E740481C1C}">
+                  <a14:useLocalDpi xmlns:a14="http://schemas.microsoft.com/office/drawing/2010/main" val="0"/>
+                </a:ext>
+              </a:extLst>
+            </a:blip>
+            <a:srcRect/>
+            <a:stretch>
+              <a:fillRect/>
+            </a:stretch>
+          </p:blipFill>
+          <p:spPr bwMode="auto">
+            <a:xfrm>
+              <a:off x="7637928" y="4907720"/>
+              <a:ext cx="1540072" cy="831947"/>
+            </a:xfrm>
+            <a:prstGeom prst="rect">
+              <a:avLst/>
+            </a:prstGeom>
+            <a:noFill/>
+            <a:extLst>
+              <a:ext uri="{909E8E84-426E-40DD-AFC4-6F175D3DCCD1}">
+                <a14:hiddenFill xmlns:a14="http://schemas.microsoft.com/office/drawing/2010/main">
+                  <a:solidFill>
+                    <a:srgbClr val="FFFFFF"/>
+                  </a:solidFill>
+                </a14:hiddenFill>
+              </a:ext>
+            </a:extLst>
+          </p:spPr>
+        </p:pic>
+        <p:pic>
+          <p:nvPicPr>
+            <p:cNvPr id="6" name="Picture 4" descr="TypeScript"/>
+            <p:cNvPicPr>
+              <a:picLocks noChangeAspect="1" noChangeArrowheads="1"/>
+            </p:cNvPicPr>
+            <p:nvPr/>
+          </p:nvPicPr>
+          <p:blipFill>
+            <a:blip r:embed="rId13" cstate="print">
+              <a:extLst>
+                <a:ext uri="{28A0092B-C50C-407E-A947-70E740481C1C}">
+                  <a14:useLocalDpi xmlns:a14="http://schemas.microsoft.com/office/drawing/2010/main" val="0"/>
+                </a:ext>
+              </a:extLst>
+            </a:blip>
+            <a:srcRect/>
+            <a:stretch>
+              <a:fillRect/>
+            </a:stretch>
+          </p:blipFill>
+          <p:spPr bwMode="auto">
+            <a:xfrm>
+              <a:off x="3490687" y="3796926"/>
+              <a:ext cx="890244" cy="762733"/>
+            </a:xfrm>
+            <a:prstGeom prst="rect">
+              <a:avLst/>
+            </a:prstGeom>
+            <a:noFill/>
+            <a:extLst>
+              <a:ext uri="{909E8E84-426E-40DD-AFC4-6F175D3DCCD1}">
+                <a14:hiddenFill xmlns:a14="http://schemas.microsoft.com/office/drawing/2010/main">
+                  <a:solidFill>
+                    <a:srgbClr val="FFFFFF"/>
+                  </a:solidFill>
+                </a14:hiddenFill>
+              </a:ext>
+            </a:extLst>
+          </p:spPr>
+        </p:pic>
+        <p:pic>
+          <p:nvPicPr>
+            <p:cNvPr id="4" name="Picture 6" descr="http://media02.hongkiat.com/ecmascript-6/ecmascript-6-logo.jpg"/>
+            <p:cNvPicPr>
+              <a:picLocks noChangeAspect="1" noChangeArrowheads="1"/>
+            </p:cNvPicPr>
+            <p:nvPr/>
+          </p:nvPicPr>
+          <p:blipFill>
+            <a:blip r:embed="rId14" cstate="print">
+              <a:extLst>
+                <a:ext uri="{28A0092B-C50C-407E-A947-70E740481C1C}">
+                  <a14:useLocalDpi xmlns:a14="http://schemas.microsoft.com/office/drawing/2010/main" val="0"/>
+                </a:ext>
+              </a:extLst>
+            </a:blip>
+            <a:srcRect/>
+            <a:stretch>
+              <a:fillRect/>
+            </a:stretch>
+          </p:blipFill>
+          <p:spPr bwMode="auto">
+            <a:xfrm>
+              <a:off x="840374" y="4707958"/>
+              <a:ext cx="1185310" cy="650578"/>
+            </a:xfrm>
+            <a:prstGeom prst="rect">
+              <a:avLst/>
+            </a:prstGeom>
+            <a:noFill/>
+            <a:extLst>
+              <a:ext uri="{909E8E84-426E-40DD-AFC4-6F175D3DCCD1}">
+                <a14:hiddenFill xmlns:a14="http://schemas.microsoft.com/office/drawing/2010/main">
+                  <a:solidFill>
+                    <a:srgbClr val="FFFFFF"/>
+                  </a:solidFill>
+                </a14:hiddenFill>
+              </a:ext>
+            </a:extLst>
+          </p:spPr>
+        </p:pic>
+        <p:pic>
+          <p:nvPicPr>
+            <p:cNvPr id="8" name="Picture 2" descr="Imagen relacionada"/>
+            <p:cNvPicPr>
+              <a:picLocks noChangeAspect="1" noChangeArrowheads="1"/>
+            </p:cNvPicPr>
+            <p:nvPr/>
+          </p:nvPicPr>
+          <p:blipFill>
+            <a:blip r:embed="rId15">
+              <a:extLst>
+                <a:ext uri="{28A0092B-C50C-407E-A947-70E740481C1C}">
+                  <a14:useLocalDpi xmlns:a14="http://schemas.microsoft.com/office/drawing/2010/main" val="0"/>
+                </a:ext>
+              </a:extLst>
+            </a:blip>
+            <a:srcRect/>
+            <a:stretch>
+              <a:fillRect/>
+            </a:stretch>
+          </p:blipFill>
+          <p:spPr bwMode="auto">
+            <a:xfrm>
+              <a:off x="4527369" y="1564231"/>
+              <a:ext cx="1557095" cy="766195"/>
+            </a:xfrm>
+            <a:prstGeom prst="rect">
+              <a:avLst/>
+            </a:prstGeom>
+            <a:noFill/>
+            <a:extLst>
+              <a:ext uri="{909E8E84-426E-40DD-AFC4-6F175D3DCCD1}">
+                <a14:hiddenFill xmlns:a14="http://schemas.microsoft.com/office/drawing/2010/main">
+                  <a:solidFill>
+                    <a:srgbClr val="FFFFFF"/>
+                  </a:solidFill>
+                </a14:hiddenFill>
+              </a:ext>
+            </a:extLst>
+          </p:spPr>
+        </p:pic>
+        <p:sp>
+          <p:nvSpPr>
+            <p:cNvPr id="11" name="Rectángulo 10"/>
+            <p:cNvSpPr/>
+            <p:nvPr/>
+          </p:nvSpPr>
+          <p:spPr>
+            <a:xfrm>
+              <a:off x="1554480" y="2353512"/>
+              <a:ext cx="1605280" cy="948488"/>
+            </a:xfrm>
+            <a:prstGeom prst="rect">
+              <a:avLst/>
+            </a:prstGeom>
+            <a:noFill/>
+            <a:ln>
+              <a:noFill/>
+            </a:ln>
+          </p:spPr>
+          <p:style>
+            <a:lnRef idx="0">
+              <a:scrgbClr r="0" g="0" b="0"/>
+            </a:lnRef>
+            <a:fillRef idx="0">
+              <a:scrgbClr r="0" g="0" b="0"/>
+            </a:fillRef>
+            <a:effectRef idx="0">
+              <a:scrgbClr r="0" g="0" b="0"/>
+            </a:effectRef>
+            <a:fontRef idx="minor">
+              <a:schemeClr val="dk1"/>
+            </a:fontRef>
+          </p:style>
+          <p:txBody>
+            <a:bodyPr rtlCol="0" anchor="ctr"/>
+            <a:lstStyle/>
+            <a:p>
+              <a:pPr algn="ctr"/>
+              <a:endParaRPr lang="es-ES"/>
+            </a:p>
+          </p:txBody>
+        </p:sp>
+        <p:sp>
+          <p:nvSpPr>
+            <p:cNvPr id="13" name="CuadroTexto 12"/>
+            <p:cNvSpPr txBox="1"/>
+            <p:nvPr/>
+          </p:nvSpPr>
+          <p:spPr>
+            <a:xfrm>
+              <a:off x="6151236" y="2094878"/>
+              <a:ext cx="1544320" cy="307777"/>
+            </a:xfrm>
+            <a:prstGeom prst="rect">
+              <a:avLst/>
+            </a:prstGeom>
+            <a:noFill/>
+          </p:spPr>
+          <p:txBody>
+            <a:bodyPr wrap="square" rtlCol="0">
+              <a:spAutoFit/>
+            </a:bodyPr>
+            <a:lstStyle/>
+            <a:p>
+              <a:r>
+                <a:rPr lang="es-ES" sz="1400" dirty="0" err="1"/>
+                <a:t>Build</a:t>
+              </a:r>
+              <a:r>
+                <a:rPr lang="es-ES" sz="1400" dirty="0"/>
+                <a:t> </a:t>
+              </a:r>
+              <a:r>
+                <a:rPr lang="es-ES" sz="1400" dirty="0" err="1"/>
+                <a:t>System</a:t>
+              </a:r>
+              <a:endParaRPr lang="es-ES" sz="1400" dirty="0"/>
+            </a:p>
+          </p:txBody>
+        </p:sp>
+        <p:sp>
+          <p:nvSpPr>
+            <p:cNvPr id="15" name="CuadroTexto 14"/>
+            <p:cNvSpPr txBox="1"/>
+            <p:nvPr/>
+          </p:nvSpPr>
+          <p:spPr>
+            <a:xfrm>
+              <a:off x="834811" y="3193197"/>
+              <a:ext cx="1489760" cy="338554"/>
+            </a:xfrm>
+            <a:prstGeom prst="rect">
+              <a:avLst/>
+            </a:prstGeom>
+            <a:noFill/>
+          </p:spPr>
+          <p:txBody>
+            <a:bodyPr wrap="square" rtlCol="0">
+              <a:spAutoFit/>
+            </a:bodyPr>
+            <a:lstStyle/>
+            <a:p>
+              <a:r>
+                <a:rPr lang="es-ES" sz="1600" dirty="0"/>
+                <a:t>Compatibilidad</a:t>
+              </a:r>
+            </a:p>
+          </p:txBody>
+        </p:sp>
+        <p:pic>
+          <p:nvPicPr>
+            <p:cNvPr id="19" name="Picture 4" descr="Imagen relacionada"/>
+            <p:cNvPicPr>
+              <a:picLocks noChangeAspect="1" noChangeArrowheads="1"/>
+            </p:cNvPicPr>
+            <p:nvPr/>
+          </p:nvPicPr>
+          <p:blipFill>
+            <a:blip r:embed="rId16" cstate="print">
+              <a:extLst>
+                <a:ext uri="{28A0092B-C50C-407E-A947-70E740481C1C}">
+                  <a14:useLocalDpi xmlns:a14="http://schemas.microsoft.com/office/drawing/2010/main" val="0"/>
+                </a:ext>
+              </a:extLst>
+            </a:blip>
+            <a:srcRect/>
+            <a:stretch>
+              <a:fillRect/>
+            </a:stretch>
+          </p:blipFill>
+          <p:spPr bwMode="auto">
+            <a:xfrm>
+              <a:off x="9360021" y="3343664"/>
+              <a:ext cx="1392050" cy="541353"/>
+            </a:xfrm>
+            <a:prstGeom prst="rect">
+              <a:avLst/>
+            </a:prstGeom>
+            <a:noFill/>
+            <a:extLst>
+              <a:ext uri="{909E8E84-426E-40DD-AFC4-6F175D3DCCD1}">
+                <a14:hiddenFill xmlns:a14="http://schemas.microsoft.com/office/drawing/2010/main">
+                  <a:solidFill>
+                    <a:srgbClr val="FFFFFF"/>
+                  </a:solidFill>
+                </a14:hiddenFill>
+              </a:ext>
+            </a:extLst>
+          </p:spPr>
+        </p:pic>
+        <p:sp>
+          <p:nvSpPr>
+            <p:cNvPr id="20" name="CuadroTexto 19"/>
+            <p:cNvSpPr txBox="1"/>
+            <p:nvPr/>
+          </p:nvSpPr>
+          <p:spPr>
+            <a:xfrm>
+              <a:off x="8777549" y="4692842"/>
+              <a:ext cx="693780" cy="276999"/>
+            </a:xfrm>
+            <a:prstGeom prst="rect">
+              <a:avLst/>
+            </a:prstGeom>
+            <a:noFill/>
+          </p:spPr>
+          <p:txBody>
+            <a:bodyPr wrap="none" rtlCol="0">
+              <a:spAutoFit/>
+            </a:bodyPr>
+            <a:lstStyle/>
+            <a:p>
+              <a:r>
+                <a:rPr lang="es-ES" sz="1200" dirty="0"/>
+                <a:t>DRY CSS</a:t>
+              </a:r>
+            </a:p>
+          </p:txBody>
+        </p:sp>
+        <p:sp>
+          <p:nvSpPr>
+            <p:cNvPr id="22" name="CuadroTexto 21"/>
+            <p:cNvSpPr txBox="1"/>
+            <p:nvPr/>
+          </p:nvSpPr>
+          <p:spPr>
+            <a:xfrm>
+              <a:off x="8417547" y="2879773"/>
+              <a:ext cx="1989394" cy="276999"/>
+            </a:xfrm>
+            <a:prstGeom prst="rect">
+              <a:avLst/>
+            </a:prstGeom>
+            <a:noFill/>
+          </p:spPr>
+          <p:txBody>
+            <a:bodyPr wrap="square" rtlCol="0">
+              <a:spAutoFit/>
+            </a:bodyPr>
+            <a:lstStyle/>
+            <a:p>
+              <a:r>
+                <a:rPr lang="es-ES" sz="1200" dirty="0"/>
+                <a:t>Gestión de dependencias</a:t>
+              </a:r>
+            </a:p>
+          </p:txBody>
+        </p:sp>
+      </p:grpSp>
+      <p:pic>
+        <p:nvPicPr>
+          <p:cNvPr id="23" name="Picture 6" descr="Imagen relacionada"/>
+          <p:cNvPicPr>
+            <a:picLocks noChangeAspect="1" noChangeArrowheads="1"/>
+          </p:cNvPicPr>
+          <p:nvPr/>
+        </p:nvPicPr>
+        <p:blipFill>
+          <a:blip r:embed="rId17">
+            <a:extLst>
+              <a:ext uri="{28A0092B-C50C-407E-A947-70E740481C1C}">
+                <a14:useLocalDpi xmlns:a14="http://schemas.microsoft.com/office/drawing/2010/main" val="0"/>
+              </a:ext>
+            </a:extLst>
+          </a:blip>
+          <a:srcRect/>
+          <a:stretch>
+            <a:fillRect/>
+          </a:stretch>
+        </p:blipFill>
+        <p:spPr bwMode="auto">
+          <a:xfrm>
+            <a:off x="4499550" y="204017"/>
+            <a:ext cx="1915173" cy="1072497"/>
+          </a:xfrm>
+          <a:prstGeom prst="rect">
+            <a:avLst/>
+          </a:prstGeom>
+          <a:noFill/>
+          <a:extLst>
+            <a:ext uri="{909E8E84-426E-40DD-AFC4-6F175D3DCCD1}">
+              <a14:hiddenFill xmlns:a14="http://schemas.microsoft.com/office/drawing/2010/main">
+                <a:solidFill>
+                  <a:srgbClr val="FFFFFF"/>
+                </a:solidFill>
+              </a14:hiddenFill>
+            </a:ext>
+          </a:extLst>
+        </p:spPr>
+      </p:pic>
+      <p:sp>
+        <p:nvSpPr>
+          <p:cNvPr id="17" name="CuadroTexto 16"/>
+          <p:cNvSpPr txBox="1"/>
+          <p:nvPr/>
+        </p:nvSpPr>
+        <p:spPr>
+          <a:xfrm>
+            <a:off x="5340520" y="5042800"/>
+            <a:ext cx="1830732" cy="800219"/>
+          </a:xfrm>
+          <a:prstGeom prst="rect">
+            <a:avLst/>
+          </a:prstGeom>
+          <a:noFill/>
+        </p:spPr>
+        <p:txBody>
+          <a:bodyPr wrap="square" rtlCol="0">
+            <a:spAutoFit/>
+          </a:bodyPr>
+          <a:lstStyle/>
+          <a:p>
+            <a:r>
+              <a:rPr lang="es-ES" sz="1400" dirty="0"/>
+              <a:t>Organización/Agilidad/</a:t>
+            </a:r>
+            <a:r>
+              <a:rPr lang="es-ES" sz="1400" dirty="0" err="1"/>
+              <a:t>Best</a:t>
+            </a:r>
+            <a:r>
+              <a:rPr lang="es-ES" sz="1400" dirty="0"/>
+              <a:t> practiques</a:t>
+            </a:r>
+          </a:p>
+          <a:p>
+            <a:endParaRPr lang="es-ES" dirty="0"/>
+          </a:p>
+        </p:txBody>
+      </p:sp>
+    </p:spTree>
+    <p:extLst>
+      <p:ext uri="{BB962C8B-B14F-4D97-AF65-F5344CB8AC3E}">
+        <p14:creationId xmlns:p14="http://schemas.microsoft.com/office/powerpoint/2010/main" val="3171392096"/>
+      </p:ext>
+    </p:extLst>
+  </p:cSld>
+  <p:clrMapOvr>
+    <a:masterClrMapping/>
+  </p:clrMapOvr>
+  <p:timing>
+    <p:tnLst>
+      <p:par>
+        <p:cTn id="1" dur="indefinite" restart="never" nodeType="tmRoot">
+          <p:childTnLst>
+            <p:seq concurrent="1" nextAc="seek">
+              <p:cTn id="2" dur="indefinite" nodeType="mainSeq">
+                <p:childTnLst>
+                  <p:par>
+                    <p:cTn id="3" fill="hold">
+                      <p:stCondLst>
+                        <p:cond delay="indefinite"/>
+                      </p:stCondLst>
+                      <p:childTnLst>
+                        <p:par>
+                          <p:cTn id="4" fill="hold">
+                            <p:stCondLst>
+                              <p:cond delay="0"/>
+                            </p:stCondLst>
+                            <p:childTnLst>
+                              <p:par>
+                                <p:cTn id="5" presetID="1" presetClass="entr" presetSubtype="0" fill="hold" nodeType="clickEffect">
+                                  <p:stCondLst>
+                                    <p:cond delay="0"/>
+                                  </p:stCondLst>
+                                  <p:childTnLst>
+                                    <p:set>
+                                      <p:cBhvr>
+                                        <p:cTn id="6" dur="1" fill="hold">
+                                          <p:stCondLst>
+                                            <p:cond delay="0"/>
+                                          </p:stCondLst>
+                                        </p:cTn>
+                                        <p:tgtEl>
+                                          <p:spTgt spid="23"/>
+                                        </p:tgtEl>
+                                        <p:attrNameLst>
+                                          <p:attrName>style.visibility</p:attrName>
+                                        </p:attrNameLst>
+                                      </p:cBhvr>
+                                      <p:to>
+                                        <p:strVal val="visible"/>
+                                      </p:to>
+                                    </p:set>
+                                  </p:childTnLst>
+                                </p:cTn>
+                              </p:par>
+                            </p:childTnLst>
+                          </p:cTn>
+                        </p:par>
+                      </p:childTnLst>
+                    </p:cTn>
+                  </p:par>
+                </p:childTnLst>
+              </p:cTn>
+              <p:prevCondLst>
+                <p:cond evt="onPrev" delay="0">
+                  <p:tgtEl>
+                    <p:sldTgt/>
+                  </p:tgtEl>
+                </p:cond>
+              </p:prevCondLst>
+              <p:nextCondLst>
+                <p:cond evt="onNext" delay="0">
+                  <p:tgtEl>
+                    <p:sldTgt/>
+                  </p:tgtEl>
+                </p:cond>
+              </p:nextCondLst>
+            </p:seq>
+          </p:childTnLst>
+        </p:cTn>
+      </p:par>
+    </p:tnLst>
+  </p:timing>
+</p:sld>
+</file>
+
+<file path=ppt/slides/slide12.xml><?xml version="1.0" encoding="utf-8"?>
+<p:sld xmlns:a="http://schemas.openxmlformats.org/drawingml/2006/main" xmlns:r="http://schemas.openxmlformats.org/officeDocument/2006/relationships" xmlns:p="http://schemas.openxmlformats.org/presentationml/2006/main">
+  <p:cSld>
+    <p:spTree>
+      <p:nvGrpSpPr>
+        <p:cNvPr id="1" name=""/>
+        <p:cNvGrpSpPr/>
+        <p:nvPr/>
+      </p:nvGrpSpPr>
+      <p:grpSpPr>
+        <a:xfrm>
+          <a:off x="0" y="0"/>
+          <a:ext cx="0" cy="0"/>
+          <a:chOff x="0" y="0"/>
+          <a:chExt cx="0" cy="0"/>
+        </a:xfrm>
+      </p:grpSpPr>
+      <p:sp>
+        <p:nvSpPr>
           <p:cNvPr id="3" name="Title 2"/>
           <p:cNvSpPr>
             <a:spLocks noGrp="1"/>
@@ -19310,7 +20603,7 @@
 </p:sld>
 </file>
 
-<file path=ppt/slides/slide12.xml><?xml version="1.0" encoding="utf-8"?>
+<file path=ppt/slides/slide13.xml><?xml version="1.0" encoding="utf-8"?>
 <p:sld xmlns:a="http://schemas.openxmlformats.org/drawingml/2006/main" xmlns:r="http://schemas.openxmlformats.org/officeDocument/2006/relationships" xmlns:p="http://schemas.openxmlformats.org/presentationml/2006/main">
   <p:cSld>
     <p:spTree>
@@ -19422,206 +20715,6 @@
     <p:extLst>
       <p:ext uri="{BB962C8B-B14F-4D97-AF65-F5344CB8AC3E}">
         <p14:creationId xmlns:p14="http://schemas.microsoft.com/office/powerpoint/2010/main" val="3384297645"/>
-      </p:ext>
-    </p:extLst>
-  </p:cSld>
-  <p:clrMapOvr>
-    <a:masterClrMapping/>
-  </p:clrMapOvr>
-</p:sld>
-</file>
-
-<file path=ppt/slides/slide13.xml><?xml version="1.0" encoding="utf-8"?>
-<p:sld xmlns:a="http://schemas.openxmlformats.org/drawingml/2006/main" xmlns:r="http://schemas.openxmlformats.org/officeDocument/2006/relationships" xmlns:p="http://schemas.openxmlformats.org/presentationml/2006/main">
-  <p:cSld>
-    <p:spTree>
-      <p:nvGrpSpPr>
-        <p:cNvPr id="1" name=""/>
-        <p:cNvGrpSpPr/>
-        <p:nvPr/>
-      </p:nvGrpSpPr>
-      <p:grpSpPr>
-        <a:xfrm>
-          <a:off x="0" y="0"/>
-          <a:ext cx="0" cy="0"/>
-          <a:chOff x="0" y="0"/>
-          <a:chExt cx="0" cy="0"/>
-        </a:xfrm>
-      </p:grpSpPr>
-      <p:sp>
-        <p:nvSpPr>
-          <p:cNvPr id="2" name="Título 1"/>
-          <p:cNvSpPr>
-            <a:spLocks noGrp="1"/>
-          </p:cNvSpPr>
-          <p:nvPr>
-            <p:ph type="title"/>
-          </p:nvPr>
-        </p:nvSpPr>
-        <p:spPr/>
-        <p:txBody>
-          <a:bodyPr/>
-          <a:lstStyle/>
-          <a:p>
-            <a:r>
-              <a:rPr lang="en-US" dirty="0"/>
-              <a:t>ES6. </a:t>
-            </a:r>
-            <a:r>
-              <a:rPr lang="en-US" dirty="0" err="1"/>
-              <a:t>Clases</a:t>
-            </a:r>
-            <a:endParaRPr lang="en-US" dirty="0"/>
-          </a:p>
-        </p:txBody>
-      </p:sp>
-      <p:sp>
-        <p:nvSpPr>
-          <p:cNvPr id="3" name="Rectángulo 2"/>
-          <p:cNvSpPr/>
-          <p:nvPr/>
-        </p:nvSpPr>
-        <p:spPr>
-          <a:xfrm>
-            <a:off x="1232647" y="1690688"/>
-            <a:ext cx="10291482" cy="3077766"/>
-          </a:xfrm>
-          <a:prstGeom prst="rect">
-            <a:avLst/>
-          </a:prstGeom>
-        </p:spPr>
-        <p:txBody>
-          <a:bodyPr wrap="square">
-            <a:spAutoFit/>
-          </a:bodyPr>
-          <a:lstStyle/>
-          <a:p>
-            <a:pPr marL="342900" indent="-342900">
-              <a:buFont typeface="Arial" panose="020B0604020202020204" pitchFamily="34" charset="0"/>
-              <a:buChar char="•"/>
-            </a:pPr>
-            <a:r>
-              <a:rPr lang="es-ES" sz="2200" dirty="0">
-                <a:latin typeface="Segoe UI Light" panose="020B0502040204020203" pitchFamily="34" charset="0"/>
-                <a:cs typeface="Segoe UI Light" panose="020B0502040204020203" pitchFamily="34" charset="0"/>
-              </a:rPr>
-              <a:t>ES6 Introduce la sintaxis de clases , que para los que venimos de un </a:t>
-            </a:r>
-            <a:r>
-              <a:rPr lang="es-ES" sz="2200" dirty="0" err="1">
-                <a:latin typeface="Segoe UI Light" panose="020B0502040204020203" pitchFamily="34" charset="0"/>
-                <a:cs typeface="Segoe UI Light" panose="020B0502040204020203" pitchFamily="34" charset="0"/>
-              </a:rPr>
-              <a:t>background</a:t>
-            </a:r>
-            <a:r>
-              <a:rPr lang="es-ES" sz="2200" dirty="0">
-                <a:latin typeface="Segoe UI Light" panose="020B0502040204020203" pitchFamily="34" charset="0"/>
-                <a:cs typeface="Segoe UI Light" panose="020B0502040204020203" pitchFamily="34" charset="0"/>
-              </a:rPr>
-              <a:t> de programación orientada a objetos nos resulta mas sencillo.</a:t>
-            </a:r>
-          </a:p>
-          <a:p>
-            <a:pPr marL="342900" indent="-342900">
-              <a:buFont typeface="Arial" panose="020B0604020202020204" pitchFamily="34" charset="0"/>
-              <a:buChar char="•"/>
-            </a:pPr>
-            <a:r>
-              <a:rPr lang="es-ES" sz="2200" dirty="0">
-                <a:latin typeface="Segoe UI Light" panose="020B0502040204020203" pitchFamily="34" charset="0"/>
-                <a:cs typeface="Segoe UI Light" panose="020B0502040204020203" pitchFamily="34" charset="0"/>
-              </a:rPr>
-              <a:t>De todas formas la herencia en </a:t>
-            </a:r>
-            <a:r>
-              <a:rPr lang="es-ES" sz="2200" dirty="0" err="1">
-                <a:latin typeface="Segoe UI Light" panose="020B0502040204020203" pitchFamily="34" charset="0"/>
-                <a:cs typeface="Segoe UI Light" panose="020B0502040204020203" pitchFamily="34" charset="0"/>
-              </a:rPr>
-              <a:t>javascript</a:t>
-            </a:r>
-            <a:r>
-              <a:rPr lang="es-ES" sz="2200" dirty="0">
-                <a:latin typeface="Segoe UI Light" panose="020B0502040204020203" pitchFamily="34" charset="0"/>
-                <a:cs typeface="Segoe UI Light" panose="020B0502040204020203" pitchFamily="34" charset="0"/>
-              </a:rPr>
-              <a:t> sigue siendo prototípica usando clases o no </a:t>
-            </a:r>
-          </a:p>
-          <a:p>
-            <a:pPr marL="342900" indent="-342900">
-              <a:buFont typeface="Arial" panose="020B0604020202020204" pitchFamily="34" charset="0"/>
-              <a:buChar char="•"/>
-            </a:pPr>
-            <a:r>
-              <a:rPr lang="es-ES" sz="2200" dirty="0">
-                <a:latin typeface="Segoe UI Light" panose="020B0502040204020203" pitchFamily="34" charset="0"/>
-                <a:cs typeface="Segoe UI Light" panose="020B0502040204020203" pitchFamily="34" charset="0"/>
-              </a:rPr>
-              <a:t>Ejercicio1. En </a:t>
-            </a:r>
-            <a:r>
-              <a:rPr lang="es-ES" sz="2200" dirty="0">
-                <a:latin typeface="Segoe UI Light" panose="020B0502040204020203" pitchFamily="34" charset="0"/>
-                <a:cs typeface="Segoe UI Light" panose="020B0502040204020203" pitchFamily="34" charset="0"/>
-                <a:hlinkClick r:id="rId3"/>
-              </a:rPr>
-              <a:t>https://jsbin.com/mudakeg/edit?js,console</a:t>
-            </a:r>
-            <a:r>
-              <a:rPr lang="es-ES" sz="2200" dirty="0">
-                <a:latin typeface="Segoe UI Light" panose="020B0502040204020203" pitchFamily="34" charset="0"/>
-                <a:cs typeface="Segoe UI Light" panose="020B0502040204020203" pitchFamily="34" charset="0"/>
-              </a:rPr>
-              <a:t> encontrareis un pequeño programa escrito en ES5. El programa representa un objeto coche que tiene dos propiedades y un método. Se pide que lo </a:t>
-            </a:r>
-            <a:r>
-              <a:rPr lang="es-ES" sz="2200" dirty="0" err="1">
-                <a:latin typeface="Segoe UI Light" panose="020B0502040204020203" pitchFamily="34" charset="0"/>
-                <a:cs typeface="Segoe UI Light" panose="020B0502040204020203" pitchFamily="34" charset="0"/>
-              </a:rPr>
-              <a:t>migreis</a:t>
-            </a:r>
-            <a:r>
-              <a:rPr lang="es-ES" sz="2200" dirty="0">
-                <a:latin typeface="Segoe UI Light" panose="020B0502040204020203" pitchFamily="34" charset="0"/>
-                <a:cs typeface="Segoe UI Light" panose="020B0502040204020203" pitchFamily="34" charset="0"/>
-              </a:rPr>
-              <a:t> a ECMA6 usando clases </a:t>
-            </a:r>
-          </a:p>
-          <a:p>
-            <a:pPr marL="342900" indent="-342900">
-              <a:buFont typeface="Arial" panose="020B0604020202020204" pitchFamily="34" charset="0"/>
-              <a:buChar char="•"/>
-            </a:pPr>
-            <a:r>
-              <a:rPr lang="es-ES" sz="2200" dirty="0">
-                <a:latin typeface="Segoe UI Light" panose="020B0502040204020203" pitchFamily="34" charset="0"/>
-                <a:cs typeface="Segoe UI Light" panose="020B0502040204020203" pitchFamily="34" charset="0"/>
-              </a:rPr>
-              <a:t>La definición de sintaxis de clases la podéis encontrar en </a:t>
-            </a:r>
-            <a:r>
-              <a:rPr lang="es-ES" dirty="0">
-                <a:latin typeface="Segoe UI Light" panose="020B0502040204020203" pitchFamily="34" charset="0"/>
-                <a:cs typeface="Segoe UI Light" panose="020B0502040204020203" pitchFamily="34" charset="0"/>
-                <a:hlinkClick r:id="rId4"/>
-              </a:rPr>
-              <a:t>https://developer.mozilla.org/en-US/docs/Web/JavaScript/Reference/Classes#Defining_classes</a:t>
-            </a:r>
-            <a:endParaRPr lang="es-ES" dirty="0">
-              <a:latin typeface="Segoe UI Light" panose="020B0502040204020203" pitchFamily="34" charset="0"/>
-              <a:cs typeface="Segoe UI Light" panose="020B0502040204020203" pitchFamily="34" charset="0"/>
-            </a:endParaRPr>
-          </a:p>
-        </p:txBody>
-      </p:sp>
-    </p:spTree>
-    <p:extLst>
-      <p:ext uri="{BB962C8B-B14F-4D97-AF65-F5344CB8AC3E}">
-        <p14:creationId xmlns:p14="http://schemas.microsoft.com/office/powerpoint/2010/main" val="170608957"/>
       </p:ext>
     </p:extLst>
   </p:cSld>
@@ -19668,9 +20761,10 @@
               <a:t>ES6. </a:t>
             </a:r>
             <a:r>
-              <a:rPr lang="es-ES" dirty="0"/>
-              <a:t>Herencia</a:t>
-            </a:r>
+              <a:rPr lang="en-US" dirty="0" err="1"/>
+              <a:t>Clases</a:t>
+            </a:r>
+            <a:endParaRPr lang="en-US" dirty="0"/>
           </a:p>
         </p:txBody>
       </p:sp>
@@ -19683,7 +20777,7 @@
         <p:spPr>
           <a:xfrm>
             <a:off x="1232647" y="1690688"/>
-            <a:ext cx="10291482" cy="3416320"/>
+            <a:ext cx="10291482" cy="3077766"/>
           </a:xfrm>
           <a:prstGeom prst="rect">
             <a:avLst/>
@@ -19695,118 +20789,122 @@
           </a:bodyPr>
           <a:lstStyle/>
           <a:p>
-            <a:r>
-              <a:rPr lang="es-ES" dirty="0">
+            <a:pPr marL="342900" indent="-342900">
+              <a:buFont typeface="Arial" panose="020B0604020202020204" pitchFamily="34" charset="0"/>
+              <a:buChar char="•"/>
+            </a:pPr>
+            <a:r>
+              <a:rPr lang="es-ES" sz="2200" dirty="0">
                 <a:latin typeface="Segoe UI Light" panose="020B0502040204020203" pitchFamily="34" charset="0"/>
                 <a:cs typeface="Segoe UI Light" panose="020B0502040204020203" pitchFamily="34" charset="0"/>
               </a:rPr>
-              <a:t>ES6 con la sintaxis de clases también nos permite definir la herencia de una forma mas “tradicional”</a:t>
-            </a:r>
-          </a:p>
-          <a:p>
-            <a:endParaRPr lang="es-ES" dirty="0">
-              <a:latin typeface="Segoe UI Light" panose="020B0502040204020203" pitchFamily="34" charset="0"/>
-              <a:cs typeface="Segoe UI Light" panose="020B0502040204020203" pitchFamily="34" charset="0"/>
-            </a:endParaRPr>
-          </a:p>
-          <a:p>
-            <a:r>
-              <a:rPr lang="es-ES" dirty="0">
+              <a:t>ES6 Introduce la sintaxis de clases , que para los que venimos de un </a:t>
+            </a:r>
+            <a:r>
+              <a:rPr lang="es-ES" sz="2200" dirty="0" err="1">
                 <a:latin typeface="Segoe UI Light" panose="020B0502040204020203" pitchFamily="34" charset="0"/>
                 <a:cs typeface="Segoe UI Light" panose="020B0502040204020203" pitchFamily="34" charset="0"/>
               </a:rPr>
-              <a:t>Aquí podéis ver la sintaxis https://developer.mozilla.org/es/docs/Web/JavaScript/Herencia_y_la_cadena_de_protipos#Con_la_palabra_reservada_class</a:t>
-            </a:r>
-          </a:p>
-          <a:p>
-            <a:endParaRPr lang="es-ES" dirty="0">
-              <a:latin typeface="Segoe UI Light" panose="020B0502040204020203" pitchFamily="34" charset="0"/>
-              <a:cs typeface="Segoe UI Light" panose="020B0502040204020203" pitchFamily="34" charset="0"/>
-            </a:endParaRPr>
-          </a:p>
-          <a:p>
-            <a:r>
-              <a:rPr lang="es-ES" dirty="0">
+              <a:t>background</a:t>
+            </a:r>
+            <a:r>
+              <a:rPr lang="es-ES" sz="2200" dirty="0">
                 <a:latin typeface="Segoe UI Light" panose="020B0502040204020203" pitchFamily="34" charset="0"/>
                 <a:cs typeface="Segoe UI Light" panose="020B0502040204020203" pitchFamily="34" charset="0"/>
               </a:rPr>
-              <a:t>Lo que se pide es modificar el resultado del ejercicio anterior (Sino lo tenéis lo podéis ver en </a:t>
-            </a:r>
-            <a:r>
-              <a:rPr lang="es-ES" dirty="0">
+              <a:t> de programación orientada a objetos nos resulta mas sencillo.</a:t>
+            </a:r>
+          </a:p>
+          <a:p>
+            <a:pPr marL="342900" indent="-342900">
+              <a:buFont typeface="Arial" panose="020B0604020202020204" pitchFamily="34" charset="0"/>
+              <a:buChar char="•"/>
+            </a:pPr>
+            <a:r>
+              <a:rPr lang="es-ES" sz="2200" dirty="0">
+                <a:latin typeface="Segoe UI Light" panose="020B0502040204020203" pitchFamily="34" charset="0"/>
+                <a:cs typeface="Segoe UI Light" panose="020B0502040204020203" pitchFamily="34" charset="0"/>
+              </a:rPr>
+              <a:t>De todas formas la herencia en </a:t>
+            </a:r>
+            <a:r>
+              <a:rPr lang="es-ES" sz="2200" dirty="0" err="1">
+                <a:latin typeface="Segoe UI Light" panose="020B0502040204020203" pitchFamily="34" charset="0"/>
+                <a:cs typeface="Segoe UI Light" panose="020B0502040204020203" pitchFamily="34" charset="0"/>
+              </a:rPr>
+              <a:t>javascript</a:t>
+            </a:r>
+            <a:r>
+              <a:rPr lang="es-ES" sz="2200" dirty="0">
+                <a:latin typeface="Segoe UI Light" panose="020B0502040204020203" pitchFamily="34" charset="0"/>
+                <a:cs typeface="Segoe UI Light" panose="020B0502040204020203" pitchFamily="34" charset="0"/>
+              </a:rPr>
+              <a:t> sigue siendo prototípica usando clases o no </a:t>
+            </a:r>
+          </a:p>
+          <a:p>
+            <a:pPr marL="342900" indent="-342900">
+              <a:buFont typeface="Arial" panose="020B0604020202020204" pitchFamily="34" charset="0"/>
+              <a:buChar char="•"/>
+            </a:pPr>
+            <a:r>
+              <a:rPr lang="es-ES" sz="2200" dirty="0">
+                <a:latin typeface="Segoe UI Light" panose="020B0502040204020203" pitchFamily="34" charset="0"/>
+                <a:cs typeface="Segoe UI Light" panose="020B0502040204020203" pitchFamily="34" charset="0"/>
+              </a:rPr>
+              <a:t>Ejercicio1. En </a:t>
+            </a:r>
+            <a:r>
+              <a:rPr lang="es-ES" sz="2200" dirty="0">
                 <a:latin typeface="Segoe UI Light" panose="020B0502040204020203" pitchFamily="34" charset="0"/>
                 <a:cs typeface="Segoe UI Light" panose="020B0502040204020203" pitchFamily="34" charset="0"/>
                 <a:hlinkClick r:id="rId3"/>
               </a:rPr>
-              <a:t>https://jsbin.com/gedosacedu/edit?js,console</a:t>
+              <a:t>https://jsbin.com/mudakeg/edit?js,console</a:t>
+            </a:r>
+            <a:r>
+              <a:rPr lang="es-ES" sz="2200" dirty="0">
+                <a:latin typeface="Segoe UI Light" panose="020B0502040204020203" pitchFamily="34" charset="0"/>
+                <a:cs typeface="Segoe UI Light" panose="020B0502040204020203" pitchFamily="34" charset="0"/>
+              </a:rPr>
+              <a:t> encontrareis un pequeño programa escrito en ES5. El programa representa un objeto coche que tiene dos propiedades y un método. Se pide que lo </a:t>
+            </a:r>
+            <a:r>
+              <a:rPr lang="es-ES" sz="2200" dirty="0" err="1">
+                <a:latin typeface="Segoe UI Light" panose="020B0502040204020203" pitchFamily="34" charset="0"/>
+                <a:cs typeface="Segoe UI Light" panose="020B0502040204020203" pitchFamily="34" charset="0"/>
+              </a:rPr>
+              <a:t>migreis</a:t>
+            </a:r>
+            <a:r>
+              <a:rPr lang="es-ES" sz="2200" dirty="0">
+                <a:latin typeface="Segoe UI Light" panose="020B0502040204020203" pitchFamily="34" charset="0"/>
+                <a:cs typeface="Segoe UI Light" panose="020B0502040204020203" pitchFamily="34" charset="0"/>
+              </a:rPr>
+              <a:t> a ECMA6 usando clases </a:t>
+            </a:r>
+          </a:p>
+          <a:p>
+            <a:pPr marL="342900" indent="-342900">
+              <a:buFont typeface="Arial" panose="020B0604020202020204" pitchFamily="34" charset="0"/>
+              <a:buChar char="•"/>
+            </a:pPr>
+            <a:r>
+              <a:rPr lang="es-ES" sz="2200" dirty="0">
+                <a:latin typeface="Segoe UI Light" panose="020B0502040204020203" pitchFamily="34" charset="0"/>
+                <a:cs typeface="Segoe UI Light" panose="020B0502040204020203" pitchFamily="34" charset="0"/>
+              </a:rPr>
+              <a:t>La definición de sintaxis de clases la podéis encontrar en </a:t>
             </a:r>
             <a:r>
               <a:rPr lang="es-ES" dirty="0">
                 <a:latin typeface="Segoe UI Light" panose="020B0502040204020203" pitchFamily="34" charset="0"/>
                 <a:cs typeface="Segoe UI Light" panose="020B0502040204020203" pitchFamily="34" charset="0"/>
+                <a:hlinkClick r:id="rId4"/>
               </a:rPr>
-              <a:t>)</a:t>
-            </a:r>
-          </a:p>
-          <a:p>
+              <a:t>https://developer.mozilla.org/en-US/docs/Web/JavaScript/Reference/Classes#Defining_classes</a:t>
+            </a:r>
             <a:endParaRPr lang="es-ES" dirty="0">
-              <a:latin typeface="Segoe UI Light" panose="020B0502040204020203" pitchFamily="34" charset="0"/>
-              <a:cs typeface="Segoe UI Light" panose="020B0502040204020203" pitchFamily="34" charset="0"/>
-            </a:endParaRPr>
-          </a:p>
-          <a:p>
-            <a:r>
-              <a:rPr lang="es-ES" dirty="0">
-                <a:latin typeface="Segoe UI Light" panose="020B0502040204020203" pitchFamily="34" charset="0"/>
-                <a:cs typeface="Segoe UI Light" panose="020B0502040204020203" pitchFamily="34" charset="0"/>
-              </a:rPr>
-              <a:t>Lo que queremos es crear una nueva clase llamada </a:t>
-            </a:r>
-            <a:r>
-              <a:rPr lang="es-ES" dirty="0" err="1">
-                <a:latin typeface="Segoe UI Light" panose="020B0502040204020203" pitchFamily="34" charset="0"/>
-                <a:cs typeface="Segoe UI Light" panose="020B0502040204020203" pitchFamily="34" charset="0"/>
-              </a:rPr>
-              <a:t>raceCar</a:t>
-            </a:r>
-            <a:r>
-              <a:rPr lang="es-ES" dirty="0">
-                <a:latin typeface="Segoe UI Light" panose="020B0502040204020203" pitchFamily="34" charset="0"/>
-                <a:cs typeface="Segoe UI Light" panose="020B0502040204020203" pitchFamily="34" charset="0"/>
-              </a:rPr>
-              <a:t> que en el constructor tenga un nuevo parámetro </a:t>
-            </a:r>
-            <a:r>
-              <a:rPr lang="es-ES" dirty="0" err="1">
-                <a:latin typeface="Segoe UI Light" panose="020B0502040204020203" pitchFamily="34" charset="0"/>
-                <a:cs typeface="Segoe UI Light" panose="020B0502040204020203" pitchFamily="34" charset="0"/>
-              </a:rPr>
-              <a:t>topspeed</a:t>
-            </a:r>
-            <a:r>
-              <a:rPr lang="es-ES" dirty="0">
-                <a:latin typeface="Segoe UI Light" panose="020B0502040204020203" pitchFamily="34" charset="0"/>
-                <a:cs typeface="Segoe UI Light" panose="020B0502040204020203" pitchFamily="34" charset="0"/>
-              </a:rPr>
-              <a:t> y que tenga una función llamada </a:t>
-            </a:r>
-            <a:r>
-              <a:rPr lang="es-ES" dirty="0" err="1">
-                <a:latin typeface="Segoe UI Light" panose="020B0502040204020203" pitchFamily="34" charset="0"/>
-                <a:cs typeface="Segoe UI Light" panose="020B0502040204020203" pitchFamily="34" charset="0"/>
-              </a:rPr>
-              <a:t>goFast</a:t>
-            </a:r>
-            <a:r>
-              <a:rPr lang="es-ES" dirty="0">
-                <a:latin typeface="Segoe UI Light" panose="020B0502040204020203" pitchFamily="34" charset="0"/>
-                <a:cs typeface="Segoe UI Light" panose="020B0502040204020203" pitchFamily="34" charset="0"/>
-              </a:rPr>
-              <a:t> que ponga el coche a la máxima velocidad</a:t>
-            </a:r>
-          </a:p>
-          <a:p>
-            <a:endParaRPr lang="en-US" dirty="0">
               <a:latin typeface="Segoe UI Light" panose="020B0502040204020203" pitchFamily="34" charset="0"/>
               <a:cs typeface="Segoe UI Light" panose="020B0502040204020203" pitchFamily="34" charset="0"/>
             </a:endParaRPr>
@@ -19816,7 +20914,7 @@
     </p:spTree>
     <p:extLst>
       <p:ext uri="{BB962C8B-B14F-4D97-AF65-F5344CB8AC3E}">
-        <p14:creationId xmlns:p14="http://schemas.microsoft.com/office/powerpoint/2010/main" val="1083025223"/>
+        <p14:creationId xmlns:p14="http://schemas.microsoft.com/office/powerpoint/2010/main" val="170608957"/>
       </p:ext>
     </p:extLst>
   </p:cSld>
@@ -19845,7 +20943,7 @@
       </p:grpSpPr>
       <p:sp>
         <p:nvSpPr>
-          <p:cNvPr id="2" name="Title 1"/>
+          <p:cNvPr id="2" name="Título 1"/>
           <p:cNvSpPr>
             <a:spLocks noGrp="1"/>
           </p:cNvSpPr>
@@ -19863,138 +20961,155 @@
               <a:t>ES6. </a:t>
             </a:r>
             <a:r>
-              <a:rPr lang="en-US" dirty="0" err="1"/>
-              <a:t>Problema</a:t>
-            </a:r>
-            <a:r>
-              <a:rPr lang="en-US" dirty="0"/>
-              <a:t> 3	</a:t>
+              <a:rPr lang="es-ES" dirty="0"/>
+              <a:t>Herencia</a:t>
             </a:r>
           </a:p>
         </p:txBody>
       </p:sp>
       <p:sp>
         <p:nvSpPr>
-          <p:cNvPr id="3" name="Content Placeholder 2"/>
-          <p:cNvSpPr>
-            <a:spLocks noGrp="1"/>
-          </p:cNvSpPr>
-          <p:nvPr>
-            <p:ph idx="1"/>
-          </p:nvPr>
+          <p:cNvPr id="3" name="Rectángulo 2"/>
+          <p:cNvSpPr/>
+          <p:nvPr/>
         </p:nvSpPr>
         <p:spPr>
           <a:xfrm>
-            <a:off x="841248" y="1828800"/>
-            <a:ext cx="10515600" cy="4351338"/>
+            <a:off x="1232647" y="1690688"/>
+            <a:ext cx="10291482" cy="3416320"/>
           </a:xfrm>
+          <a:prstGeom prst="rect">
+            <a:avLst/>
+          </a:prstGeom>
         </p:spPr>
         <p:txBody>
-          <a:bodyPr/>
+          <a:bodyPr wrap="square">
+            <a:spAutoFit/>
+          </a:bodyPr>
           <a:lstStyle/>
           <a:p>
-            <a:pPr lvl="1"/>
-            <a:r>
-              <a:rPr lang="es-ES" sz="1800" dirty="0">
+            <a:r>
+              <a:rPr lang="es-ES" dirty="0">
                 <a:latin typeface="Segoe UI Light" panose="020B0502040204020203" pitchFamily="34" charset="0"/>
                 <a:cs typeface="Segoe UI Light" panose="020B0502040204020203" pitchFamily="34" charset="0"/>
               </a:rPr>
-              <a:t>Lo siguiente que me pidieron es que mi coche después de arrancar acelerase 5 mph (es un coche Americano) mas pero que no lo hiciese hasta al cobo de un Segundo. Dije, </a:t>
-            </a:r>
-            <a:r>
-              <a:rPr lang="es-ES" sz="1800" dirty="0" err="1">
+              <a:t>ES6 con la sintaxis de clases también nos permite definir la herencia de una forma mas “tradicional”</a:t>
+            </a:r>
+          </a:p>
+          <a:p>
+            <a:endParaRPr lang="es-ES" dirty="0">
+              <a:latin typeface="Segoe UI Light" panose="020B0502040204020203" pitchFamily="34" charset="0"/>
+              <a:cs typeface="Segoe UI Light" panose="020B0502040204020203" pitchFamily="34" charset="0"/>
+            </a:endParaRPr>
+          </a:p>
+          <a:p>
+            <a:r>
+              <a:rPr lang="es-ES" dirty="0">
                 <a:latin typeface="Segoe UI Light" panose="020B0502040204020203" pitchFamily="34" charset="0"/>
                 <a:cs typeface="Segoe UI Light" panose="020B0502040204020203" pitchFamily="34" charset="0"/>
               </a:rPr>
-              <a:t>chupao</a:t>
-            </a:r>
-            <a:r>
-              <a:rPr lang="es-ES" sz="1800" dirty="0">
+              <a:t>Aquí podéis ver la sintaxis https://developer.mozilla.org/es/docs/Web/JavaScript/Herencia_y_la_cadena_de_protipos#Con_la_palabra_reservada_class</a:t>
+            </a:r>
+          </a:p>
+          <a:p>
+            <a:endParaRPr lang="es-ES" dirty="0">
+              <a:latin typeface="Segoe UI Light" panose="020B0502040204020203" pitchFamily="34" charset="0"/>
+              <a:cs typeface="Segoe UI Light" panose="020B0502040204020203" pitchFamily="34" charset="0"/>
+            </a:endParaRPr>
+          </a:p>
+          <a:p>
+            <a:r>
+              <a:rPr lang="es-ES" dirty="0">
                 <a:latin typeface="Segoe UI Light" panose="020B0502040204020203" pitchFamily="34" charset="0"/>
                 <a:cs typeface="Segoe UI Light" panose="020B0502040204020203" pitchFamily="34" charset="0"/>
               </a:rPr>
-              <a:t>, esto lo hago yo en menos 5 minutos, y ya me veis </a:t>
-            </a:r>
-            <a:r>
-              <a:rPr lang="es-ES" sz="1800" dirty="0" err="1">
-                <a:latin typeface="Segoe UI Light" panose="020B0502040204020203" pitchFamily="34" charset="0"/>
-                <a:cs typeface="Segoe UI Light" panose="020B0502040204020203" pitchFamily="34" charset="0"/>
-              </a:rPr>
-              <a:t>aqui</a:t>
-            </a:r>
-            <a:r>
-              <a:rPr lang="es-ES" sz="1800" dirty="0">
-                <a:latin typeface="Segoe UI Light" panose="020B0502040204020203" pitchFamily="34" charset="0"/>
-                <a:cs typeface="Segoe UI Light" panose="020B0502040204020203" pitchFamily="34" charset="0"/>
-              </a:rPr>
-              <a:t> que todavía no funciona. Alguien puede decirme porque falla</a:t>
-            </a:r>
-          </a:p>
-          <a:p>
-            <a:pPr lvl="1"/>
-            <a:r>
-              <a:rPr lang="es-ES" sz="1800" dirty="0">
+              <a:t>Lo que se pide es modificar el resultado del ejercicio anterior (Sino lo tenéis lo podéis ver en </a:t>
+            </a:r>
+            <a:r>
+              <a:rPr lang="es-ES" dirty="0">
                 <a:latin typeface="Segoe UI Light" panose="020B0502040204020203" pitchFamily="34" charset="0"/>
                 <a:cs typeface="Segoe UI Light" panose="020B0502040204020203" pitchFamily="34" charset="0"/>
                 <a:hlinkClick r:id="rId3"/>
               </a:rPr>
-              <a:t>https://jsbin.com/zudavad/edit?js,console</a:t>
-            </a:r>
-            <a:endParaRPr lang="es-ES" sz="1800" dirty="0">
+              <a:t>https://jsbin.com/gedosacedu/edit?js,console</a:t>
+            </a:r>
+            <a:r>
+              <a:rPr lang="es-ES" dirty="0">
+                <a:latin typeface="Segoe UI Light" panose="020B0502040204020203" pitchFamily="34" charset="0"/>
+                <a:cs typeface="Segoe UI Light" panose="020B0502040204020203" pitchFamily="34" charset="0"/>
+              </a:rPr>
+              <a:t>)</a:t>
+            </a:r>
+          </a:p>
+          <a:p>
+            <a:endParaRPr lang="es-ES" dirty="0">
               <a:latin typeface="Segoe UI Light" panose="020B0502040204020203" pitchFamily="34" charset="0"/>
               <a:cs typeface="Segoe UI Light" panose="020B0502040204020203" pitchFamily="34" charset="0"/>
             </a:endParaRPr>
           </a:p>
           <a:p>
-            <a:pPr lvl="1"/>
-            <a:endParaRPr lang="es-ES" sz="1800" dirty="0">
+            <a:r>
+              <a:rPr lang="es-ES" dirty="0">
+                <a:latin typeface="Segoe UI Light" panose="020B0502040204020203" pitchFamily="34" charset="0"/>
+                <a:cs typeface="Segoe UI Light" panose="020B0502040204020203" pitchFamily="34" charset="0"/>
+              </a:rPr>
+              <a:t>Lo que queremos es crear una nueva clase llamada </a:t>
+            </a:r>
+            <a:r>
+              <a:rPr lang="es-ES" dirty="0" err="1">
+                <a:latin typeface="Segoe UI Light" panose="020B0502040204020203" pitchFamily="34" charset="0"/>
+                <a:cs typeface="Segoe UI Light" panose="020B0502040204020203" pitchFamily="34" charset="0"/>
+              </a:rPr>
+              <a:t>raceCar</a:t>
+            </a:r>
+            <a:r>
+              <a:rPr lang="es-ES" dirty="0">
+                <a:latin typeface="Segoe UI Light" panose="020B0502040204020203" pitchFamily="34" charset="0"/>
+                <a:cs typeface="Segoe UI Light" panose="020B0502040204020203" pitchFamily="34" charset="0"/>
+              </a:rPr>
+              <a:t> que en el constructor tenga un nuevo parámetro </a:t>
+            </a:r>
+            <a:r>
+              <a:rPr lang="es-ES" dirty="0" err="1">
+                <a:latin typeface="Segoe UI Light" panose="020B0502040204020203" pitchFamily="34" charset="0"/>
+                <a:cs typeface="Segoe UI Light" panose="020B0502040204020203" pitchFamily="34" charset="0"/>
+              </a:rPr>
+              <a:t>topspeed</a:t>
+            </a:r>
+            <a:r>
+              <a:rPr lang="es-ES" dirty="0">
+                <a:latin typeface="Segoe UI Light" panose="020B0502040204020203" pitchFamily="34" charset="0"/>
+                <a:cs typeface="Segoe UI Light" panose="020B0502040204020203" pitchFamily="34" charset="0"/>
+              </a:rPr>
+              <a:t> y que tenga una función llamada </a:t>
+            </a:r>
+            <a:r>
+              <a:rPr lang="es-ES" dirty="0" err="1">
+                <a:latin typeface="Segoe UI Light" panose="020B0502040204020203" pitchFamily="34" charset="0"/>
+                <a:cs typeface="Segoe UI Light" panose="020B0502040204020203" pitchFamily="34" charset="0"/>
+              </a:rPr>
+              <a:t>goFast</a:t>
+            </a:r>
+            <a:r>
+              <a:rPr lang="es-ES" dirty="0">
+                <a:latin typeface="Segoe UI Light" panose="020B0502040204020203" pitchFamily="34" charset="0"/>
+                <a:cs typeface="Segoe UI Light" panose="020B0502040204020203" pitchFamily="34" charset="0"/>
+              </a:rPr>
+              <a:t> que ponga el coche a la máxima velocidad</a:t>
+            </a:r>
+          </a:p>
+          <a:p>
+            <a:endParaRPr lang="en-US" dirty="0">
               <a:latin typeface="Segoe UI Light" panose="020B0502040204020203" pitchFamily="34" charset="0"/>
               <a:cs typeface="Segoe UI Light" panose="020B0502040204020203" pitchFamily="34" charset="0"/>
             </a:endParaRPr>
-          </a:p>
-          <a:p>
-            <a:pPr lvl="1"/>
-            <a:r>
-              <a:rPr lang="es-ES" sz="1800" dirty="0">
-                <a:latin typeface="Segoe UI Light" panose="020B0502040204020203" pitchFamily="34" charset="0"/>
-                <a:cs typeface="Segoe UI Light" panose="020B0502040204020203" pitchFamily="34" charset="0"/>
-              </a:rPr>
-              <a:t>¿Alguien me puede explicar porque no funciona?</a:t>
-            </a:r>
-          </a:p>
-          <a:p>
-            <a:pPr marL="0" indent="0">
-              <a:buNone/>
-            </a:pPr>
-            <a:endParaRPr lang="en-US" sz="2200" dirty="0">
-              <a:latin typeface="Segoe UI Light" panose="020B0502040204020203" pitchFamily="34" charset="0"/>
-              <a:cs typeface="Segoe UI Light" panose="020B0502040204020203" pitchFamily="34" charset="0"/>
-            </a:endParaRPr>
-          </a:p>
-          <a:p>
-            <a:pPr marL="0" indent="0">
-              <a:buNone/>
-            </a:pPr>
-            <a:endParaRPr lang="en-US" sz="2400" dirty="0"/>
-          </a:p>
-          <a:p>
-            <a:pPr marL="0" indent="0">
-              <a:buNone/>
-            </a:pPr>
-            <a:endParaRPr lang="en-US" sz="2400" dirty="0"/>
-          </a:p>
-          <a:p>
-            <a:pPr marL="0" indent="0">
-              <a:buNone/>
-            </a:pPr>
-            <a:endParaRPr lang="en-US" sz="2400" dirty="0"/>
           </a:p>
         </p:txBody>
       </p:sp>
     </p:spTree>
     <p:extLst>
       <p:ext uri="{BB962C8B-B14F-4D97-AF65-F5344CB8AC3E}">
-        <p14:creationId xmlns:p14="http://schemas.microsoft.com/office/powerpoint/2010/main" val="725701387"/>
+        <p14:creationId xmlns:p14="http://schemas.microsoft.com/office/powerpoint/2010/main" val="1083025223"/>
       </p:ext>
     </p:extLst>
   </p:cSld>
@@ -20042,11 +21157,11 @@
             </a:r>
             <a:r>
               <a:rPr lang="en-US" dirty="0" err="1"/>
-              <a:t>Promesas</a:t>
+              <a:t>Problema</a:t>
             </a:r>
             <a:r>
               <a:rPr lang="en-US" dirty="0"/>
-              <a:t>	</a:t>
+              <a:t> 3	</a:t>
             </a:r>
           </a:p>
         </p:txBody>
@@ -20071,71 +21186,52 @@
           <a:bodyPr/>
           <a:lstStyle/>
           <a:p>
-            <a:r>
-              <a:rPr lang="es-ES" sz="2200" dirty="0">
+            <a:pPr lvl="1"/>
+            <a:r>
+              <a:rPr lang="es-ES" sz="1800" dirty="0">
                 <a:latin typeface="Segoe UI Light" panose="020B0502040204020203" pitchFamily="34" charset="0"/>
                 <a:cs typeface="Segoe UI Light" panose="020B0502040204020203" pitchFamily="34" charset="0"/>
               </a:rPr>
-              <a:t>Antes de ES6 ha sido bastante común en el mundo </a:t>
-            </a:r>
-            <a:r>
-              <a:rPr lang="es-ES" sz="2200" dirty="0" err="1">
+              <a:t>Lo siguiente que me pidieron es que mi coche después de arrancar acelerase 5 mph (es un coche Americano) mas pero que no lo hiciese hasta al cobo de un Segundo. Dije, </a:t>
+            </a:r>
+            <a:r>
+              <a:rPr lang="es-ES" sz="1800" dirty="0" err="1">
                 <a:latin typeface="Segoe UI Light" panose="020B0502040204020203" pitchFamily="34" charset="0"/>
                 <a:cs typeface="Segoe UI Light" panose="020B0502040204020203" pitchFamily="34" charset="0"/>
               </a:rPr>
-              <a:t>js</a:t>
-            </a:r>
-            <a:r>
-              <a:rPr lang="es-ES" sz="2200" dirty="0">
+              <a:t>chupao</a:t>
+            </a:r>
+            <a:r>
+              <a:rPr lang="es-ES" sz="1800" dirty="0">
                 <a:latin typeface="Segoe UI Light" panose="020B0502040204020203" pitchFamily="34" charset="0"/>
                 <a:cs typeface="Segoe UI Light" panose="020B0502040204020203" pitchFamily="34" charset="0"/>
               </a:rPr>
-              <a:t> el uso de promesas, pero esto se solía hacer a través de librerías de terceros o utilidades del </a:t>
-            </a:r>
-            <a:r>
-              <a:rPr lang="es-ES" sz="2200" dirty="0" err="1">
+              <a:t>, esto lo hago yo en menos 5 minutos, y ya me veis </a:t>
+            </a:r>
+            <a:r>
+              <a:rPr lang="es-ES" sz="1800" dirty="0" err="1">
                 <a:latin typeface="Segoe UI Light" panose="020B0502040204020203" pitchFamily="34" charset="0"/>
                 <a:cs typeface="Segoe UI Light" panose="020B0502040204020203" pitchFamily="34" charset="0"/>
               </a:rPr>
-              <a:t>framework</a:t>
-            </a:r>
-            <a:r>
-              <a:rPr lang="es-ES" sz="2200" dirty="0">
+              <a:t>aqui</a:t>
+            </a:r>
+            <a:r>
+              <a:rPr lang="es-ES" sz="1800" dirty="0">
                 <a:latin typeface="Segoe UI Light" panose="020B0502040204020203" pitchFamily="34" charset="0"/>
                 <a:cs typeface="Segoe UI Light" panose="020B0502040204020203" pitchFamily="34" charset="0"/>
               </a:rPr>
-              <a:t> que </a:t>
-            </a:r>
-            <a:r>
-              <a:rPr lang="es-ES" sz="2200" dirty="0" err="1">
-                <a:latin typeface="Segoe UI Light" panose="020B0502040204020203" pitchFamily="34" charset="0"/>
-                <a:cs typeface="Segoe UI Light" panose="020B0502040204020203" pitchFamily="34" charset="0"/>
-              </a:rPr>
-              <a:t>usasemos</a:t>
-            </a:r>
-            <a:r>
-              <a:rPr lang="es-ES" sz="2200" dirty="0">
-                <a:latin typeface="Segoe UI Light" panose="020B0502040204020203" pitchFamily="34" charset="0"/>
-                <a:cs typeface="Segoe UI Light" panose="020B0502040204020203" pitchFamily="34" charset="0"/>
-              </a:rPr>
-              <a:t>.</a:t>
-            </a:r>
-          </a:p>
-          <a:p>
-            <a:r>
-              <a:rPr lang="es-ES" sz="2200" dirty="0">
-                <a:latin typeface="Segoe UI Light" panose="020B0502040204020203" pitchFamily="34" charset="0"/>
-                <a:cs typeface="Segoe UI Light" panose="020B0502040204020203" pitchFamily="34" charset="0"/>
-              </a:rPr>
-              <a:t>ES6ya proporciona Promesas de forma nativa </a:t>
-            </a:r>
+              <a:t> que todavía no funciona. Alguien puede decirme porque falla</a:t>
+            </a:r>
+          </a:p>
+          <a:p>
+            <a:pPr lvl="1"/>
             <a:r>
               <a:rPr lang="es-ES" sz="1800" dirty="0">
                 <a:latin typeface="Segoe UI Light" panose="020B0502040204020203" pitchFamily="34" charset="0"/>
                 <a:cs typeface="Segoe UI Light" panose="020B0502040204020203" pitchFamily="34" charset="0"/>
                 <a:hlinkClick r:id="rId3"/>
               </a:rPr>
-              <a:t>https://developer.mozilla.org/en-US/docs/Web/JavaScript/Reference/Global_Objects/Promise#Creating_a_Promise</a:t>
+              <a:t>https://jsbin.com/zudavad/edit?js,console</a:t>
             </a:r>
             <a:endParaRPr lang="es-ES" sz="1800" dirty="0">
               <a:latin typeface="Segoe UI Light" panose="020B0502040204020203" pitchFamily="34" charset="0"/>
@@ -20143,30 +21239,36 @@
             </a:endParaRPr>
           </a:p>
           <a:p>
+            <a:pPr lvl="1"/>
+            <a:endParaRPr lang="es-ES" sz="1800" dirty="0">
+              <a:latin typeface="Segoe UI Light" panose="020B0502040204020203" pitchFamily="34" charset="0"/>
+              <a:cs typeface="Segoe UI Light" panose="020B0502040204020203" pitchFamily="34" charset="0"/>
+            </a:endParaRPr>
+          </a:p>
+          <a:p>
+            <a:pPr lvl="1"/>
             <a:r>
               <a:rPr lang="es-ES" sz="1800" dirty="0">
                 <a:latin typeface="Segoe UI Light" panose="020B0502040204020203" pitchFamily="34" charset="0"/>
                 <a:cs typeface="Segoe UI Light" panose="020B0502040204020203" pitchFamily="34" charset="0"/>
               </a:rPr>
-              <a:t>Lo que nos piden ahora es crear una función llamada </a:t>
-            </a:r>
-            <a:r>
-              <a:rPr lang="es-ES" sz="1800" dirty="0" err="1">
-                <a:latin typeface="Segoe UI Light" panose="020B0502040204020203" pitchFamily="34" charset="0"/>
-                <a:cs typeface="Segoe UI Light" panose="020B0502040204020203" pitchFamily="34" charset="0"/>
-              </a:rPr>
-              <a:t>AtodoGas</a:t>
-            </a:r>
-            <a:r>
-              <a:rPr lang="es-ES" sz="1800" dirty="0">
-                <a:latin typeface="Segoe UI Light" panose="020B0502040204020203" pitchFamily="34" charset="0"/>
-                <a:cs typeface="Segoe UI Light" panose="020B0502040204020203" pitchFamily="34" charset="0"/>
-              </a:rPr>
-              <a:t> que nos ponga el coche a tope. Como eso dependerá de la aceleración tendremos que pedir ese nuevo parámetro en el constructor. Cuando el coche alcance la velocidad máxima resolverá la promesa e imprimiremos la velocidad alcanzada por el coche (que si todo ha ido bien coincidiría con la máxima</a:t>
-            </a:r>
-          </a:p>
-          <a:p>
-            <a:endParaRPr lang="es-ES" sz="2400" dirty="0"/>
+              <a:t>¿Alguien me puede explicar porque no funciona?</a:t>
+            </a:r>
+          </a:p>
+          <a:p>
+            <a:pPr marL="0" indent="0">
+              <a:buNone/>
+            </a:pPr>
+            <a:endParaRPr lang="en-US" sz="2200" dirty="0">
+              <a:latin typeface="Segoe UI Light" panose="020B0502040204020203" pitchFamily="34" charset="0"/>
+              <a:cs typeface="Segoe UI Light" panose="020B0502040204020203" pitchFamily="34" charset="0"/>
+            </a:endParaRPr>
+          </a:p>
+          <a:p>
+            <a:pPr marL="0" indent="0">
+              <a:buNone/>
+            </a:pPr>
+            <a:endParaRPr lang="en-US" sz="2400" dirty="0"/>
           </a:p>
           <a:p>
             <a:pPr marL="0" indent="0">
@@ -20185,7 +21287,7 @@
     </p:spTree>
     <p:extLst>
       <p:ext uri="{BB962C8B-B14F-4D97-AF65-F5344CB8AC3E}">
-        <p14:creationId xmlns:p14="http://schemas.microsoft.com/office/powerpoint/2010/main" val="2312664718"/>
+        <p14:creationId xmlns:p14="http://schemas.microsoft.com/office/powerpoint/2010/main" val="725701387"/>
       </p:ext>
     </p:extLst>
   </p:cSld>
@@ -20237,7 +21339,7 @@
             </a:r>
             <a:r>
               <a:rPr lang="en-US" dirty="0"/>
-              <a:t> 2	</a:t>
+              <a:t>	</a:t>
             </a:r>
           </a:p>
         </p:txBody>
@@ -20267,6 +21369,197 @@
                 <a:latin typeface="Segoe UI Light" panose="020B0502040204020203" pitchFamily="34" charset="0"/>
                 <a:cs typeface="Segoe UI Light" panose="020B0502040204020203" pitchFamily="34" charset="0"/>
               </a:rPr>
+              <a:t>Antes de ES6 ha sido bastante común en el mundo </a:t>
+            </a:r>
+            <a:r>
+              <a:rPr lang="es-ES" sz="2200" dirty="0" err="1">
+                <a:latin typeface="Segoe UI Light" panose="020B0502040204020203" pitchFamily="34" charset="0"/>
+                <a:cs typeface="Segoe UI Light" panose="020B0502040204020203" pitchFamily="34" charset="0"/>
+              </a:rPr>
+              <a:t>js</a:t>
+            </a:r>
+            <a:r>
+              <a:rPr lang="es-ES" sz="2200" dirty="0">
+                <a:latin typeface="Segoe UI Light" panose="020B0502040204020203" pitchFamily="34" charset="0"/>
+                <a:cs typeface="Segoe UI Light" panose="020B0502040204020203" pitchFamily="34" charset="0"/>
+              </a:rPr>
+              <a:t> el uso de promesas, pero esto se solía hacer a través de librerías de terceros o utilidades del </a:t>
+            </a:r>
+            <a:r>
+              <a:rPr lang="es-ES" sz="2200" dirty="0" err="1">
+                <a:latin typeface="Segoe UI Light" panose="020B0502040204020203" pitchFamily="34" charset="0"/>
+                <a:cs typeface="Segoe UI Light" panose="020B0502040204020203" pitchFamily="34" charset="0"/>
+              </a:rPr>
+              <a:t>framework</a:t>
+            </a:r>
+            <a:r>
+              <a:rPr lang="es-ES" sz="2200" dirty="0">
+                <a:latin typeface="Segoe UI Light" panose="020B0502040204020203" pitchFamily="34" charset="0"/>
+                <a:cs typeface="Segoe UI Light" panose="020B0502040204020203" pitchFamily="34" charset="0"/>
+              </a:rPr>
+              <a:t> que </a:t>
+            </a:r>
+            <a:r>
+              <a:rPr lang="es-ES" sz="2200" dirty="0" err="1">
+                <a:latin typeface="Segoe UI Light" panose="020B0502040204020203" pitchFamily="34" charset="0"/>
+                <a:cs typeface="Segoe UI Light" panose="020B0502040204020203" pitchFamily="34" charset="0"/>
+              </a:rPr>
+              <a:t>usasemos</a:t>
+            </a:r>
+            <a:r>
+              <a:rPr lang="es-ES" sz="2200" dirty="0">
+                <a:latin typeface="Segoe UI Light" panose="020B0502040204020203" pitchFamily="34" charset="0"/>
+                <a:cs typeface="Segoe UI Light" panose="020B0502040204020203" pitchFamily="34" charset="0"/>
+              </a:rPr>
+              <a:t>.</a:t>
+            </a:r>
+          </a:p>
+          <a:p>
+            <a:r>
+              <a:rPr lang="es-ES" sz="2200" dirty="0">
+                <a:latin typeface="Segoe UI Light" panose="020B0502040204020203" pitchFamily="34" charset="0"/>
+                <a:cs typeface="Segoe UI Light" panose="020B0502040204020203" pitchFamily="34" charset="0"/>
+              </a:rPr>
+              <a:t>ES6ya proporciona Promesas de forma nativa </a:t>
+            </a:r>
+            <a:r>
+              <a:rPr lang="es-ES" sz="1800" dirty="0">
+                <a:latin typeface="Segoe UI Light" panose="020B0502040204020203" pitchFamily="34" charset="0"/>
+                <a:cs typeface="Segoe UI Light" panose="020B0502040204020203" pitchFamily="34" charset="0"/>
+                <a:hlinkClick r:id="rId3"/>
+              </a:rPr>
+              <a:t>https://developer.mozilla.org/en-US/docs/Web/JavaScript/Reference/Global_Objects/Promise#Creating_a_Promise</a:t>
+            </a:r>
+            <a:endParaRPr lang="es-ES" sz="1800" dirty="0">
+              <a:latin typeface="Segoe UI Light" panose="020B0502040204020203" pitchFamily="34" charset="0"/>
+              <a:cs typeface="Segoe UI Light" panose="020B0502040204020203" pitchFamily="34" charset="0"/>
+            </a:endParaRPr>
+          </a:p>
+          <a:p>
+            <a:r>
+              <a:rPr lang="es-ES" sz="1800" dirty="0">
+                <a:latin typeface="Segoe UI Light" panose="020B0502040204020203" pitchFamily="34" charset="0"/>
+                <a:cs typeface="Segoe UI Light" panose="020B0502040204020203" pitchFamily="34" charset="0"/>
+              </a:rPr>
+              <a:t>Lo que nos piden ahora es crear una función llamada </a:t>
+            </a:r>
+            <a:r>
+              <a:rPr lang="es-ES" sz="1800" dirty="0" err="1">
+                <a:latin typeface="Segoe UI Light" panose="020B0502040204020203" pitchFamily="34" charset="0"/>
+                <a:cs typeface="Segoe UI Light" panose="020B0502040204020203" pitchFamily="34" charset="0"/>
+              </a:rPr>
+              <a:t>AtodoGas</a:t>
+            </a:r>
+            <a:r>
+              <a:rPr lang="es-ES" sz="1800" dirty="0">
+                <a:latin typeface="Segoe UI Light" panose="020B0502040204020203" pitchFamily="34" charset="0"/>
+                <a:cs typeface="Segoe UI Light" panose="020B0502040204020203" pitchFamily="34" charset="0"/>
+              </a:rPr>
+              <a:t> que nos ponga el coche a tope. Como eso dependerá de la aceleración tendremos que pedir ese nuevo parámetro en el constructor. Cuando el coche alcance la velocidad máxima resolverá la promesa e imprimiremos la velocidad alcanzada por el coche (que si todo ha ido bien coincidiría con la máxima</a:t>
+            </a:r>
+          </a:p>
+          <a:p>
+            <a:endParaRPr lang="es-ES" sz="2400" dirty="0"/>
+          </a:p>
+          <a:p>
+            <a:pPr marL="0" indent="0">
+              <a:buNone/>
+            </a:pPr>
+            <a:endParaRPr lang="en-US" sz="2400" dirty="0"/>
+          </a:p>
+          <a:p>
+            <a:pPr marL="0" indent="0">
+              <a:buNone/>
+            </a:pPr>
+            <a:endParaRPr lang="en-US" sz="2400" dirty="0"/>
+          </a:p>
+        </p:txBody>
+      </p:sp>
+    </p:spTree>
+    <p:extLst>
+      <p:ext uri="{BB962C8B-B14F-4D97-AF65-F5344CB8AC3E}">
+        <p14:creationId xmlns:p14="http://schemas.microsoft.com/office/powerpoint/2010/main" val="2312664718"/>
+      </p:ext>
+    </p:extLst>
+  </p:cSld>
+  <p:clrMapOvr>
+    <a:masterClrMapping/>
+  </p:clrMapOvr>
+</p:sld>
+</file>
+
+<file path=ppt/slides/slide18.xml><?xml version="1.0" encoding="utf-8"?>
+<p:sld xmlns:a="http://schemas.openxmlformats.org/drawingml/2006/main" xmlns:r="http://schemas.openxmlformats.org/officeDocument/2006/relationships" xmlns:p="http://schemas.openxmlformats.org/presentationml/2006/main">
+  <p:cSld>
+    <p:spTree>
+      <p:nvGrpSpPr>
+        <p:cNvPr id="1" name=""/>
+        <p:cNvGrpSpPr/>
+        <p:nvPr/>
+      </p:nvGrpSpPr>
+      <p:grpSpPr>
+        <a:xfrm>
+          <a:off x="0" y="0"/>
+          <a:ext cx="0" cy="0"/>
+          <a:chOff x="0" y="0"/>
+          <a:chExt cx="0" cy="0"/>
+        </a:xfrm>
+      </p:grpSpPr>
+      <p:sp>
+        <p:nvSpPr>
+          <p:cNvPr id="2" name="Title 1"/>
+          <p:cNvSpPr>
+            <a:spLocks noGrp="1"/>
+          </p:cNvSpPr>
+          <p:nvPr>
+            <p:ph type="title"/>
+          </p:nvPr>
+        </p:nvSpPr>
+        <p:spPr/>
+        <p:txBody>
+          <a:bodyPr/>
+          <a:lstStyle/>
+          <a:p>
+            <a:r>
+              <a:rPr lang="en-US" dirty="0"/>
+              <a:t>ES6. </a:t>
+            </a:r>
+            <a:r>
+              <a:rPr lang="en-US" dirty="0" err="1"/>
+              <a:t>Promesas</a:t>
+            </a:r>
+            <a:r>
+              <a:rPr lang="en-US" dirty="0"/>
+              <a:t> 2	</a:t>
+            </a:r>
+          </a:p>
+        </p:txBody>
+      </p:sp>
+      <p:sp>
+        <p:nvSpPr>
+          <p:cNvPr id="3" name="Content Placeholder 2"/>
+          <p:cNvSpPr>
+            <a:spLocks noGrp="1"/>
+          </p:cNvSpPr>
+          <p:nvPr>
+            <p:ph idx="1"/>
+          </p:nvPr>
+        </p:nvSpPr>
+        <p:spPr>
+          <a:xfrm>
+            <a:off x="841248" y="1828800"/>
+            <a:ext cx="10515600" cy="4351338"/>
+          </a:xfrm>
+        </p:spPr>
+        <p:txBody>
+          <a:bodyPr/>
+          <a:lstStyle/>
+          <a:p>
+            <a:r>
+              <a:rPr lang="es-ES" sz="2200" dirty="0">
+                <a:latin typeface="Segoe UI Light" panose="020B0502040204020203" pitchFamily="34" charset="0"/>
+                <a:cs typeface="Segoe UI Light" panose="020B0502040204020203" pitchFamily="34" charset="0"/>
+              </a:rPr>
               <a:t>La librería de promesas nos ofrece mas utilidades que el básico </a:t>
             </a:r>
             <a:r>
@@ -20344,7 +21637,7 @@
 </p:sld>
 </file>
 
-<file path=ppt/slides/slide18.xml><?xml version="1.0" encoding="utf-8"?>
+<file path=ppt/slides/slide19.xml><?xml version="1.0" encoding="utf-8"?>
 <p:sld xmlns:a="http://schemas.openxmlformats.org/drawingml/2006/main" xmlns:r="http://schemas.openxmlformats.org/officeDocument/2006/relationships" xmlns:p="http://schemas.openxmlformats.org/presentationml/2006/main">
   <p:cSld>
     <p:spTree>
@@ -20774,138 +22067,6 @@
 </p:sld>
 </file>
 
-<file path=ppt/slides/slide19.xml><?xml version="1.0" encoding="utf-8"?>
-<p:sld xmlns:a="http://schemas.openxmlformats.org/drawingml/2006/main" xmlns:r="http://schemas.openxmlformats.org/officeDocument/2006/relationships" xmlns:p="http://schemas.openxmlformats.org/presentationml/2006/main">
-  <p:cSld>
-    <p:spTree>
-      <p:nvGrpSpPr>
-        <p:cNvPr id="1" name=""/>
-        <p:cNvGrpSpPr/>
-        <p:nvPr/>
-      </p:nvGrpSpPr>
-      <p:grpSpPr>
-        <a:xfrm>
-          <a:off x="0" y="0"/>
-          <a:ext cx="0" cy="0"/>
-          <a:chOff x="0" y="0"/>
-          <a:chExt cx="0" cy="0"/>
-        </a:xfrm>
-      </p:grpSpPr>
-      <p:sp>
-        <p:nvSpPr>
-          <p:cNvPr id="2" name="Título 1"/>
-          <p:cNvSpPr>
-            <a:spLocks noGrp="1"/>
-          </p:cNvSpPr>
-          <p:nvPr>
-            <p:ph type="title"/>
-          </p:nvPr>
-        </p:nvSpPr>
-        <p:spPr/>
-        <p:txBody>
-          <a:bodyPr/>
-          <a:lstStyle/>
-          <a:p>
-            <a:r>
-              <a:rPr lang="es-ES" dirty="0" err="1"/>
-              <a:t>Webpack</a:t>
-            </a:r>
-            <a:r>
-              <a:rPr lang="es-ES" dirty="0"/>
-              <a:t>. Instalación</a:t>
-            </a:r>
-          </a:p>
-        </p:txBody>
-      </p:sp>
-      <p:sp>
-        <p:nvSpPr>
-          <p:cNvPr id="3" name="Marcador de contenido 2"/>
-          <p:cNvSpPr>
-            <a:spLocks noGrp="1"/>
-          </p:cNvSpPr>
-          <p:nvPr>
-            <p:ph idx="1"/>
-          </p:nvPr>
-        </p:nvSpPr>
-        <p:spPr/>
-        <p:txBody>
-          <a:bodyPr/>
-          <a:lstStyle/>
-          <a:p>
-            <a:r>
-              <a:rPr lang="es-ES" sz="2200" dirty="0">
-                <a:latin typeface="Segoe UI Light" panose="020B0502040204020203" pitchFamily="34" charset="0"/>
-                <a:cs typeface="Segoe UI Light" panose="020B0502040204020203" pitchFamily="34" charset="0"/>
-              </a:rPr>
-              <a:t>Lo primero es instalar </a:t>
-            </a:r>
-            <a:r>
-              <a:rPr lang="es-ES" sz="2200" dirty="0" err="1">
-                <a:latin typeface="Segoe UI Light" panose="020B0502040204020203" pitchFamily="34" charset="0"/>
-                <a:cs typeface="Segoe UI Light" panose="020B0502040204020203" pitchFamily="34" charset="0"/>
-              </a:rPr>
-              <a:t>webpack</a:t>
-            </a:r>
-            <a:r>
-              <a:rPr lang="es-ES" sz="2200" dirty="0">
-                <a:latin typeface="Segoe UI Light" panose="020B0502040204020203" pitchFamily="34" charset="0"/>
-                <a:cs typeface="Segoe UI Light" panose="020B0502040204020203" pitchFamily="34" charset="0"/>
-              </a:rPr>
-              <a:t>. Aquí encontrareis las instrucciones</a:t>
-            </a:r>
-          </a:p>
-          <a:p>
-            <a:r>
-              <a:rPr lang="es-ES" sz="2200" dirty="0">
-                <a:latin typeface="Segoe UI Light" panose="020B0502040204020203" pitchFamily="34" charset="0"/>
-                <a:cs typeface="Segoe UI Light" panose="020B0502040204020203" pitchFamily="34" charset="0"/>
-                <a:hlinkClick r:id="rId3"/>
-              </a:rPr>
-              <a:t>https://webpack.js.org/guides/get-started/</a:t>
-            </a:r>
-            <a:endParaRPr lang="es-ES" sz="2200" dirty="0">
-              <a:latin typeface="Segoe UI Light" panose="020B0502040204020203" pitchFamily="34" charset="0"/>
-              <a:cs typeface="Segoe UI Light" panose="020B0502040204020203" pitchFamily="34" charset="0"/>
-            </a:endParaRPr>
-          </a:p>
-          <a:p>
-            <a:r>
-              <a:rPr lang="es-ES" sz="2200" dirty="0">
-                <a:latin typeface="Segoe UI Light" panose="020B0502040204020203" pitchFamily="34" charset="0"/>
-                <a:cs typeface="Segoe UI Light" panose="020B0502040204020203" pitchFamily="34" charset="0"/>
-              </a:rPr>
-              <a:t>Para probar que nos funciona procesaremos el </a:t>
-            </a:r>
-            <a:r>
-              <a:rPr lang="es-ES" sz="2200" dirty="0" err="1">
-                <a:latin typeface="Segoe UI Light" panose="020B0502040204020203" pitchFamily="34" charset="0"/>
-                <a:cs typeface="Segoe UI Light" panose="020B0502040204020203" pitchFamily="34" charset="0"/>
-              </a:rPr>
-              <a:t>js</a:t>
-            </a:r>
-            <a:r>
-              <a:rPr lang="es-ES" sz="2200" dirty="0">
-                <a:latin typeface="Segoe UI Light" panose="020B0502040204020203" pitchFamily="34" charset="0"/>
-                <a:cs typeface="Segoe UI Light" panose="020B0502040204020203" pitchFamily="34" charset="0"/>
-              </a:rPr>
-              <a:t> del ultimo ejercicio y veremos que lo procesa correctamente</a:t>
-            </a:r>
-          </a:p>
-        </p:txBody>
-      </p:sp>
-    </p:spTree>
-    <p:extLst>
-      <p:ext uri="{BB962C8B-B14F-4D97-AF65-F5344CB8AC3E}">
-        <p14:creationId xmlns:p14="http://schemas.microsoft.com/office/powerpoint/2010/main" val="4189716526"/>
-      </p:ext>
-    </p:extLst>
-  </p:cSld>
-  <p:clrMapOvr>
-    <a:masterClrMapping/>
-  </p:clrMapOvr>
-</p:sld>
-</file>
-
 <file path=ppt/slides/slide2.xml><?xml version="1.0" encoding="utf-8"?>
 <p:sld xmlns:a="http://schemas.openxmlformats.org/drawingml/2006/main" xmlns:r="http://schemas.openxmlformats.org/officeDocument/2006/relationships" xmlns:p="http://schemas.openxmlformats.org/presentationml/2006/main">
   <p:cSld>
@@ -21078,14 +22239,13 @@
           <a:lstStyle/>
           <a:p>
             <a:r>
+              <a:rPr lang="es-ES" dirty="0" err="1"/>
+              <a:t>Webpack</a:t>
+            </a:r>
+            <a:r>
               <a:rPr lang="es-ES" dirty="0"/>
-              <a:t>ES6. </a:t>
-            </a:r>
-            <a:r>
-              <a:rPr lang="es-ES" dirty="0" err="1"/>
-              <a:t>Modulos</a:t>
-            </a:r>
-            <a:endParaRPr lang="es-ES" dirty="0"/>
+              <a:t>. Instalación</a:t>
+            </a:r>
           </a:p>
         </p:txBody>
       </p:sp>
@@ -21109,44 +22269,58 @@
                 <a:latin typeface="Segoe UI Light" panose="020B0502040204020203" pitchFamily="34" charset="0"/>
                 <a:cs typeface="Segoe UI Light" panose="020B0502040204020203" pitchFamily="34" charset="0"/>
               </a:rPr>
-              <a:t>Para mi una de las carencias mas sangrantes de </a:t>
+              <a:t>Lo primero es instalar </a:t>
             </a:r>
             <a:r>
               <a:rPr lang="es-ES" sz="2200" dirty="0" err="1">
                 <a:latin typeface="Segoe UI Light" panose="020B0502040204020203" pitchFamily="34" charset="0"/>
                 <a:cs typeface="Segoe UI Light" panose="020B0502040204020203" pitchFamily="34" charset="0"/>
               </a:rPr>
-              <a:t>javascript</a:t>
+              <a:t>webpack</a:t>
             </a:r>
             <a:r>
               <a:rPr lang="es-ES" sz="2200" dirty="0">
                 <a:latin typeface="Segoe UI Light" panose="020B0502040204020203" pitchFamily="34" charset="0"/>
                 <a:cs typeface="Segoe UI Light" panose="020B0502040204020203" pitchFamily="34" charset="0"/>
               </a:rPr>
-              <a:t> era su falta de gestión de dependencias entre los diferentes scripts. Hasta ahora este problema se le han propuesto soluciones como AMD y </a:t>
+              <a:t>. Aquí encontrareis las instrucciones</a:t>
+            </a:r>
+          </a:p>
+          <a:p>
+            <a:r>
+              <a:rPr lang="es-ES" sz="2200" dirty="0">
+                <a:latin typeface="Segoe UI Light" panose="020B0502040204020203" pitchFamily="34" charset="0"/>
+                <a:cs typeface="Segoe UI Light" panose="020B0502040204020203" pitchFamily="34" charset="0"/>
+                <a:hlinkClick r:id="rId3"/>
+              </a:rPr>
+              <a:t>https://webpack.js.org/guides/get-started/</a:t>
+            </a:r>
+            <a:endParaRPr lang="es-ES" sz="2200" dirty="0">
+              <a:latin typeface="Segoe UI Light" panose="020B0502040204020203" pitchFamily="34" charset="0"/>
+              <a:cs typeface="Segoe UI Light" panose="020B0502040204020203" pitchFamily="34" charset="0"/>
+            </a:endParaRPr>
+          </a:p>
+          <a:p>
+            <a:r>
+              <a:rPr lang="es-ES" sz="2200" dirty="0">
+                <a:latin typeface="Segoe UI Light" panose="020B0502040204020203" pitchFamily="34" charset="0"/>
+                <a:cs typeface="Segoe UI Light" panose="020B0502040204020203" pitchFamily="34" charset="0"/>
+              </a:rPr>
+              <a:t>Para probar que nos funciona procesaremos el </a:t>
             </a:r>
             <a:r>
               <a:rPr lang="es-ES" sz="2200" dirty="0" err="1">
                 <a:latin typeface="Segoe UI Light" panose="020B0502040204020203" pitchFamily="34" charset="0"/>
                 <a:cs typeface="Segoe UI Light" panose="020B0502040204020203" pitchFamily="34" charset="0"/>
               </a:rPr>
-              <a:t>commonjs</a:t>
+              <a:t>js</a:t>
             </a:r>
             <a:r>
               <a:rPr lang="es-ES" sz="2200" dirty="0">
                 <a:latin typeface="Segoe UI Light" panose="020B0502040204020203" pitchFamily="34" charset="0"/>
                 <a:cs typeface="Segoe UI Light" panose="020B0502040204020203" pitchFamily="34" charset="0"/>
               </a:rPr>
-              <a:t> o simplemente era otra tarea mas de los desarrolladores asegurarse de que todas las dependencias que necesitaba su código estuviesen cargadas.</a:t>
-            </a:r>
-          </a:p>
-          <a:p>
-            <a:r>
-              <a:rPr lang="es-ES" sz="2200" dirty="0">
-                <a:latin typeface="Segoe UI Light" panose="020B0502040204020203" pitchFamily="34" charset="0"/>
-                <a:cs typeface="Segoe UI Light" panose="020B0502040204020203" pitchFamily="34" charset="0"/>
-              </a:rPr>
-              <a:t>ES6 soluciona este problema ofreciéndonos una serie de sentencias en las que en cada archivo podemos decir por un lado que cosas de las que ponemos son publicas (exportables) y por otro que objetos nos traemos de otros archivos</a:t>
+              <a:t> del ultimo ejercicio y veremos que lo procesa correctamente</a:t>
             </a:r>
           </a:p>
         </p:txBody>
@@ -21154,7 +22328,7 @@
     </p:spTree>
     <p:extLst>
       <p:ext uri="{BB962C8B-B14F-4D97-AF65-F5344CB8AC3E}">
-        <p14:creationId xmlns:p14="http://schemas.microsoft.com/office/powerpoint/2010/main" val="40039596"/>
+        <p14:creationId xmlns:p14="http://schemas.microsoft.com/office/powerpoint/2010/main" val="4189716526"/>
       </p:ext>
     </p:extLst>
   </p:cSld>
@@ -21204,10 +22378,7 @@
               <a:rPr lang="es-ES" dirty="0" err="1"/>
               <a:t>Modulos</a:t>
             </a:r>
-            <a:r>
-              <a:rPr lang="es-ES" dirty="0"/>
-              <a:t>. Ejercicio</a:t>
-            </a:r>
+            <a:endParaRPr lang="es-ES" dirty="0"/>
           </a:p>
         </p:txBody>
       </p:sp>
@@ -21231,327 +22402,44 @@
                 <a:latin typeface="Segoe UI Light" panose="020B0502040204020203" pitchFamily="34" charset="0"/>
                 <a:cs typeface="Segoe UI Light" panose="020B0502040204020203" pitchFamily="34" charset="0"/>
               </a:rPr>
-              <a:t>El siguiente ejercicio que se propone es partir nuestro </a:t>
+              <a:t>Para mi una de las carencias mas sangrantes de </a:t>
             </a:r>
             <a:r>
               <a:rPr lang="es-ES" sz="2200" dirty="0" err="1">
                 <a:latin typeface="Segoe UI Light" panose="020B0502040204020203" pitchFamily="34" charset="0"/>
                 <a:cs typeface="Segoe UI Light" panose="020B0502040204020203" pitchFamily="34" charset="0"/>
               </a:rPr>
-              <a:t>js</a:t>
+              <a:t>javascript</a:t>
             </a:r>
             <a:r>
               <a:rPr lang="es-ES" sz="2200" dirty="0">
                 <a:latin typeface="Segoe UI Light" panose="020B0502040204020203" pitchFamily="34" charset="0"/>
                 <a:cs typeface="Segoe UI Light" panose="020B0502040204020203" pitchFamily="34" charset="0"/>
               </a:rPr>
-              <a:t> en varios archivos. En concreto 3 car, que contendrá la clase publica car, </a:t>
+              <a:t> era su falta de gestión de dependencias entre los diferentes scripts. Hasta ahora este problema se le han propuesto soluciones como AMD y </a:t>
             </a:r>
             <a:r>
               <a:rPr lang="es-ES" sz="2200" dirty="0" err="1">
                 <a:latin typeface="Segoe UI Light" panose="020B0502040204020203" pitchFamily="34" charset="0"/>
                 <a:cs typeface="Segoe UI Light" panose="020B0502040204020203" pitchFamily="34" charset="0"/>
               </a:rPr>
-              <a:t>raceCar</a:t>
+              <a:t>commonjs</a:t>
             </a:r>
             <a:r>
               <a:rPr lang="es-ES" sz="2200" dirty="0">
                 <a:latin typeface="Segoe UI Light" panose="020B0502040204020203" pitchFamily="34" charset="0"/>
                 <a:cs typeface="Segoe UI Light" panose="020B0502040204020203" pitchFamily="34" charset="0"/>
               </a:rPr>
-              <a:t> que contendrá la clase publica </a:t>
-            </a:r>
-            <a:r>
-              <a:rPr lang="es-ES" sz="2200" dirty="0" err="1">
-                <a:latin typeface="Segoe UI Light" panose="020B0502040204020203" pitchFamily="34" charset="0"/>
-                <a:cs typeface="Segoe UI Light" panose="020B0502040204020203" pitchFamily="34" charset="0"/>
-              </a:rPr>
-              <a:t>raceCar</a:t>
-            </a:r>
+              <a:t> o simplemente era otra tarea mas de los desarrolladores asegurarse de que todas las dependencias que necesitaba su código estuviesen cargadas.</a:t>
+            </a:r>
+          </a:p>
+          <a:p>
             <a:r>
               <a:rPr lang="es-ES" sz="2200" dirty="0">
                 <a:latin typeface="Segoe UI Light" panose="020B0502040204020203" pitchFamily="34" charset="0"/>
                 <a:cs typeface="Segoe UI Light" panose="020B0502040204020203" pitchFamily="34" charset="0"/>
               </a:rPr>
-              <a:t> e </a:t>
-            </a:r>
-            <a:r>
-              <a:rPr lang="es-ES" sz="2200" dirty="0" err="1">
-                <a:latin typeface="Segoe UI Light" panose="020B0502040204020203" pitchFamily="34" charset="0"/>
-                <a:cs typeface="Segoe UI Light" panose="020B0502040204020203" pitchFamily="34" charset="0"/>
-              </a:rPr>
-              <a:t>index</a:t>
-            </a:r>
-            <a:r>
-              <a:rPr lang="es-ES" sz="2200" dirty="0">
-                <a:latin typeface="Segoe UI Light" panose="020B0502040204020203" pitchFamily="34" charset="0"/>
-                <a:cs typeface="Segoe UI Light" panose="020B0502040204020203" pitchFamily="34" charset="0"/>
-              </a:rPr>
-              <a:t> que contiene el resto del código</a:t>
-            </a:r>
-          </a:p>
-          <a:p>
-            <a:r>
-              <a:rPr lang="es-ES" sz="2200" dirty="0">
-                <a:latin typeface="Segoe UI Light" panose="020B0502040204020203" pitchFamily="34" charset="0"/>
-                <a:cs typeface="Segoe UI Light" panose="020B0502040204020203" pitchFamily="34" charset="0"/>
-              </a:rPr>
-              <a:t>Aquí encontrareis ayuda del </a:t>
-            </a:r>
-            <a:r>
-              <a:rPr lang="es-ES" sz="2200" dirty="0" err="1">
-                <a:latin typeface="Segoe UI Light" panose="020B0502040204020203" pitchFamily="34" charset="0"/>
-                <a:cs typeface="Segoe UI Light" panose="020B0502040204020203" pitchFamily="34" charset="0"/>
-              </a:rPr>
-              <a:t>import</a:t>
-            </a:r>
-            <a:r>
-              <a:rPr lang="es-ES" sz="2200" dirty="0">
-                <a:latin typeface="Segoe UI Light" panose="020B0502040204020203" pitchFamily="34" charset="0"/>
-                <a:cs typeface="Segoe UI Light" panose="020B0502040204020203" pitchFamily="34" charset="0"/>
-              </a:rPr>
-              <a:t> y del </a:t>
-            </a:r>
-            <a:r>
-              <a:rPr lang="es-ES" sz="2200" dirty="0" err="1">
-                <a:latin typeface="Segoe UI Light" panose="020B0502040204020203" pitchFamily="34" charset="0"/>
-                <a:cs typeface="Segoe UI Light" panose="020B0502040204020203" pitchFamily="34" charset="0"/>
-              </a:rPr>
-              <a:t>export</a:t>
-            </a:r>
-            <a:endParaRPr lang="es-ES" sz="2200" dirty="0">
-              <a:latin typeface="Segoe UI Light" panose="020B0502040204020203" pitchFamily="34" charset="0"/>
-              <a:cs typeface="Segoe UI Light" panose="020B0502040204020203" pitchFamily="34" charset="0"/>
-            </a:endParaRPr>
-          </a:p>
-          <a:p>
-            <a:pPr marL="685800" lvl="2">
-              <a:spcBef>
-                <a:spcPts val="1000"/>
-              </a:spcBef>
-            </a:pPr>
-            <a:r>
-              <a:rPr lang="es-ES" sz="1800" dirty="0">
-                <a:latin typeface="Segoe UI Light" panose="020B0502040204020203" pitchFamily="34" charset="0"/>
-                <a:cs typeface="Segoe UI Light" panose="020B0502040204020203" pitchFamily="34" charset="0"/>
-                <a:hlinkClick r:id="rId3"/>
-              </a:rPr>
-              <a:t>https://developer.mozilla.org/es/docs/Web/JavaScript/Referencia/Sentencias/import</a:t>
-            </a:r>
-            <a:endParaRPr lang="es-ES" sz="1800" dirty="0">
-              <a:latin typeface="Segoe UI Light" panose="020B0502040204020203" pitchFamily="34" charset="0"/>
-              <a:cs typeface="Segoe UI Light" panose="020B0502040204020203" pitchFamily="34" charset="0"/>
-            </a:endParaRPr>
-          </a:p>
-          <a:p>
-            <a:pPr marL="685800" lvl="2">
-              <a:spcBef>
-                <a:spcPts val="1000"/>
-              </a:spcBef>
-            </a:pPr>
-            <a:r>
-              <a:rPr lang="es-ES" sz="1800" dirty="0">
-                <a:latin typeface="Segoe UI Light" panose="020B0502040204020203" pitchFamily="34" charset="0"/>
-                <a:cs typeface="Segoe UI Light" panose="020B0502040204020203" pitchFamily="34" charset="0"/>
-                <a:hlinkClick r:id="rId4"/>
-              </a:rPr>
-              <a:t>https://developer.mozilla.org/es/docs/Web/JavaScript/Referencia/Sentencias/export</a:t>
-            </a:r>
-            <a:endParaRPr lang="es-ES" sz="1800" dirty="0">
-              <a:latin typeface="Segoe UI Light" panose="020B0502040204020203" pitchFamily="34" charset="0"/>
-              <a:cs typeface="Segoe UI Light" panose="020B0502040204020203" pitchFamily="34" charset="0"/>
-            </a:endParaRPr>
-          </a:p>
-          <a:p>
-            <a:r>
-              <a:rPr lang="es-ES" sz="2200" dirty="0">
-                <a:latin typeface="Segoe UI Light" panose="020B0502040204020203" pitchFamily="34" charset="0"/>
-                <a:cs typeface="Segoe UI Light" panose="020B0502040204020203" pitchFamily="34" charset="0"/>
-              </a:rPr>
-              <a:t>De todas formas como tiene una sintaxis muy amplia, con muchas opciones posibles os recomendaría</a:t>
-            </a:r>
-          </a:p>
-          <a:p>
-            <a:pPr lvl="1"/>
-            <a:r>
-              <a:rPr lang="es-ES" sz="1800" dirty="0">
-                <a:latin typeface="Segoe UI Light" panose="020B0502040204020203" pitchFamily="34" charset="0"/>
-                <a:cs typeface="Segoe UI Light" panose="020B0502040204020203" pitchFamily="34" charset="0"/>
-              </a:rPr>
-              <a:t>Para el </a:t>
-            </a:r>
-            <a:r>
-              <a:rPr lang="es-ES" sz="1800" dirty="0" err="1">
-                <a:latin typeface="Segoe UI Light" panose="020B0502040204020203" pitchFamily="34" charset="0"/>
-                <a:cs typeface="Segoe UI Light" panose="020B0502040204020203" pitchFamily="34" charset="0"/>
-              </a:rPr>
-              <a:t>export</a:t>
-            </a:r>
-            <a:r>
-              <a:rPr lang="es-ES" sz="1800" dirty="0">
-                <a:latin typeface="Segoe UI Light" panose="020B0502040204020203" pitchFamily="34" charset="0"/>
-                <a:cs typeface="Segoe UI Light" panose="020B0502040204020203" pitchFamily="34" charset="0"/>
-              </a:rPr>
-              <a:t>: </a:t>
-            </a:r>
-            <a:r>
-              <a:rPr lang="es-ES" sz="1800" dirty="0" err="1">
-                <a:latin typeface="Segoe UI Light" panose="020B0502040204020203" pitchFamily="34" charset="0"/>
-                <a:cs typeface="Segoe UI Light" panose="020B0502040204020203" pitchFamily="34" charset="0"/>
-              </a:rPr>
-              <a:t>export</a:t>
-            </a:r>
-            <a:r>
-              <a:rPr lang="es-ES" sz="1800" dirty="0">
-                <a:latin typeface="Segoe UI Light" panose="020B0502040204020203" pitchFamily="34" charset="0"/>
-                <a:cs typeface="Segoe UI Light" panose="020B0502040204020203" pitchFamily="34" charset="0"/>
-              </a:rPr>
-              <a:t> </a:t>
-            </a:r>
-            <a:r>
-              <a:rPr lang="es-ES" sz="1800" dirty="0" err="1">
-                <a:latin typeface="Segoe UI Light" panose="020B0502040204020203" pitchFamily="34" charset="0"/>
-                <a:cs typeface="Segoe UI Light" panose="020B0502040204020203" pitchFamily="34" charset="0"/>
-              </a:rPr>
-              <a:t>class</a:t>
-            </a:r>
-            <a:r>
-              <a:rPr lang="es-ES" sz="1800" dirty="0">
-                <a:latin typeface="Segoe UI Light" panose="020B0502040204020203" pitchFamily="34" charset="0"/>
-                <a:cs typeface="Segoe UI Light" panose="020B0502040204020203" pitchFamily="34" charset="0"/>
-              </a:rPr>
-              <a:t> &lt;</a:t>
-            </a:r>
-            <a:r>
-              <a:rPr lang="es-ES" sz="1800" dirty="0" err="1">
-                <a:latin typeface="Segoe UI Light" panose="020B0502040204020203" pitchFamily="34" charset="0"/>
-                <a:cs typeface="Segoe UI Light" panose="020B0502040204020203" pitchFamily="34" charset="0"/>
-              </a:rPr>
-              <a:t>classname</a:t>
-            </a:r>
-            <a:r>
-              <a:rPr lang="es-ES" sz="1800" dirty="0">
-                <a:latin typeface="Segoe UI Light" panose="020B0502040204020203" pitchFamily="34" charset="0"/>
-                <a:cs typeface="Segoe UI Light" panose="020B0502040204020203" pitchFamily="34" charset="0"/>
-              </a:rPr>
-              <a:t>&gt;</a:t>
-            </a:r>
-          </a:p>
-          <a:p>
-            <a:pPr lvl="1"/>
-            <a:r>
-              <a:rPr lang="es-ES" sz="1800" dirty="0">
-                <a:latin typeface="Segoe UI Light" panose="020B0502040204020203" pitchFamily="34" charset="0"/>
-                <a:cs typeface="Segoe UI Light" panose="020B0502040204020203" pitchFamily="34" charset="0"/>
-              </a:rPr>
-              <a:t>Para el </a:t>
-            </a:r>
-            <a:r>
-              <a:rPr lang="es-ES" sz="1800" dirty="0" err="1">
-                <a:latin typeface="Segoe UI Light" panose="020B0502040204020203" pitchFamily="34" charset="0"/>
-                <a:cs typeface="Segoe UI Light" panose="020B0502040204020203" pitchFamily="34" charset="0"/>
-              </a:rPr>
-              <a:t>import</a:t>
-            </a:r>
-            <a:r>
-              <a:rPr lang="es-ES" sz="1800" dirty="0">
-                <a:latin typeface="Segoe UI Light" panose="020B0502040204020203" pitchFamily="34" charset="0"/>
-                <a:cs typeface="Segoe UI Light" panose="020B0502040204020203" pitchFamily="34" charset="0"/>
-              </a:rPr>
-              <a:t>: </a:t>
-            </a:r>
-            <a:r>
-              <a:rPr lang="es-ES" sz="1800" dirty="0" err="1">
-                <a:latin typeface="Segoe UI Light" panose="020B0502040204020203" pitchFamily="34" charset="0"/>
-                <a:cs typeface="Segoe UI Light" panose="020B0502040204020203" pitchFamily="34" charset="0"/>
-              </a:rPr>
-              <a:t>import</a:t>
-            </a:r>
-            <a:r>
-              <a:rPr lang="es-ES" sz="1800" dirty="0">
-                <a:latin typeface="Segoe UI Light" panose="020B0502040204020203" pitchFamily="34" charset="0"/>
-                <a:cs typeface="Segoe UI Light" panose="020B0502040204020203" pitchFamily="34" charset="0"/>
-              </a:rPr>
-              <a:t> { &lt;</a:t>
-            </a:r>
-            <a:r>
-              <a:rPr lang="es-ES" sz="1800" dirty="0" err="1">
-                <a:latin typeface="Segoe UI Light" panose="020B0502040204020203" pitchFamily="34" charset="0"/>
-                <a:cs typeface="Segoe UI Light" panose="020B0502040204020203" pitchFamily="34" charset="0"/>
-              </a:rPr>
-              <a:t>classname</a:t>
-            </a:r>
-            <a:r>
-              <a:rPr lang="es-ES" sz="1800" dirty="0">
-                <a:latin typeface="Segoe UI Light" panose="020B0502040204020203" pitchFamily="34" charset="0"/>
-                <a:cs typeface="Segoe UI Light" panose="020B0502040204020203" pitchFamily="34" charset="0"/>
-              </a:rPr>
-              <a:t>&gt; } </a:t>
-            </a:r>
-            <a:r>
-              <a:rPr lang="es-ES" sz="1800" dirty="0" err="1">
-                <a:latin typeface="Segoe UI Light" panose="020B0502040204020203" pitchFamily="34" charset="0"/>
-                <a:cs typeface="Segoe UI Light" panose="020B0502040204020203" pitchFamily="34" charset="0"/>
-              </a:rPr>
-              <a:t>from</a:t>
-            </a:r>
-            <a:r>
-              <a:rPr lang="es-ES" sz="1800" dirty="0">
-                <a:latin typeface="Segoe UI Light" panose="020B0502040204020203" pitchFamily="34" charset="0"/>
-                <a:cs typeface="Segoe UI Light" panose="020B0502040204020203" pitchFamily="34" charset="0"/>
-              </a:rPr>
-              <a:t> “&lt;</a:t>
-            </a:r>
-            <a:r>
-              <a:rPr lang="es-ES" sz="1800" dirty="0" err="1">
-                <a:latin typeface="Segoe UI Light" panose="020B0502040204020203" pitchFamily="34" charset="0"/>
-                <a:cs typeface="Segoe UI Light" panose="020B0502040204020203" pitchFamily="34" charset="0"/>
-              </a:rPr>
-              <a:t>filename</a:t>
-            </a:r>
-            <a:r>
-              <a:rPr lang="es-ES" sz="1800" dirty="0">
-                <a:latin typeface="Segoe UI Light" panose="020B0502040204020203" pitchFamily="34" charset="0"/>
-                <a:cs typeface="Segoe UI Light" panose="020B0502040204020203" pitchFamily="34" charset="0"/>
-              </a:rPr>
-              <a:t>”</a:t>
-            </a:r>
-          </a:p>
-          <a:p>
-            <a:r>
-              <a:rPr lang="es-ES" sz="2200" dirty="0">
-                <a:latin typeface="Segoe UI Light" panose="020B0502040204020203" pitchFamily="34" charset="0"/>
-                <a:cs typeface="Segoe UI Light" panose="020B0502040204020203" pitchFamily="34" charset="0"/>
-              </a:rPr>
-              <a:t>Aunque esta sintaxis ha sido aprobada los navegadores no la entienden por lo que tenéis que utilizar </a:t>
-            </a:r>
-            <a:r>
-              <a:rPr lang="es-ES" sz="2200" dirty="0" err="1">
-                <a:latin typeface="Segoe UI Light" panose="020B0502040204020203" pitchFamily="34" charset="0"/>
-                <a:cs typeface="Segoe UI Light" panose="020B0502040204020203" pitchFamily="34" charset="0"/>
-              </a:rPr>
-              <a:t>webpack</a:t>
-            </a:r>
-            <a:r>
-              <a:rPr lang="es-ES" sz="2200" dirty="0">
-                <a:latin typeface="Segoe UI Light" panose="020B0502040204020203" pitchFamily="34" charset="0"/>
-                <a:cs typeface="Segoe UI Light" panose="020B0502040204020203" pitchFamily="34" charset="0"/>
-              </a:rPr>
-              <a:t> para que os genere el </a:t>
-            </a:r>
-            <a:r>
-              <a:rPr lang="es-ES" sz="2200" dirty="0" err="1">
-                <a:latin typeface="Segoe UI Light" panose="020B0502040204020203" pitchFamily="34" charset="0"/>
-                <a:cs typeface="Segoe UI Light" panose="020B0502040204020203" pitchFamily="34" charset="0"/>
-              </a:rPr>
-              <a:t>bundle</a:t>
-            </a:r>
-            <a:r>
-              <a:rPr lang="es-ES" sz="2200" dirty="0">
-                <a:latin typeface="Segoe UI Light" panose="020B0502040204020203" pitchFamily="34" charset="0"/>
-                <a:cs typeface="Segoe UI Light" panose="020B0502040204020203" pitchFamily="34" charset="0"/>
-              </a:rPr>
-              <a:t> correspondiente</a:t>
+              <a:t>ES6 soluciona este problema ofreciéndonos una serie de sentencias en las que en cada archivo podemos decir por un lado que cosas de las que ponemos son publicas (exportables) y por otro que objetos nos traemos de otros archivos</a:t>
             </a:r>
           </a:p>
         </p:txBody>
@@ -21559,7 +22447,7 @@
     </p:spTree>
     <p:extLst>
       <p:ext uri="{BB962C8B-B14F-4D97-AF65-F5344CB8AC3E}">
-        <p14:creationId xmlns:p14="http://schemas.microsoft.com/office/powerpoint/2010/main" val="2477737383"/>
+        <p14:creationId xmlns:p14="http://schemas.microsoft.com/office/powerpoint/2010/main" val="40039596"/>
       </p:ext>
     </p:extLst>
   </p:cSld>
@@ -21607,11 +22495,11 @@
             </a:r>
             <a:r>
               <a:rPr lang="es-ES" dirty="0" err="1"/>
-              <a:t>Transpilar</a:t>
+              <a:t>Modulos</a:t>
             </a:r>
             <a:r>
               <a:rPr lang="es-ES" dirty="0"/>
-              <a:t> a ES5</a:t>
+              <a:t>. Ejercicio</a:t>
             </a:r>
           </a:p>
         </p:txBody>
@@ -21636,6 +22524,411 @@
                 <a:latin typeface="Segoe UI Light" panose="020B0502040204020203" pitchFamily="34" charset="0"/>
                 <a:cs typeface="Segoe UI Light" panose="020B0502040204020203" pitchFamily="34" charset="0"/>
               </a:rPr>
+              <a:t>El siguiente ejercicio que se propone es partir nuestro </a:t>
+            </a:r>
+            <a:r>
+              <a:rPr lang="es-ES" sz="2200" dirty="0" err="1">
+                <a:latin typeface="Segoe UI Light" panose="020B0502040204020203" pitchFamily="34" charset="0"/>
+                <a:cs typeface="Segoe UI Light" panose="020B0502040204020203" pitchFamily="34" charset="0"/>
+              </a:rPr>
+              <a:t>js</a:t>
+            </a:r>
+            <a:r>
+              <a:rPr lang="es-ES" sz="2200" dirty="0">
+                <a:latin typeface="Segoe UI Light" panose="020B0502040204020203" pitchFamily="34" charset="0"/>
+                <a:cs typeface="Segoe UI Light" panose="020B0502040204020203" pitchFamily="34" charset="0"/>
+              </a:rPr>
+              <a:t> en varios archivos. En concreto 3 car, que contendrá la clase publica car, </a:t>
+            </a:r>
+            <a:r>
+              <a:rPr lang="es-ES" sz="2200" dirty="0" err="1">
+                <a:latin typeface="Segoe UI Light" panose="020B0502040204020203" pitchFamily="34" charset="0"/>
+                <a:cs typeface="Segoe UI Light" panose="020B0502040204020203" pitchFamily="34" charset="0"/>
+              </a:rPr>
+              <a:t>raceCar</a:t>
+            </a:r>
+            <a:r>
+              <a:rPr lang="es-ES" sz="2200" dirty="0">
+                <a:latin typeface="Segoe UI Light" panose="020B0502040204020203" pitchFamily="34" charset="0"/>
+                <a:cs typeface="Segoe UI Light" panose="020B0502040204020203" pitchFamily="34" charset="0"/>
+              </a:rPr>
+              <a:t> que contendrá la clase publica </a:t>
+            </a:r>
+            <a:r>
+              <a:rPr lang="es-ES" sz="2200" dirty="0" err="1">
+                <a:latin typeface="Segoe UI Light" panose="020B0502040204020203" pitchFamily="34" charset="0"/>
+                <a:cs typeface="Segoe UI Light" panose="020B0502040204020203" pitchFamily="34" charset="0"/>
+              </a:rPr>
+              <a:t>raceCar</a:t>
+            </a:r>
+            <a:r>
+              <a:rPr lang="es-ES" sz="2200" dirty="0">
+                <a:latin typeface="Segoe UI Light" panose="020B0502040204020203" pitchFamily="34" charset="0"/>
+                <a:cs typeface="Segoe UI Light" panose="020B0502040204020203" pitchFamily="34" charset="0"/>
+              </a:rPr>
+              <a:t> e </a:t>
+            </a:r>
+            <a:r>
+              <a:rPr lang="es-ES" sz="2200" dirty="0" err="1">
+                <a:latin typeface="Segoe UI Light" panose="020B0502040204020203" pitchFamily="34" charset="0"/>
+                <a:cs typeface="Segoe UI Light" panose="020B0502040204020203" pitchFamily="34" charset="0"/>
+              </a:rPr>
+              <a:t>index</a:t>
+            </a:r>
+            <a:r>
+              <a:rPr lang="es-ES" sz="2200" dirty="0">
+                <a:latin typeface="Segoe UI Light" panose="020B0502040204020203" pitchFamily="34" charset="0"/>
+                <a:cs typeface="Segoe UI Light" panose="020B0502040204020203" pitchFamily="34" charset="0"/>
+              </a:rPr>
+              <a:t> que contiene el resto del código</a:t>
+            </a:r>
+          </a:p>
+          <a:p>
+            <a:r>
+              <a:rPr lang="es-ES" sz="2200" dirty="0">
+                <a:latin typeface="Segoe UI Light" panose="020B0502040204020203" pitchFamily="34" charset="0"/>
+                <a:cs typeface="Segoe UI Light" panose="020B0502040204020203" pitchFamily="34" charset="0"/>
+              </a:rPr>
+              <a:t>Aquí encontrareis ayuda del </a:t>
+            </a:r>
+            <a:r>
+              <a:rPr lang="es-ES" sz="2200" dirty="0" err="1">
+                <a:latin typeface="Segoe UI Light" panose="020B0502040204020203" pitchFamily="34" charset="0"/>
+                <a:cs typeface="Segoe UI Light" panose="020B0502040204020203" pitchFamily="34" charset="0"/>
+              </a:rPr>
+              <a:t>import</a:t>
+            </a:r>
+            <a:r>
+              <a:rPr lang="es-ES" sz="2200" dirty="0">
+                <a:latin typeface="Segoe UI Light" panose="020B0502040204020203" pitchFamily="34" charset="0"/>
+                <a:cs typeface="Segoe UI Light" panose="020B0502040204020203" pitchFamily="34" charset="0"/>
+              </a:rPr>
+              <a:t> y del </a:t>
+            </a:r>
+            <a:r>
+              <a:rPr lang="es-ES" sz="2200" dirty="0" err="1">
+                <a:latin typeface="Segoe UI Light" panose="020B0502040204020203" pitchFamily="34" charset="0"/>
+                <a:cs typeface="Segoe UI Light" panose="020B0502040204020203" pitchFamily="34" charset="0"/>
+              </a:rPr>
+              <a:t>export</a:t>
+            </a:r>
+            <a:endParaRPr lang="es-ES" sz="2200" dirty="0">
+              <a:latin typeface="Segoe UI Light" panose="020B0502040204020203" pitchFamily="34" charset="0"/>
+              <a:cs typeface="Segoe UI Light" panose="020B0502040204020203" pitchFamily="34" charset="0"/>
+            </a:endParaRPr>
+          </a:p>
+          <a:p>
+            <a:pPr marL="685800" lvl="2">
+              <a:spcBef>
+                <a:spcPts val="1000"/>
+              </a:spcBef>
+            </a:pPr>
+            <a:r>
+              <a:rPr lang="es-ES" sz="1800" dirty="0">
+                <a:latin typeface="Segoe UI Light" panose="020B0502040204020203" pitchFamily="34" charset="0"/>
+                <a:cs typeface="Segoe UI Light" panose="020B0502040204020203" pitchFamily="34" charset="0"/>
+                <a:hlinkClick r:id="rId3"/>
+              </a:rPr>
+              <a:t>https://developer.mozilla.org/es/docs/Web/JavaScript/Referencia/Sentencias/import</a:t>
+            </a:r>
+            <a:endParaRPr lang="es-ES" sz="1800" dirty="0">
+              <a:latin typeface="Segoe UI Light" panose="020B0502040204020203" pitchFamily="34" charset="0"/>
+              <a:cs typeface="Segoe UI Light" panose="020B0502040204020203" pitchFamily="34" charset="0"/>
+            </a:endParaRPr>
+          </a:p>
+          <a:p>
+            <a:pPr marL="685800" lvl="2">
+              <a:spcBef>
+                <a:spcPts val="1000"/>
+              </a:spcBef>
+            </a:pPr>
+            <a:r>
+              <a:rPr lang="es-ES" sz="1800" dirty="0">
+                <a:latin typeface="Segoe UI Light" panose="020B0502040204020203" pitchFamily="34" charset="0"/>
+                <a:cs typeface="Segoe UI Light" panose="020B0502040204020203" pitchFamily="34" charset="0"/>
+                <a:hlinkClick r:id="rId4"/>
+              </a:rPr>
+              <a:t>https://developer.mozilla.org/es/docs/Web/JavaScript/Referencia/Sentencias/export</a:t>
+            </a:r>
+            <a:endParaRPr lang="es-ES" sz="1800" dirty="0">
+              <a:latin typeface="Segoe UI Light" panose="020B0502040204020203" pitchFamily="34" charset="0"/>
+              <a:cs typeface="Segoe UI Light" panose="020B0502040204020203" pitchFamily="34" charset="0"/>
+            </a:endParaRPr>
+          </a:p>
+          <a:p>
+            <a:r>
+              <a:rPr lang="es-ES" sz="2200" dirty="0">
+                <a:latin typeface="Segoe UI Light" panose="020B0502040204020203" pitchFamily="34" charset="0"/>
+                <a:cs typeface="Segoe UI Light" panose="020B0502040204020203" pitchFamily="34" charset="0"/>
+              </a:rPr>
+              <a:t>De todas formas como tiene una sintaxis muy amplia, con muchas opciones posibles os recomendaría</a:t>
+            </a:r>
+          </a:p>
+          <a:p>
+            <a:pPr lvl="1"/>
+            <a:r>
+              <a:rPr lang="es-ES" sz="1800" dirty="0">
+                <a:latin typeface="Segoe UI Light" panose="020B0502040204020203" pitchFamily="34" charset="0"/>
+                <a:cs typeface="Segoe UI Light" panose="020B0502040204020203" pitchFamily="34" charset="0"/>
+              </a:rPr>
+              <a:t>Para el </a:t>
+            </a:r>
+            <a:r>
+              <a:rPr lang="es-ES" sz="1800" dirty="0" err="1">
+                <a:latin typeface="Segoe UI Light" panose="020B0502040204020203" pitchFamily="34" charset="0"/>
+                <a:cs typeface="Segoe UI Light" panose="020B0502040204020203" pitchFamily="34" charset="0"/>
+              </a:rPr>
+              <a:t>export</a:t>
+            </a:r>
+            <a:r>
+              <a:rPr lang="es-ES" sz="1800" dirty="0">
+                <a:latin typeface="Segoe UI Light" panose="020B0502040204020203" pitchFamily="34" charset="0"/>
+                <a:cs typeface="Segoe UI Light" panose="020B0502040204020203" pitchFamily="34" charset="0"/>
+              </a:rPr>
+              <a:t>: </a:t>
+            </a:r>
+            <a:r>
+              <a:rPr lang="es-ES" sz="1800" dirty="0" err="1">
+                <a:latin typeface="Segoe UI Light" panose="020B0502040204020203" pitchFamily="34" charset="0"/>
+                <a:cs typeface="Segoe UI Light" panose="020B0502040204020203" pitchFamily="34" charset="0"/>
+              </a:rPr>
+              <a:t>export</a:t>
+            </a:r>
+            <a:r>
+              <a:rPr lang="es-ES" sz="1800" dirty="0">
+                <a:latin typeface="Segoe UI Light" panose="020B0502040204020203" pitchFamily="34" charset="0"/>
+                <a:cs typeface="Segoe UI Light" panose="020B0502040204020203" pitchFamily="34" charset="0"/>
+              </a:rPr>
+              <a:t> </a:t>
+            </a:r>
+            <a:r>
+              <a:rPr lang="es-ES" sz="1800" dirty="0" err="1">
+                <a:latin typeface="Segoe UI Light" panose="020B0502040204020203" pitchFamily="34" charset="0"/>
+                <a:cs typeface="Segoe UI Light" panose="020B0502040204020203" pitchFamily="34" charset="0"/>
+              </a:rPr>
+              <a:t>class</a:t>
+            </a:r>
+            <a:r>
+              <a:rPr lang="es-ES" sz="1800" dirty="0">
+                <a:latin typeface="Segoe UI Light" panose="020B0502040204020203" pitchFamily="34" charset="0"/>
+                <a:cs typeface="Segoe UI Light" panose="020B0502040204020203" pitchFamily="34" charset="0"/>
+              </a:rPr>
+              <a:t> &lt;</a:t>
+            </a:r>
+            <a:r>
+              <a:rPr lang="es-ES" sz="1800" dirty="0" err="1">
+                <a:latin typeface="Segoe UI Light" panose="020B0502040204020203" pitchFamily="34" charset="0"/>
+                <a:cs typeface="Segoe UI Light" panose="020B0502040204020203" pitchFamily="34" charset="0"/>
+              </a:rPr>
+              <a:t>classname</a:t>
+            </a:r>
+            <a:r>
+              <a:rPr lang="es-ES" sz="1800" dirty="0">
+                <a:latin typeface="Segoe UI Light" panose="020B0502040204020203" pitchFamily="34" charset="0"/>
+                <a:cs typeface="Segoe UI Light" panose="020B0502040204020203" pitchFamily="34" charset="0"/>
+              </a:rPr>
+              <a:t>&gt;</a:t>
+            </a:r>
+          </a:p>
+          <a:p>
+            <a:pPr lvl="1"/>
+            <a:r>
+              <a:rPr lang="es-ES" sz="1800" dirty="0">
+                <a:latin typeface="Segoe UI Light" panose="020B0502040204020203" pitchFamily="34" charset="0"/>
+                <a:cs typeface="Segoe UI Light" panose="020B0502040204020203" pitchFamily="34" charset="0"/>
+              </a:rPr>
+              <a:t>Para el </a:t>
+            </a:r>
+            <a:r>
+              <a:rPr lang="es-ES" sz="1800" dirty="0" err="1">
+                <a:latin typeface="Segoe UI Light" panose="020B0502040204020203" pitchFamily="34" charset="0"/>
+                <a:cs typeface="Segoe UI Light" panose="020B0502040204020203" pitchFamily="34" charset="0"/>
+              </a:rPr>
+              <a:t>import</a:t>
+            </a:r>
+            <a:r>
+              <a:rPr lang="es-ES" sz="1800" dirty="0">
+                <a:latin typeface="Segoe UI Light" panose="020B0502040204020203" pitchFamily="34" charset="0"/>
+                <a:cs typeface="Segoe UI Light" panose="020B0502040204020203" pitchFamily="34" charset="0"/>
+              </a:rPr>
+              <a:t>: </a:t>
+            </a:r>
+            <a:r>
+              <a:rPr lang="es-ES" sz="1800" dirty="0" err="1">
+                <a:latin typeface="Segoe UI Light" panose="020B0502040204020203" pitchFamily="34" charset="0"/>
+                <a:cs typeface="Segoe UI Light" panose="020B0502040204020203" pitchFamily="34" charset="0"/>
+              </a:rPr>
+              <a:t>import</a:t>
+            </a:r>
+            <a:r>
+              <a:rPr lang="es-ES" sz="1800" dirty="0">
+                <a:latin typeface="Segoe UI Light" panose="020B0502040204020203" pitchFamily="34" charset="0"/>
+                <a:cs typeface="Segoe UI Light" panose="020B0502040204020203" pitchFamily="34" charset="0"/>
+              </a:rPr>
+              <a:t> { &lt;</a:t>
+            </a:r>
+            <a:r>
+              <a:rPr lang="es-ES" sz="1800" dirty="0" err="1">
+                <a:latin typeface="Segoe UI Light" panose="020B0502040204020203" pitchFamily="34" charset="0"/>
+                <a:cs typeface="Segoe UI Light" panose="020B0502040204020203" pitchFamily="34" charset="0"/>
+              </a:rPr>
+              <a:t>classname</a:t>
+            </a:r>
+            <a:r>
+              <a:rPr lang="es-ES" sz="1800" dirty="0">
+                <a:latin typeface="Segoe UI Light" panose="020B0502040204020203" pitchFamily="34" charset="0"/>
+                <a:cs typeface="Segoe UI Light" panose="020B0502040204020203" pitchFamily="34" charset="0"/>
+              </a:rPr>
+              <a:t>&gt; } </a:t>
+            </a:r>
+            <a:r>
+              <a:rPr lang="es-ES" sz="1800" dirty="0" err="1">
+                <a:latin typeface="Segoe UI Light" panose="020B0502040204020203" pitchFamily="34" charset="0"/>
+                <a:cs typeface="Segoe UI Light" panose="020B0502040204020203" pitchFamily="34" charset="0"/>
+              </a:rPr>
+              <a:t>from</a:t>
+            </a:r>
+            <a:r>
+              <a:rPr lang="es-ES" sz="1800" dirty="0">
+                <a:latin typeface="Segoe UI Light" panose="020B0502040204020203" pitchFamily="34" charset="0"/>
+                <a:cs typeface="Segoe UI Light" panose="020B0502040204020203" pitchFamily="34" charset="0"/>
+              </a:rPr>
+              <a:t> “&lt;</a:t>
+            </a:r>
+            <a:r>
+              <a:rPr lang="es-ES" sz="1800" dirty="0" err="1">
+                <a:latin typeface="Segoe UI Light" panose="020B0502040204020203" pitchFamily="34" charset="0"/>
+                <a:cs typeface="Segoe UI Light" panose="020B0502040204020203" pitchFamily="34" charset="0"/>
+              </a:rPr>
+              <a:t>filename</a:t>
+            </a:r>
+            <a:r>
+              <a:rPr lang="es-ES" sz="1800" dirty="0">
+                <a:latin typeface="Segoe UI Light" panose="020B0502040204020203" pitchFamily="34" charset="0"/>
+                <a:cs typeface="Segoe UI Light" panose="020B0502040204020203" pitchFamily="34" charset="0"/>
+              </a:rPr>
+              <a:t>”</a:t>
+            </a:r>
+          </a:p>
+          <a:p>
+            <a:r>
+              <a:rPr lang="es-ES" sz="2200" dirty="0">
+                <a:latin typeface="Segoe UI Light" panose="020B0502040204020203" pitchFamily="34" charset="0"/>
+                <a:cs typeface="Segoe UI Light" panose="020B0502040204020203" pitchFamily="34" charset="0"/>
+              </a:rPr>
+              <a:t>Aunque esta sintaxis ha sido aprobada los navegadores no la entienden por lo que tenéis que utilizar </a:t>
+            </a:r>
+            <a:r>
+              <a:rPr lang="es-ES" sz="2200" dirty="0" err="1">
+                <a:latin typeface="Segoe UI Light" panose="020B0502040204020203" pitchFamily="34" charset="0"/>
+                <a:cs typeface="Segoe UI Light" panose="020B0502040204020203" pitchFamily="34" charset="0"/>
+              </a:rPr>
+              <a:t>webpack</a:t>
+            </a:r>
+            <a:r>
+              <a:rPr lang="es-ES" sz="2200" dirty="0">
+                <a:latin typeface="Segoe UI Light" panose="020B0502040204020203" pitchFamily="34" charset="0"/>
+                <a:cs typeface="Segoe UI Light" panose="020B0502040204020203" pitchFamily="34" charset="0"/>
+              </a:rPr>
+              <a:t> para que os genere el </a:t>
+            </a:r>
+            <a:r>
+              <a:rPr lang="es-ES" sz="2200" dirty="0" err="1">
+                <a:latin typeface="Segoe UI Light" panose="020B0502040204020203" pitchFamily="34" charset="0"/>
+                <a:cs typeface="Segoe UI Light" panose="020B0502040204020203" pitchFamily="34" charset="0"/>
+              </a:rPr>
+              <a:t>bundle</a:t>
+            </a:r>
+            <a:r>
+              <a:rPr lang="es-ES" sz="2200" dirty="0">
+                <a:latin typeface="Segoe UI Light" panose="020B0502040204020203" pitchFamily="34" charset="0"/>
+                <a:cs typeface="Segoe UI Light" panose="020B0502040204020203" pitchFamily="34" charset="0"/>
+              </a:rPr>
+              <a:t> correspondiente</a:t>
+            </a:r>
+          </a:p>
+        </p:txBody>
+      </p:sp>
+    </p:spTree>
+    <p:extLst>
+      <p:ext uri="{BB962C8B-B14F-4D97-AF65-F5344CB8AC3E}">
+        <p14:creationId xmlns:p14="http://schemas.microsoft.com/office/powerpoint/2010/main" val="2477737383"/>
+      </p:ext>
+    </p:extLst>
+  </p:cSld>
+  <p:clrMapOvr>
+    <a:masterClrMapping/>
+  </p:clrMapOvr>
+</p:sld>
+</file>
+
+<file path=ppt/slides/slide23.xml><?xml version="1.0" encoding="utf-8"?>
+<p:sld xmlns:a="http://schemas.openxmlformats.org/drawingml/2006/main" xmlns:r="http://schemas.openxmlformats.org/officeDocument/2006/relationships" xmlns:p="http://schemas.openxmlformats.org/presentationml/2006/main">
+  <p:cSld>
+    <p:spTree>
+      <p:nvGrpSpPr>
+        <p:cNvPr id="1" name=""/>
+        <p:cNvGrpSpPr/>
+        <p:nvPr/>
+      </p:nvGrpSpPr>
+      <p:grpSpPr>
+        <a:xfrm>
+          <a:off x="0" y="0"/>
+          <a:ext cx="0" cy="0"/>
+          <a:chOff x="0" y="0"/>
+          <a:chExt cx="0" cy="0"/>
+        </a:xfrm>
+      </p:grpSpPr>
+      <p:sp>
+        <p:nvSpPr>
+          <p:cNvPr id="2" name="Título 1"/>
+          <p:cNvSpPr>
+            <a:spLocks noGrp="1"/>
+          </p:cNvSpPr>
+          <p:nvPr>
+            <p:ph type="title"/>
+          </p:nvPr>
+        </p:nvSpPr>
+        <p:spPr/>
+        <p:txBody>
+          <a:bodyPr/>
+          <a:lstStyle/>
+          <a:p>
+            <a:r>
+              <a:rPr lang="es-ES" dirty="0"/>
+              <a:t>ES6. </a:t>
+            </a:r>
+            <a:r>
+              <a:rPr lang="es-ES" dirty="0" err="1"/>
+              <a:t>Transpilar</a:t>
+            </a:r>
+            <a:r>
+              <a:rPr lang="es-ES" dirty="0"/>
+              <a:t> a ES5</a:t>
+            </a:r>
+          </a:p>
+        </p:txBody>
+      </p:sp>
+      <p:sp>
+        <p:nvSpPr>
+          <p:cNvPr id="3" name="Marcador de contenido 2"/>
+          <p:cNvSpPr>
+            <a:spLocks noGrp="1"/>
+          </p:cNvSpPr>
+          <p:nvPr>
+            <p:ph idx="1"/>
+          </p:nvPr>
+        </p:nvSpPr>
+        <p:spPr/>
+        <p:txBody>
+          <a:bodyPr/>
+          <a:lstStyle/>
+          <a:p>
+            <a:r>
+              <a:rPr lang="es-ES" sz="2200" dirty="0">
+                <a:latin typeface="Segoe UI Light" panose="020B0502040204020203" pitchFamily="34" charset="0"/>
+                <a:cs typeface="Segoe UI Light" panose="020B0502040204020203" pitchFamily="34" charset="0"/>
+              </a:rPr>
               <a:t>El código generado en el ejercicio anterior ha sido “bundeado” correctamente por </a:t>
             </a:r>
             <a:r>
@@ -21708,7 +23001,7 @@
 </p:sld>
 </file>
 
-<file path=ppt/slides/slide23.xml><?xml version="1.0" encoding="utf-8"?>
+<file path=ppt/slides/slide24.xml><?xml version="1.0" encoding="utf-8"?>
 <p:sld xmlns:a="http://schemas.openxmlformats.org/drawingml/2006/main" xmlns:r="http://schemas.openxmlformats.org/officeDocument/2006/relationships" xmlns:p="http://schemas.openxmlformats.org/presentationml/2006/main">
   <p:cSld>
     <p:spTree>
@@ -22376,162 +23669,6 @@
 </p:sld>
 </file>
 
-<file path=ppt/slides/slide24.xml><?xml version="1.0" encoding="utf-8"?>
-<p:sld xmlns:a="http://schemas.openxmlformats.org/drawingml/2006/main" xmlns:r="http://schemas.openxmlformats.org/officeDocument/2006/relationships" xmlns:p="http://schemas.openxmlformats.org/presentationml/2006/main">
-  <p:cSld>
-    <p:spTree>
-      <p:nvGrpSpPr>
-        <p:cNvPr id="1" name=""/>
-        <p:cNvGrpSpPr/>
-        <p:nvPr/>
-      </p:nvGrpSpPr>
-      <p:grpSpPr>
-        <a:xfrm>
-          <a:off x="0" y="0"/>
-          <a:ext cx="0" cy="0"/>
-          <a:chOff x="0" y="0"/>
-          <a:chExt cx="0" cy="0"/>
-        </a:xfrm>
-      </p:grpSpPr>
-      <p:sp>
-        <p:nvSpPr>
-          <p:cNvPr id="2" name="Título 1"/>
-          <p:cNvSpPr>
-            <a:spLocks noGrp="1"/>
-          </p:cNvSpPr>
-          <p:nvPr>
-            <p:ph type="title"/>
-          </p:nvPr>
-        </p:nvSpPr>
-        <p:spPr/>
-        <p:txBody>
-          <a:bodyPr/>
-          <a:lstStyle/>
-          <a:p>
-            <a:r>
-              <a:rPr lang="es-ES" dirty="0"/>
-              <a:t>Ejercicio. Diferencias ecma6 </a:t>
-            </a:r>
-            <a:r>
-              <a:rPr lang="es-ES" dirty="0" err="1"/>
-              <a:t>typescript</a:t>
-            </a:r>
-            <a:endParaRPr lang="es-ES" dirty="0"/>
-          </a:p>
-        </p:txBody>
-      </p:sp>
-      <p:sp>
-        <p:nvSpPr>
-          <p:cNvPr id="3" name="Marcador de contenido 2"/>
-          <p:cNvSpPr>
-            <a:spLocks noGrp="1"/>
-          </p:cNvSpPr>
-          <p:nvPr>
-            <p:ph idx="1"/>
-          </p:nvPr>
-        </p:nvSpPr>
-        <p:spPr/>
-        <p:txBody>
-          <a:bodyPr/>
-          <a:lstStyle/>
-          <a:p>
-            <a:r>
-              <a:rPr lang="es-ES" sz="2200" dirty="0"/>
-              <a:t>Hasta ahora hemos trabajado en ECMA6 ahora vamos a pasar a trabajar en </a:t>
-            </a:r>
-            <a:r>
-              <a:rPr lang="es-ES" sz="2200" dirty="0" err="1"/>
-              <a:t>typescript</a:t>
-            </a:r>
-            <a:r>
-              <a:rPr lang="es-ES" sz="2200" dirty="0"/>
-              <a:t>. Y para ver que cambia vamos a ir a la web </a:t>
-            </a:r>
-            <a:r>
-              <a:rPr lang="es-ES" sz="2200" dirty="0">
-                <a:hlinkClick r:id="rId3"/>
-              </a:rPr>
-              <a:t>https://www.typescriptlang.org/play/index.html</a:t>
-            </a:r>
-            <a:r>
-              <a:rPr lang="es-ES" sz="2200" dirty="0"/>
-              <a:t> donde vamos a transformar el archivo car.js a </a:t>
-            </a:r>
-            <a:r>
-              <a:rPr lang="es-ES" sz="2200" dirty="0" err="1"/>
-              <a:t>typescript</a:t>
-            </a:r>
-            <a:endParaRPr lang="es-ES" sz="2200" dirty="0"/>
-          </a:p>
-          <a:p>
-            <a:r>
-              <a:rPr lang="es-ES" sz="2200" dirty="0"/>
-              <a:t>A continuación hacer lo mismo con </a:t>
-            </a:r>
-            <a:r>
-              <a:rPr lang="es-ES" sz="2200" dirty="0" err="1"/>
-              <a:t>racecar</a:t>
-            </a:r>
-            <a:r>
-              <a:rPr lang="es-ES" sz="2200" dirty="0"/>
-              <a:t> y </a:t>
-            </a:r>
-            <a:r>
-              <a:rPr lang="es-ES" sz="2200" dirty="0" err="1"/>
-              <a:t>index</a:t>
-            </a:r>
-            <a:r>
-              <a:rPr lang="es-ES" sz="2200" dirty="0"/>
-              <a:t>. Los </a:t>
-            </a:r>
-            <a:r>
-              <a:rPr lang="es-ES" sz="2200" dirty="0" err="1"/>
-              <a:t>imports</a:t>
-            </a:r>
-            <a:r>
-              <a:rPr lang="es-ES" sz="2200" dirty="0"/>
-              <a:t> y los </a:t>
-            </a:r>
-            <a:r>
-              <a:rPr lang="es-ES" sz="2200" dirty="0" err="1"/>
-              <a:t>exports</a:t>
-            </a:r>
-            <a:r>
-              <a:rPr lang="es-ES" sz="2200" dirty="0"/>
-              <a:t> mejor que los quitéis y ya los </a:t>
-            </a:r>
-            <a:r>
-              <a:rPr lang="es-ES" sz="2200" dirty="0" err="1"/>
-              <a:t>volvermos</a:t>
-            </a:r>
-            <a:r>
-              <a:rPr lang="es-ES" sz="2200" dirty="0"/>
-              <a:t> a poner luego cuando traslademos el código en </a:t>
-            </a:r>
-            <a:r>
-              <a:rPr lang="es-ES" sz="2200" dirty="0" err="1"/>
-              <a:t>typescript</a:t>
-            </a:r>
-            <a:r>
-              <a:rPr lang="es-ES" sz="2200" dirty="0"/>
-              <a:t> a los archivos</a:t>
-            </a:r>
-          </a:p>
-        </p:txBody>
-      </p:sp>
-    </p:spTree>
-    <p:extLst>
-      <p:ext uri="{BB962C8B-B14F-4D97-AF65-F5344CB8AC3E}">
-        <p14:creationId xmlns:p14="http://schemas.microsoft.com/office/powerpoint/2010/main" val="891405277"/>
-      </p:ext>
-    </p:extLst>
-  </p:cSld>
-  <p:clrMapOvr>
-    <a:masterClrMapping/>
-  </p:clrMapOvr>
-</p:sld>
-</file>
-
 <file path=ppt/slides/slide25.xml><?xml version="1.0" encoding="utf-8"?>
 <p:sld xmlns:a="http://schemas.openxmlformats.org/drawingml/2006/main" xmlns:r="http://schemas.openxmlformats.org/officeDocument/2006/relationships" xmlns:p="http://schemas.openxmlformats.org/presentationml/2006/main">
   <p:cSld>
@@ -22566,8 +23703,13 @@
           <a:p>
             <a:r>
               <a:rPr lang="es-ES" dirty="0"/>
-              <a:t>Ejercicio. Interfaces</a:t>
-            </a:r>
+              <a:t>Ejercicio. Diferencias ecma6 </a:t>
+            </a:r>
+            <a:r>
+              <a:rPr lang="es-ES" dirty="0" err="1"/>
+              <a:t>typescript</a:t>
+            </a:r>
+            <a:endParaRPr lang="es-ES" dirty="0"/>
           </a:p>
         </p:txBody>
       </p:sp>
@@ -22587,81 +23729,85 @@
           <a:lstStyle/>
           <a:p>
             <a:r>
-              <a:rPr lang="es-ES" dirty="0"/>
-              <a:t>Personalmente lo que mas he echado a faltar en </a:t>
-            </a:r>
-            <a:r>
-              <a:rPr lang="es-ES" dirty="0" err="1"/>
-              <a:t>javascript</a:t>
-            </a:r>
-            <a:r>
-              <a:rPr lang="es-ES" dirty="0"/>
-              <a:t> después de venir de trabajar varios años en </a:t>
-            </a:r>
-            <a:r>
-              <a:rPr lang="es-ES" dirty="0" err="1"/>
-              <a:t>backend</a:t>
-            </a:r>
-            <a:r>
-              <a:rPr lang="es-ES" dirty="0"/>
+              <a:rPr lang="es-ES" sz="2200" dirty="0"/>
+              <a:t>Hasta ahora hemos trabajado en ECMA6 ahora vamos a pasar a trabajar en </a:t>
+            </a:r>
+            <a:r>
+              <a:rPr lang="es-ES" sz="2200" dirty="0" err="1"/>
+              <a:t>typescript</a:t>
+            </a:r>
+            <a:r>
+              <a:rPr lang="es-ES" sz="2200" dirty="0"/>
+              <a:t>. Y para ver que cambia vamos a ir a la web </a:t>
+            </a:r>
+            <a:r>
+              <a:rPr lang="es-ES" sz="2200" dirty="0">
+                <a:hlinkClick r:id="rId3"/>
+              </a:rPr>
+              <a:t>https://www.typescriptlang.org/play/index.html</a:t>
+            </a:r>
+            <a:r>
+              <a:rPr lang="es-ES" sz="2200" dirty="0"/>
+              <a:t> donde vamos a transformar el archivo car.js a </a:t>
+            </a:r>
+            <a:r>
+              <a:rPr lang="es-ES" sz="2200" dirty="0" err="1"/>
+              <a:t>typescript</a:t>
+            </a:r>
+            <a:endParaRPr lang="es-ES" sz="2200" dirty="0"/>
+          </a:p>
+          <a:p>
+            <a:r>
+              <a:rPr lang="es-ES" sz="2200" dirty="0"/>
+              <a:t>A continuación hacer lo mismo con </a:t>
+            </a:r>
+            <a:r>
+              <a:rPr lang="es-ES" sz="2200" dirty="0" err="1"/>
+              <a:t>racecar</a:t>
+            </a:r>
+            <a:r>
+              <a:rPr lang="es-ES" sz="2200" dirty="0"/>
               <a:t> y </a:t>
             </a:r>
             <a:r>
-              <a:rPr lang="es-ES" dirty="0" err="1"/>
-              <a:t>c#</a:t>
-            </a:r>
-            <a:r>
-              <a:rPr lang="es-ES" dirty="0"/>
-              <a:t> son las interfaces. Trabajando en </a:t>
-            </a:r>
-            <a:r>
-              <a:rPr lang="es-ES" dirty="0" err="1"/>
-              <a:t>backend</a:t>
-            </a:r>
-            <a:r>
-              <a:rPr lang="es-ES" dirty="0"/>
-              <a:t> te acostumbrar a usarlas para todo y luego cuando llegas a </a:t>
-            </a:r>
-            <a:r>
-              <a:rPr lang="es-ES" dirty="0" err="1"/>
-              <a:t>javascript</a:t>
-            </a:r>
-            <a:r>
-              <a:rPr lang="es-ES" dirty="0"/>
-              <a:t> y no las ves es como si hubieses perdido un viejo amigo ;-)</a:t>
-            </a:r>
-          </a:p>
-          <a:p>
-            <a:r>
-              <a:rPr lang="es-ES" dirty="0"/>
-              <a:t>El siguiente ejercicio que se propone es que ahora la promesa que nos devuelve </a:t>
-            </a:r>
-            <a:r>
-              <a:rPr lang="es-ES" dirty="0" err="1"/>
-              <a:t>aTodoGas</a:t>
-            </a:r>
-            <a:r>
-              <a:rPr lang="es-ES" dirty="0"/>
-              <a:t> sea una interfaz que solo tenga las propiedades </a:t>
-            </a:r>
-            <a:r>
-              <a:rPr lang="es-ES" dirty="0" err="1"/>
-              <a:t>make</a:t>
-            </a:r>
-            <a:r>
-              <a:rPr lang="es-ES" dirty="0"/>
-              <a:t> y </a:t>
-            </a:r>
-            <a:r>
-              <a:rPr lang="es-ES" dirty="0" err="1"/>
-              <a:t>currentSpeed</a:t>
-            </a:r>
-            <a:endParaRPr lang="es-ES" dirty="0"/>
-          </a:p>
-          <a:p>
-            <a:r>
-              <a:rPr lang="es-ES" dirty="0"/>
-              <a:t>Aquí podéis encontrar ayuda https://www.typescriptlang.org/docs/handbook/interfaces.html</a:t>
+              <a:rPr lang="es-ES" sz="2200" dirty="0" err="1"/>
+              <a:t>index</a:t>
+            </a:r>
+            <a:r>
+              <a:rPr lang="es-ES" sz="2200" dirty="0"/>
+              <a:t>. Los </a:t>
+            </a:r>
+            <a:r>
+              <a:rPr lang="es-ES" sz="2200" dirty="0" err="1"/>
+              <a:t>imports</a:t>
+            </a:r>
+            <a:r>
+              <a:rPr lang="es-ES" sz="2200" dirty="0"/>
+              <a:t> y los </a:t>
+            </a:r>
+            <a:r>
+              <a:rPr lang="es-ES" sz="2200" dirty="0" err="1"/>
+              <a:t>exports</a:t>
+            </a:r>
+            <a:r>
+              <a:rPr lang="es-ES" sz="2200" dirty="0"/>
+              <a:t> mejor que los quitéis y ya los </a:t>
+            </a:r>
+            <a:r>
+              <a:rPr lang="es-ES" sz="2200" dirty="0" err="1"/>
+              <a:t>volvermos</a:t>
+            </a:r>
+            <a:r>
+              <a:rPr lang="es-ES" sz="2200" dirty="0"/>
+              <a:t> a poner luego cuando traslademos el código en </a:t>
+            </a:r>
+            <a:r>
+              <a:rPr lang="es-ES" sz="2200" dirty="0" err="1"/>
+              <a:t>typescript</a:t>
+            </a:r>
+            <a:r>
+              <a:rPr lang="es-ES" sz="2200" dirty="0"/>
+              <a:t> a los archivos</a:t>
             </a:r>
           </a:p>
         </p:txBody>
@@ -22669,7 +23815,7 @@
     </p:spTree>
     <p:extLst>
       <p:ext uri="{BB962C8B-B14F-4D97-AF65-F5344CB8AC3E}">
-        <p14:creationId xmlns:p14="http://schemas.microsoft.com/office/powerpoint/2010/main" val="4238224948"/>
+        <p14:creationId xmlns:p14="http://schemas.microsoft.com/office/powerpoint/2010/main" val="891405277"/>
       </p:ext>
     </p:extLst>
   </p:cSld>
@@ -22712,18 +23858,9 @@
           <a:lstStyle/>
           <a:p>
             <a:r>
-              <a:rPr lang="es-ES" dirty="0" err="1"/>
-              <a:t>Webpack</a:t>
-            </a:r>
-            <a:r>
               <a:rPr lang="es-ES" dirty="0"/>
-              <a:t>. </a:t>
-            </a:r>
-            <a:r>
-              <a:rPr lang="es-ES" dirty="0" err="1"/>
-              <a:t>Typescript</a:t>
-            </a:r>
-            <a:endParaRPr lang="es-ES" dirty="0"/>
+              <a:t>Ejercicio. Interfaces</a:t>
+            </a:r>
           </a:p>
         </p:txBody>
       </p:sp>
@@ -22744,6 +23881,162 @@
           <a:p>
             <a:r>
               <a:rPr lang="es-ES" dirty="0"/>
+              <a:t>Personalmente lo que mas he echado a faltar en </a:t>
+            </a:r>
+            <a:r>
+              <a:rPr lang="es-ES" dirty="0" err="1"/>
+              <a:t>javascript</a:t>
+            </a:r>
+            <a:r>
+              <a:rPr lang="es-ES" dirty="0"/>
+              <a:t> después de venir de trabajar varios años en </a:t>
+            </a:r>
+            <a:r>
+              <a:rPr lang="es-ES" dirty="0" err="1"/>
+              <a:t>backend</a:t>
+            </a:r>
+            <a:r>
+              <a:rPr lang="es-ES" dirty="0"/>
+              <a:t> y </a:t>
+            </a:r>
+            <a:r>
+              <a:rPr lang="es-ES" dirty="0" err="1"/>
+              <a:t>c#</a:t>
+            </a:r>
+            <a:r>
+              <a:rPr lang="es-ES" dirty="0"/>
+              <a:t> son las interfaces. Trabajando en </a:t>
+            </a:r>
+            <a:r>
+              <a:rPr lang="es-ES" dirty="0" err="1"/>
+              <a:t>backend</a:t>
+            </a:r>
+            <a:r>
+              <a:rPr lang="es-ES" dirty="0"/>
+              <a:t> te acostumbrar a usarlas para todo y luego cuando llegas a </a:t>
+            </a:r>
+            <a:r>
+              <a:rPr lang="es-ES" dirty="0" err="1"/>
+              <a:t>javascript</a:t>
+            </a:r>
+            <a:r>
+              <a:rPr lang="es-ES" dirty="0"/>
+              <a:t> y no las ves es como si hubieses perdido un viejo amigo ;-)</a:t>
+            </a:r>
+          </a:p>
+          <a:p>
+            <a:r>
+              <a:rPr lang="es-ES" dirty="0"/>
+              <a:t>El siguiente ejercicio que se propone es que ahora la promesa que nos devuelve </a:t>
+            </a:r>
+            <a:r>
+              <a:rPr lang="es-ES" dirty="0" err="1"/>
+              <a:t>aTodoGas</a:t>
+            </a:r>
+            <a:r>
+              <a:rPr lang="es-ES" dirty="0"/>
+              <a:t> sea una interfaz que solo tenga las propiedades </a:t>
+            </a:r>
+            <a:r>
+              <a:rPr lang="es-ES" dirty="0" err="1"/>
+              <a:t>make</a:t>
+            </a:r>
+            <a:r>
+              <a:rPr lang="es-ES" dirty="0"/>
+              <a:t> y </a:t>
+            </a:r>
+            <a:r>
+              <a:rPr lang="es-ES" dirty="0" err="1"/>
+              <a:t>currentSpeed</a:t>
+            </a:r>
+            <a:endParaRPr lang="es-ES" dirty="0"/>
+          </a:p>
+          <a:p>
+            <a:r>
+              <a:rPr lang="es-ES" dirty="0"/>
+              <a:t>Aquí podéis encontrar ayuda https://www.typescriptlang.org/docs/handbook/interfaces.html</a:t>
+            </a:r>
+          </a:p>
+        </p:txBody>
+      </p:sp>
+    </p:spTree>
+    <p:extLst>
+      <p:ext uri="{BB962C8B-B14F-4D97-AF65-F5344CB8AC3E}">
+        <p14:creationId xmlns:p14="http://schemas.microsoft.com/office/powerpoint/2010/main" val="4238224948"/>
+      </p:ext>
+    </p:extLst>
+  </p:cSld>
+  <p:clrMapOvr>
+    <a:masterClrMapping/>
+  </p:clrMapOvr>
+</p:sld>
+</file>
+
+<file path=ppt/slides/slide27.xml><?xml version="1.0" encoding="utf-8"?>
+<p:sld xmlns:a="http://schemas.openxmlformats.org/drawingml/2006/main" xmlns:r="http://schemas.openxmlformats.org/officeDocument/2006/relationships" xmlns:p="http://schemas.openxmlformats.org/presentationml/2006/main">
+  <p:cSld>
+    <p:spTree>
+      <p:nvGrpSpPr>
+        <p:cNvPr id="1" name=""/>
+        <p:cNvGrpSpPr/>
+        <p:nvPr/>
+      </p:nvGrpSpPr>
+      <p:grpSpPr>
+        <a:xfrm>
+          <a:off x="0" y="0"/>
+          <a:ext cx="0" cy="0"/>
+          <a:chOff x="0" y="0"/>
+          <a:chExt cx="0" cy="0"/>
+        </a:xfrm>
+      </p:grpSpPr>
+      <p:sp>
+        <p:nvSpPr>
+          <p:cNvPr id="2" name="Título 1"/>
+          <p:cNvSpPr>
+            <a:spLocks noGrp="1"/>
+          </p:cNvSpPr>
+          <p:nvPr>
+            <p:ph type="title"/>
+          </p:nvPr>
+        </p:nvSpPr>
+        <p:spPr/>
+        <p:txBody>
+          <a:bodyPr/>
+          <a:lstStyle/>
+          <a:p>
+            <a:r>
+              <a:rPr lang="es-ES" dirty="0" err="1"/>
+              <a:t>Webpack</a:t>
+            </a:r>
+            <a:r>
+              <a:rPr lang="es-ES" dirty="0"/>
+              <a:t>. </a:t>
+            </a:r>
+            <a:r>
+              <a:rPr lang="es-ES" dirty="0" err="1"/>
+              <a:t>Typescript</a:t>
+            </a:r>
+            <a:endParaRPr lang="es-ES" dirty="0"/>
+          </a:p>
+        </p:txBody>
+      </p:sp>
+      <p:sp>
+        <p:nvSpPr>
+          <p:cNvPr id="3" name="Marcador de contenido 2"/>
+          <p:cNvSpPr>
+            <a:spLocks noGrp="1"/>
+          </p:cNvSpPr>
+          <p:nvPr>
+            <p:ph idx="1"/>
+          </p:nvPr>
+        </p:nvSpPr>
+        <p:spPr/>
+        <p:txBody>
+          <a:bodyPr/>
+          <a:lstStyle/>
+          <a:p>
+            <a:r>
+              <a:rPr lang="es-ES" dirty="0"/>
               <a:t>Vamos a volver a nuestro entorno de desarrollo copiamos el programa con el que hemos estado jugando en tres archivos </a:t>
             </a:r>
             <a:r>
@@ -22871,7 +24164,7 @@
 </p:sld>
 </file>
 
-<file path=ppt/slides/slide27.xml><?xml version="1.0" encoding="utf-8"?>
+<file path=ppt/slides/slide28.xml><?xml version="1.0" encoding="utf-8"?>
 <p:sld xmlns:a="http://schemas.openxmlformats.org/drawingml/2006/main" xmlns:r="http://schemas.openxmlformats.org/officeDocument/2006/relationships" xmlns:p="http://schemas.openxmlformats.org/presentationml/2006/main">
   <p:cSld>
     <p:spTree>
@@ -23027,283 +24320,6 @@
     <p:extLst>
       <p:ext uri="{BB962C8B-B14F-4D97-AF65-F5344CB8AC3E}">
         <p14:creationId xmlns:p14="http://schemas.microsoft.com/office/powerpoint/2010/main" val="3551530095"/>
-      </p:ext>
-    </p:extLst>
-  </p:cSld>
-  <p:clrMapOvr>
-    <a:masterClrMapping/>
-  </p:clrMapOvr>
-</p:sld>
-</file>
-
-<file path=ppt/slides/slide28.xml><?xml version="1.0" encoding="utf-8"?>
-<p:sld xmlns:a="http://schemas.openxmlformats.org/drawingml/2006/main" xmlns:r="http://schemas.openxmlformats.org/officeDocument/2006/relationships" xmlns:p="http://schemas.openxmlformats.org/presentationml/2006/main">
-  <p:cSld>
-    <p:spTree>
-      <p:nvGrpSpPr>
-        <p:cNvPr id="1" name=""/>
-        <p:cNvGrpSpPr/>
-        <p:nvPr/>
-      </p:nvGrpSpPr>
-      <p:grpSpPr>
-        <a:xfrm>
-          <a:off x="0" y="0"/>
-          <a:ext cx="0" cy="0"/>
-          <a:chOff x="0" y="0"/>
-          <a:chExt cx="0" cy="0"/>
-        </a:xfrm>
-      </p:grpSpPr>
-      <p:sp>
-        <p:nvSpPr>
-          <p:cNvPr id="2" name="Título 1"/>
-          <p:cNvSpPr>
-            <a:spLocks noGrp="1"/>
-          </p:cNvSpPr>
-          <p:nvPr>
-            <p:ph type="title"/>
-          </p:nvPr>
-        </p:nvSpPr>
-        <p:spPr/>
-        <p:txBody>
-          <a:bodyPr/>
-          <a:lstStyle/>
-          <a:p>
-            <a:r>
-              <a:rPr lang="es-ES" dirty="0" err="1"/>
-              <a:t>Apendice</a:t>
-            </a:r>
-            <a:r>
-              <a:rPr lang="es-ES" dirty="0"/>
-              <a:t> 1. </a:t>
-            </a:r>
-            <a:r>
-              <a:rPr lang="es-ES" dirty="0" err="1"/>
-              <a:t>Rxjs</a:t>
-            </a:r>
-            <a:endParaRPr lang="es-ES" dirty="0"/>
-          </a:p>
-        </p:txBody>
-      </p:sp>
-      <p:sp>
-        <p:nvSpPr>
-          <p:cNvPr id="4" name="CuadroTexto 3"/>
-          <p:cNvSpPr txBox="1"/>
-          <p:nvPr/>
-        </p:nvSpPr>
-        <p:spPr>
-          <a:xfrm>
-            <a:off x="838200" y="1690688"/>
-            <a:ext cx="9906000" cy="4031873"/>
-          </a:xfrm>
-          <a:prstGeom prst="rect">
-            <a:avLst/>
-          </a:prstGeom>
-          <a:noFill/>
-        </p:spPr>
-        <p:txBody>
-          <a:bodyPr wrap="square" rtlCol="0">
-            <a:spAutoFit/>
-          </a:bodyPr>
-          <a:lstStyle/>
-          <a:p>
-            <a:pPr marL="342900" indent="-342900">
-              <a:buFont typeface="Arial" panose="020B0604020202020204" pitchFamily="34" charset="0"/>
-              <a:buChar char="•"/>
-            </a:pPr>
-            <a:r>
-              <a:rPr lang="es-ES" sz="2200" dirty="0" err="1">
-                <a:latin typeface="Segoe UI Light" panose="020B0502040204020203" pitchFamily="34" charset="0"/>
-                <a:cs typeface="Segoe UI Light" panose="020B0502040204020203" pitchFamily="34" charset="0"/>
-              </a:rPr>
-              <a:t>Rxjs</a:t>
-            </a:r>
-            <a:r>
-              <a:rPr lang="es-ES" sz="2200" dirty="0">
-                <a:latin typeface="Segoe UI Light" panose="020B0502040204020203" pitchFamily="34" charset="0"/>
-                <a:cs typeface="Segoe UI Light" panose="020B0502040204020203" pitchFamily="34" charset="0"/>
-              </a:rPr>
-              <a:t>. Es una librería que nos permite trabajar con un estilo de programación llamado Reactive </a:t>
-            </a:r>
-            <a:r>
-              <a:rPr lang="es-ES" sz="2200" dirty="0" err="1">
-                <a:latin typeface="Segoe UI Light" panose="020B0502040204020203" pitchFamily="34" charset="0"/>
-                <a:cs typeface="Segoe UI Light" panose="020B0502040204020203" pitchFamily="34" charset="0"/>
-              </a:rPr>
-              <a:t>Programming</a:t>
-            </a:r>
-            <a:endParaRPr lang="es-ES" sz="2200" dirty="0">
-              <a:latin typeface="Segoe UI Light" panose="020B0502040204020203" pitchFamily="34" charset="0"/>
-              <a:cs typeface="Segoe UI Light" panose="020B0502040204020203" pitchFamily="34" charset="0"/>
-            </a:endParaRPr>
-          </a:p>
-          <a:p>
-            <a:pPr marL="342900" indent="-342900">
-              <a:buFont typeface="Arial" panose="020B0604020202020204" pitchFamily="34" charset="0"/>
-              <a:buChar char="•"/>
-            </a:pPr>
-            <a:r>
-              <a:rPr lang="es-ES" sz="2200" dirty="0">
-                <a:latin typeface="Segoe UI Light" panose="020B0502040204020203" pitchFamily="34" charset="0"/>
-                <a:cs typeface="Segoe UI Light" panose="020B0502040204020203" pitchFamily="34" charset="0"/>
-              </a:rPr>
-              <a:t>Reactive </a:t>
-            </a:r>
-            <a:r>
-              <a:rPr lang="es-ES" sz="2200" dirty="0" err="1">
-                <a:latin typeface="Segoe UI Light" panose="020B0502040204020203" pitchFamily="34" charset="0"/>
-                <a:cs typeface="Segoe UI Light" panose="020B0502040204020203" pitchFamily="34" charset="0"/>
-              </a:rPr>
-              <a:t>Programming</a:t>
-            </a:r>
-            <a:r>
-              <a:rPr lang="es-ES" sz="2200" dirty="0">
-                <a:latin typeface="Segoe UI Light" panose="020B0502040204020203" pitchFamily="34" charset="0"/>
-                <a:cs typeface="Segoe UI Light" panose="020B0502040204020203" pitchFamily="34" charset="0"/>
-              </a:rPr>
-              <a:t>: Básicamente con reactive </a:t>
-            </a:r>
-            <a:r>
-              <a:rPr lang="es-ES" sz="2200" dirty="0" err="1">
-                <a:latin typeface="Segoe UI Light" panose="020B0502040204020203" pitchFamily="34" charset="0"/>
-                <a:cs typeface="Segoe UI Light" panose="020B0502040204020203" pitchFamily="34" charset="0"/>
-              </a:rPr>
-              <a:t>programming</a:t>
-            </a:r>
-            <a:r>
-              <a:rPr lang="es-ES" sz="2200" dirty="0">
-                <a:latin typeface="Segoe UI Light" panose="020B0502040204020203" pitchFamily="34" charset="0"/>
-                <a:cs typeface="Segoe UI Light" panose="020B0502040204020203" pitchFamily="34" charset="0"/>
-              </a:rPr>
-              <a:t> conceptualizamos “todo” como </a:t>
-            </a:r>
-            <a:r>
-              <a:rPr lang="es-ES" sz="2200" dirty="0" err="1">
-                <a:latin typeface="Segoe UI Light" panose="020B0502040204020203" pitchFamily="34" charset="0"/>
-                <a:cs typeface="Segoe UI Light" panose="020B0502040204020203" pitchFamily="34" charset="0"/>
-              </a:rPr>
-              <a:t>streams</a:t>
-            </a:r>
-            <a:r>
-              <a:rPr lang="es-ES" sz="2200" dirty="0">
-                <a:latin typeface="Segoe UI Light" panose="020B0502040204020203" pitchFamily="34" charset="0"/>
-                <a:cs typeface="Segoe UI Light" panose="020B0502040204020203" pitchFamily="34" charset="0"/>
-              </a:rPr>
-              <a:t>. Tenemos </a:t>
-            </a:r>
-            <a:r>
-              <a:rPr lang="es-ES" sz="2200" dirty="0" err="1">
-                <a:latin typeface="Segoe UI Light" panose="020B0502040204020203" pitchFamily="34" charset="0"/>
-                <a:cs typeface="Segoe UI Light" panose="020B0502040204020203" pitchFamily="34" charset="0"/>
-              </a:rPr>
-              <a:t>streams</a:t>
-            </a:r>
-            <a:r>
-              <a:rPr lang="es-ES" sz="2200" dirty="0">
-                <a:latin typeface="Segoe UI Light" panose="020B0502040204020203" pitchFamily="34" charset="0"/>
-                <a:cs typeface="Segoe UI Light" panose="020B0502040204020203" pitchFamily="34" charset="0"/>
-              </a:rPr>
-              <a:t> de datos que pueden venir de una llamada </a:t>
-            </a:r>
-            <a:r>
-              <a:rPr lang="es-ES" sz="2200" dirty="0" err="1">
-                <a:latin typeface="Segoe UI Light" panose="020B0502040204020203" pitchFamily="34" charset="0"/>
-                <a:cs typeface="Segoe UI Light" panose="020B0502040204020203" pitchFamily="34" charset="0"/>
-              </a:rPr>
-              <a:t>ajax</a:t>
-            </a:r>
-            <a:r>
-              <a:rPr lang="es-ES" sz="2200" dirty="0">
-                <a:latin typeface="Segoe UI Light" panose="020B0502040204020203" pitchFamily="34" charset="0"/>
-                <a:cs typeface="Segoe UI Light" panose="020B0502040204020203" pitchFamily="34" charset="0"/>
-              </a:rPr>
-              <a:t>, y también </a:t>
-            </a:r>
-            <a:r>
-              <a:rPr lang="es-ES" sz="2200" dirty="0" err="1">
-                <a:latin typeface="Segoe UI Light" panose="020B0502040204020203" pitchFamily="34" charset="0"/>
-                <a:cs typeface="Segoe UI Light" panose="020B0502040204020203" pitchFamily="34" charset="0"/>
-              </a:rPr>
-              <a:t>streams</a:t>
-            </a:r>
-            <a:r>
-              <a:rPr lang="es-ES" sz="2200" dirty="0">
-                <a:latin typeface="Segoe UI Light" panose="020B0502040204020203" pitchFamily="34" charset="0"/>
-                <a:cs typeface="Segoe UI Light" panose="020B0502040204020203" pitchFamily="34" charset="0"/>
-              </a:rPr>
-              <a:t> de eventos que pueden venir de un </a:t>
-            </a:r>
-            <a:r>
-              <a:rPr lang="es-ES" sz="2200" dirty="0" err="1">
-                <a:latin typeface="Segoe UI Light" panose="020B0502040204020203" pitchFamily="34" charset="0"/>
-                <a:cs typeface="Segoe UI Light" panose="020B0502040204020203" pitchFamily="34" charset="0"/>
-              </a:rPr>
-              <a:t>boton</a:t>
-            </a:r>
-            <a:endParaRPr lang="es-ES" sz="2200" dirty="0">
-              <a:latin typeface="Segoe UI Light" panose="020B0502040204020203" pitchFamily="34" charset="0"/>
-              <a:cs typeface="Segoe UI Light" panose="020B0502040204020203" pitchFamily="34" charset="0"/>
-            </a:endParaRPr>
-          </a:p>
-          <a:p>
-            <a:pPr marL="342900" indent="-342900">
-              <a:buFont typeface="Arial" panose="020B0604020202020204" pitchFamily="34" charset="0"/>
-              <a:buChar char="•"/>
-            </a:pPr>
-            <a:r>
-              <a:rPr lang="es-ES" sz="2200" dirty="0">
-                <a:latin typeface="Segoe UI Light" panose="020B0502040204020203" pitchFamily="34" charset="0"/>
-                <a:cs typeface="Segoe UI Light" panose="020B0502040204020203" pitchFamily="34" charset="0"/>
-              </a:rPr>
-              <a:t>Recursos</a:t>
-            </a:r>
-          </a:p>
-          <a:p>
-            <a:pPr marL="800100" lvl="2" indent="-342900">
-              <a:buFont typeface="Arial" panose="020B0604020202020204" pitchFamily="34" charset="0"/>
-              <a:buChar char="•"/>
-            </a:pPr>
-            <a:r>
-              <a:rPr lang="es-ES" sz="2200" dirty="0">
-                <a:latin typeface="Segoe UI Light" panose="020B0502040204020203" pitchFamily="34" charset="0"/>
-                <a:cs typeface="Segoe UI Light" panose="020B0502040204020203" pitchFamily="34" charset="0"/>
-                <a:hlinkClick r:id="rId3"/>
-              </a:rPr>
-              <a:t>https://medium.com/@andrestaltz/2-minute-introduction-to-rx-24c8ca793877#.vh6bk02vw</a:t>
-            </a:r>
-            <a:endParaRPr lang="es-ES" sz="2200" dirty="0">
-              <a:latin typeface="Segoe UI Light" panose="020B0502040204020203" pitchFamily="34" charset="0"/>
-              <a:cs typeface="Segoe UI Light" panose="020B0502040204020203" pitchFamily="34" charset="0"/>
-            </a:endParaRPr>
-          </a:p>
-          <a:p>
-            <a:pPr marL="800100" lvl="2" indent="-342900">
-              <a:buFont typeface="Arial" panose="020B0604020202020204" pitchFamily="34" charset="0"/>
-              <a:buChar char="•"/>
-            </a:pPr>
-            <a:r>
-              <a:rPr lang="es-ES" sz="2200" dirty="0">
-                <a:latin typeface="Segoe UI Light" panose="020B0502040204020203" pitchFamily="34" charset="0"/>
-                <a:cs typeface="Segoe UI Light" panose="020B0502040204020203" pitchFamily="34" charset="0"/>
-              </a:rPr>
-              <a:t>https://gist.github.com/staltz/868e7e9bc2a7b8c1f754</a:t>
-            </a:r>
-          </a:p>
-          <a:p>
-            <a:pPr marL="285750" indent="-285750">
-              <a:buFont typeface="Arial" panose="020B0604020202020204" pitchFamily="34" charset="0"/>
-              <a:buChar char="•"/>
-            </a:pPr>
-            <a:endParaRPr lang="es-ES" dirty="0"/>
-          </a:p>
-          <a:p>
-            <a:endParaRPr lang="es-ES" dirty="0"/>
-          </a:p>
-        </p:txBody>
-      </p:sp>
-    </p:spTree>
-    <p:extLst>
-      <p:ext uri="{BB962C8B-B14F-4D97-AF65-F5344CB8AC3E}">
-        <p14:creationId xmlns:p14="http://schemas.microsoft.com/office/powerpoint/2010/main" val="746738406"/>
       </p:ext>
     </p:extLst>
   </p:cSld>
@@ -23357,10 +24373,7 @@
               <a:rPr lang="es-ES" dirty="0" err="1"/>
               <a:t>Rxjs</a:t>
             </a:r>
-            <a:r>
-              <a:rPr lang="es-ES" dirty="0"/>
-              <a:t>. Ejercicio</a:t>
-            </a:r>
+            <a:endParaRPr lang="es-ES" dirty="0"/>
           </a:p>
         </p:txBody>
       </p:sp>
@@ -23372,8 +24385,8 @@
         </p:nvSpPr>
         <p:spPr>
           <a:xfrm>
-            <a:off x="1148080" y="1818640"/>
-            <a:ext cx="10088880" cy="4093428"/>
+            <a:off x="838200" y="1690688"/>
+            <a:ext cx="9906000" cy="4031873"/>
           </a:xfrm>
           <a:prstGeom prst="rect">
             <a:avLst/>
@@ -23391,24 +24404,151 @@
               <a:buChar char="•"/>
             </a:pPr>
             <a:r>
-              <a:rPr lang="es-ES" sz="2000" dirty="0">
+              <a:rPr lang="es-ES" sz="2200" dirty="0" err="1">
                 <a:latin typeface="Segoe UI Light" panose="020B0502040204020203" pitchFamily="34" charset="0"/>
                 <a:cs typeface="Segoe UI Light" panose="020B0502040204020203" pitchFamily="34" charset="0"/>
               </a:rPr>
-              <a:t>Tenéis un autocomplete básico en </a:t>
-            </a:r>
-            <a:r>
-              <a:rPr lang="es-ES" sz="2000" dirty="0">
+              <a:t>Rxjs</a:t>
+            </a:r>
+            <a:r>
+              <a:rPr lang="es-ES" sz="2200" dirty="0">
                 <a:latin typeface="Segoe UI Light" panose="020B0502040204020203" pitchFamily="34" charset="0"/>
                 <a:cs typeface="Segoe UI Light" panose="020B0502040204020203" pitchFamily="34" charset="0"/>
-                <a:hlinkClick r:id="rId2"/>
               </a:rPr>
-              <a:t>http://jsbin.com/zayadefoye/edit?html,js,console,output</a:t>
-            </a:r>
-            <a:endParaRPr lang="es-ES" sz="2000" dirty="0">
+              <a:t>. Es una librería que nos permite trabajar con un estilo de programación llamado Reactive </a:t>
+            </a:r>
+            <a:r>
+              <a:rPr lang="es-ES" sz="2200" dirty="0" err="1">
+                <a:latin typeface="Segoe UI Light" panose="020B0502040204020203" pitchFamily="34" charset="0"/>
+                <a:cs typeface="Segoe UI Light" panose="020B0502040204020203" pitchFamily="34" charset="0"/>
+              </a:rPr>
+              <a:t>Programming</a:t>
+            </a:r>
+            <a:endParaRPr lang="es-ES" sz="2200" dirty="0">
               <a:latin typeface="Segoe UI Light" panose="020B0502040204020203" pitchFamily="34" charset="0"/>
               <a:cs typeface="Segoe UI Light" panose="020B0502040204020203" pitchFamily="34" charset="0"/>
             </a:endParaRPr>
+          </a:p>
+          <a:p>
+            <a:pPr marL="342900" indent="-342900">
+              <a:buFont typeface="Arial" panose="020B0604020202020204" pitchFamily="34" charset="0"/>
+              <a:buChar char="•"/>
+            </a:pPr>
+            <a:r>
+              <a:rPr lang="es-ES" sz="2200" dirty="0">
+                <a:latin typeface="Segoe UI Light" panose="020B0502040204020203" pitchFamily="34" charset="0"/>
+                <a:cs typeface="Segoe UI Light" panose="020B0502040204020203" pitchFamily="34" charset="0"/>
+              </a:rPr>
+              <a:t>Reactive </a:t>
+            </a:r>
+            <a:r>
+              <a:rPr lang="es-ES" sz="2200" dirty="0" err="1">
+                <a:latin typeface="Segoe UI Light" panose="020B0502040204020203" pitchFamily="34" charset="0"/>
+                <a:cs typeface="Segoe UI Light" panose="020B0502040204020203" pitchFamily="34" charset="0"/>
+              </a:rPr>
+              <a:t>Programming</a:t>
+            </a:r>
+            <a:r>
+              <a:rPr lang="es-ES" sz="2200" dirty="0">
+                <a:latin typeface="Segoe UI Light" panose="020B0502040204020203" pitchFamily="34" charset="0"/>
+                <a:cs typeface="Segoe UI Light" panose="020B0502040204020203" pitchFamily="34" charset="0"/>
+              </a:rPr>
+              <a:t>: Básicamente con reactive </a:t>
+            </a:r>
+            <a:r>
+              <a:rPr lang="es-ES" sz="2200" dirty="0" err="1">
+                <a:latin typeface="Segoe UI Light" panose="020B0502040204020203" pitchFamily="34" charset="0"/>
+                <a:cs typeface="Segoe UI Light" panose="020B0502040204020203" pitchFamily="34" charset="0"/>
+              </a:rPr>
+              <a:t>programming</a:t>
+            </a:r>
+            <a:r>
+              <a:rPr lang="es-ES" sz="2200" dirty="0">
+                <a:latin typeface="Segoe UI Light" panose="020B0502040204020203" pitchFamily="34" charset="0"/>
+                <a:cs typeface="Segoe UI Light" panose="020B0502040204020203" pitchFamily="34" charset="0"/>
+              </a:rPr>
+              <a:t> conceptualizamos “todo” como </a:t>
+            </a:r>
+            <a:r>
+              <a:rPr lang="es-ES" sz="2200" dirty="0" err="1">
+                <a:latin typeface="Segoe UI Light" panose="020B0502040204020203" pitchFamily="34" charset="0"/>
+                <a:cs typeface="Segoe UI Light" panose="020B0502040204020203" pitchFamily="34" charset="0"/>
+              </a:rPr>
+              <a:t>streams</a:t>
+            </a:r>
+            <a:r>
+              <a:rPr lang="es-ES" sz="2200" dirty="0">
+                <a:latin typeface="Segoe UI Light" panose="020B0502040204020203" pitchFamily="34" charset="0"/>
+                <a:cs typeface="Segoe UI Light" panose="020B0502040204020203" pitchFamily="34" charset="0"/>
+              </a:rPr>
+              <a:t>. Tenemos </a:t>
+            </a:r>
+            <a:r>
+              <a:rPr lang="es-ES" sz="2200" dirty="0" err="1">
+                <a:latin typeface="Segoe UI Light" panose="020B0502040204020203" pitchFamily="34" charset="0"/>
+                <a:cs typeface="Segoe UI Light" panose="020B0502040204020203" pitchFamily="34" charset="0"/>
+              </a:rPr>
+              <a:t>streams</a:t>
+            </a:r>
+            <a:r>
+              <a:rPr lang="es-ES" sz="2200" dirty="0">
+                <a:latin typeface="Segoe UI Light" panose="020B0502040204020203" pitchFamily="34" charset="0"/>
+                <a:cs typeface="Segoe UI Light" panose="020B0502040204020203" pitchFamily="34" charset="0"/>
+              </a:rPr>
+              <a:t> de datos que pueden venir de una llamada </a:t>
+            </a:r>
+            <a:r>
+              <a:rPr lang="es-ES" sz="2200" dirty="0" err="1">
+                <a:latin typeface="Segoe UI Light" panose="020B0502040204020203" pitchFamily="34" charset="0"/>
+                <a:cs typeface="Segoe UI Light" panose="020B0502040204020203" pitchFamily="34" charset="0"/>
+              </a:rPr>
+              <a:t>ajax</a:t>
+            </a:r>
+            <a:r>
+              <a:rPr lang="es-ES" sz="2200" dirty="0">
+                <a:latin typeface="Segoe UI Light" panose="020B0502040204020203" pitchFamily="34" charset="0"/>
+                <a:cs typeface="Segoe UI Light" panose="020B0502040204020203" pitchFamily="34" charset="0"/>
+              </a:rPr>
+              <a:t>, y también </a:t>
+            </a:r>
+            <a:r>
+              <a:rPr lang="es-ES" sz="2200" dirty="0" err="1">
+                <a:latin typeface="Segoe UI Light" panose="020B0502040204020203" pitchFamily="34" charset="0"/>
+                <a:cs typeface="Segoe UI Light" panose="020B0502040204020203" pitchFamily="34" charset="0"/>
+              </a:rPr>
+              <a:t>streams</a:t>
+            </a:r>
+            <a:r>
+              <a:rPr lang="es-ES" sz="2200" dirty="0">
+                <a:latin typeface="Segoe UI Light" panose="020B0502040204020203" pitchFamily="34" charset="0"/>
+                <a:cs typeface="Segoe UI Light" panose="020B0502040204020203" pitchFamily="34" charset="0"/>
+              </a:rPr>
+              <a:t> de eventos que pueden venir de un </a:t>
+            </a:r>
+            <a:r>
+              <a:rPr lang="es-ES" sz="2200" dirty="0" err="1">
+                <a:latin typeface="Segoe UI Light" panose="020B0502040204020203" pitchFamily="34" charset="0"/>
+                <a:cs typeface="Segoe UI Light" panose="020B0502040204020203" pitchFamily="34" charset="0"/>
+              </a:rPr>
+              <a:t>boton</a:t>
+            </a:r>
+            <a:endParaRPr lang="es-ES" sz="2200" dirty="0">
+              <a:latin typeface="Segoe UI Light" panose="020B0502040204020203" pitchFamily="34" charset="0"/>
+              <a:cs typeface="Segoe UI Light" panose="020B0502040204020203" pitchFamily="34" charset="0"/>
+            </a:endParaRPr>
+          </a:p>
+          <a:p>
+            <a:pPr marL="342900" indent="-342900">
+              <a:buFont typeface="Arial" panose="020B0604020202020204" pitchFamily="34" charset="0"/>
+              <a:buChar char="•"/>
+            </a:pPr>
+            <a:r>
+              <a:rPr lang="es-ES" sz="2200" dirty="0">
+                <a:latin typeface="Segoe UI Light" panose="020B0502040204020203" pitchFamily="34" charset="0"/>
+                <a:cs typeface="Segoe UI Light" panose="020B0502040204020203" pitchFamily="34" charset="0"/>
+              </a:rPr>
+              <a:t>Recursos</a:t>
+            </a:r>
           </a:p>
           <a:p>
             <a:pPr marL="800100" lvl="2" indent="-342900">
@@ -23416,26 +24556,17 @@
               <a:buChar char="•"/>
             </a:pPr>
             <a:r>
-              <a:rPr lang="es-ES" dirty="0">
+              <a:rPr lang="es-ES" sz="2200" dirty="0">
                 <a:latin typeface="Segoe UI Light" panose="020B0502040204020203" pitchFamily="34" charset="0"/>
                 <a:cs typeface="Segoe UI Light" panose="020B0502040204020203" pitchFamily="34" charset="0"/>
+                <a:hlinkClick r:id="rId3"/>
               </a:rPr>
-              <a:t>En el cual a partir de un observable que creamos a partir del </a:t>
-            </a:r>
-            <a:r>
-              <a:rPr lang="es-ES" dirty="0" err="1">
-                <a:latin typeface="Segoe UI Light" panose="020B0502040204020203" pitchFamily="34" charset="0"/>
-                <a:cs typeface="Segoe UI Light" panose="020B0502040204020203" pitchFamily="34" charset="0"/>
-              </a:rPr>
-              <a:t>keyUp</a:t>
-            </a:r>
-            <a:r>
-              <a:rPr lang="es-ES" dirty="0">
-                <a:latin typeface="Segoe UI Light" panose="020B0502040204020203" pitchFamily="34" charset="0"/>
-                <a:cs typeface="Segoe UI Light" panose="020B0502040204020203" pitchFamily="34" charset="0"/>
-              </a:rPr>
-              <a:t> de las pulsaciones en un input</a:t>
-            </a:r>
+              <a:t>https://medium.com/@andrestaltz/2-minute-introduction-to-rx-24c8ca793877#.vh6bk02vw</a:t>
+            </a:r>
+            <a:endParaRPr lang="es-ES" sz="2200" dirty="0">
+              <a:latin typeface="Segoe UI Light" panose="020B0502040204020203" pitchFamily="34" charset="0"/>
+              <a:cs typeface="Segoe UI Light" panose="020B0502040204020203" pitchFamily="34" charset="0"/>
+            </a:endParaRPr>
           </a:p>
           <a:p>
             <a:pPr marL="800100" lvl="2" indent="-342900">
@@ -23443,150 +24574,29 @@
               <a:buChar char="•"/>
             </a:pPr>
             <a:r>
-              <a:rPr lang="es-ES" dirty="0">
+              <a:rPr lang="es-ES" sz="2200" dirty="0">
                 <a:latin typeface="Segoe UI Light" panose="020B0502040204020203" pitchFamily="34" charset="0"/>
                 <a:cs typeface="Segoe UI Light" panose="020B0502040204020203" pitchFamily="34" charset="0"/>
               </a:rPr>
-              <a:t>Le aplicamos una función de búsqueda en la Wikipedia (Ajax </a:t>
-            </a:r>
-            <a:r>
-              <a:rPr lang="es-ES" dirty="0" err="1">
-                <a:latin typeface="Segoe UI Light" panose="020B0502040204020203" pitchFamily="34" charset="0"/>
-                <a:cs typeface="Segoe UI Light" panose="020B0502040204020203" pitchFamily="34" charset="0"/>
-              </a:rPr>
-              <a:t>call</a:t>
-            </a:r>
-            <a:r>
-              <a:rPr lang="es-ES" dirty="0">
-                <a:latin typeface="Segoe UI Light" panose="020B0502040204020203" pitchFamily="34" charset="0"/>
-                <a:cs typeface="Segoe UI Light" panose="020B0502040204020203" pitchFamily="34" charset="0"/>
-              </a:rPr>
-              <a:t>)</a:t>
-            </a:r>
-          </a:p>
-          <a:p>
-            <a:pPr marL="800100" lvl="2" indent="-342900">
+              <a:t>https://gist.github.com/staltz/868e7e9bc2a7b8c1f754</a:t>
+            </a:r>
+          </a:p>
+          <a:p>
+            <a:pPr marL="285750" indent="-285750">
               <a:buFont typeface="Arial" panose="020B0604020202020204" pitchFamily="34" charset="0"/>
               <a:buChar char="•"/>
             </a:pPr>
-            <a:r>
-              <a:rPr lang="es-ES" dirty="0">
-                <a:latin typeface="Segoe UI Light" panose="020B0502040204020203" pitchFamily="34" charset="0"/>
-                <a:cs typeface="Segoe UI Light" panose="020B0502040204020203" pitchFamily="34" charset="0"/>
-              </a:rPr>
-              <a:t>Y del observable resultante de la anterior acción nos suscribimos a sus respuestas para escribirlas en una pagina</a:t>
-            </a:r>
-            <a:endParaRPr lang="es-ES" sz="2000" dirty="0">
-              <a:latin typeface="Segoe UI Light" panose="020B0502040204020203" pitchFamily="34" charset="0"/>
-              <a:cs typeface="Segoe UI Light" panose="020B0502040204020203" pitchFamily="34" charset="0"/>
-            </a:endParaRPr>
-          </a:p>
-          <a:p>
-            <a:pPr marL="342900" indent="-342900">
-              <a:buFont typeface="Arial" panose="020B0604020202020204" pitchFamily="34" charset="0"/>
-              <a:buChar char="•"/>
-            </a:pPr>
-            <a:endParaRPr lang="es-ES" sz="2000" dirty="0">
-              <a:latin typeface="Segoe UI Light" panose="020B0502040204020203" pitchFamily="34" charset="0"/>
-              <a:cs typeface="Segoe UI Light" panose="020B0502040204020203" pitchFamily="34" charset="0"/>
-            </a:endParaRPr>
-          </a:p>
-          <a:p>
-            <a:pPr marL="342900" indent="-342900">
-              <a:buFont typeface="Arial" panose="020B0604020202020204" pitchFamily="34" charset="0"/>
-              <a:buChar char="•"/>
-            </a:pPr>
-            <a:r>
-              <a:rPr lang="es-ES" sz="2000" dirty="0">
-                <a:latin typeface="Segoe UI Light" panose="020B0502040204020203" pitchFamily="34" charset="0"/>
-                <a:cs typeface="Segoe UI Light" panose="020B0502040204020203" pitchFamily="34" charset="0"/>
-              </a:rPr>
-              <a:t>Modificaciones que se piden:</a:t>
-            </a:r>
-          </a:p>
-          <a:p>
-            <a:pPr marL="800100" lvl="1" indent="-342900">
-              <a:buFont typeface="Arial" panose="020B0604020202020204" pitchFamily="34" charset="0"/>
-              <a:buChar char="•"/>
-            </a:pPr>
-            <a:r>
-              <a:rPr lang="es-ES" dirty="0">
-                <a:latin typeface="Segoe UI Light" panose="020B0502040204020203" pitchFamily="34" charset="0"/>
-                <a:cs typeface="Segoe UI Light" panose="020B0502040204020203" pitchFamily="34" charset="0"/>
-              </a:rPr>
-              <a:t>Que el </a:t>
-            </a:r>
-            <a:r>
-              <a:rPr lang="es-ES" dirty="0" err="1">
-                <a:latin typeface="Segoe UI Light" panose="020B0502040204020203" pitchFamily="34" charset="0"/>
-                <a:cs typeface="Segoe UI Light" panose="020B0502040204020203" pitchFamily="34" charset="0"/>
-              </a:rPr>
-              <a:t>stream</a:t>
-            </a:r>
-            <a:r>
-              <a:rPr lang="es-ES" dirty="0">
-                <a:latin typeface="Segoe UI Light" panose="020B0502040204020203" pitchFamily="34" charset="0"/>
-                <a:cs typeface="Segoe UI Light" panose="020B0502040204020203" pitchFamily="34" charset="0"/>
-              </a:rPr>
-              <a:t> </a:t>
-            </a:r>
-            <a:r>
-              <a:rPr lang="es-ES" dirty="0" err="1">
-                <a:latin typeface="Segoe UI Light" panose="020B0502040204020203" pitchFamily="34" charset="0"/>
-                <a:cs typeface="Segoe UI Light" panose="020B0502040204020203" pitchFamily="34" charset="0"/>
-              </a:rPr>
-              <a:t>keyup</a:t>
-            </a:r>
-            <a:r>
-              <a:rPr lang="es-ES" dirty="0">
-                <a:latin typeface="Segoe UI Light" panose="020B0502040204020203" pitchFamily="34" charset="0"/>
-                <a:cs typeface="Segoe UI Light" panose="020B0502040204020203" pitchFamily="34" charset="0"/>
-              </a:rPr>
-              <a:t> solo devuelva cuando la longitud del texto entrado sea mayor que 2 </a:t>
-            </a:r>
-          </a:p>
-          <a:p>
-            <a:pPr marL="800100" lvl="1" indent="-342900">
-              <a:buFont typeface="Arial" panose="020B0604020202020204" pitchFamily="34" charset="0"/>
-              <a:buChar char="•"/>
-            </a:pPr>
-            <a:r>
-              <a:rPr lang="es-ES" dirty="0">
-                <a:latin typeface="Segoe UI Light" panose="020B0502040204020203" pitchFamily="34" charset="0"/>
-                <a:cs typeface="Segoe UI Light" panose="020B0502040204020203" pitchFamily="34" charset="0"/>
-              </a:rPr>
-              <a:t>Que si escribe y borra no se envíe </a:t>
-            </a:r>
-          </a:p>
-          <a:p>
-            <a:pPr marL="800100" lvl="1" indent="-342900">
-              <a:buFont typeface="Arial" panose="020B0604020202020204" pitchFamily="34" charset="0"/>
-              <a:buChar char="•"/>
-            </a:pPr>
-            <a:endParaRPr lang="es-ES" dirty="0">
-              <a:latin typeface="Segoe UI Light" panose="020B0502040204020203" pitchFamily="34" charset="0"/>
-              <a:cs typeface="Segoe UI Light" panose="020B0502040204020203" pitchFamily="34" charset="0"/>
-            </a:endParaRPr>
-          </a:p>
-          <a:p>
-            <a:pPr marL="800100" lvl="1" indent="-342900">
-              <a:buFont typeface="Arial" panose="020B0604020202020204" pitchFamily="34" charset="0"/>
-              <a:buChar char="•"/>
-            </a:pPr>
-            <a:r>
-              <a:rPr lang="es-ES" dirty="0">
-                <a:latin typeface="Segoe UI Light" panose="020B0502040204020203" pitchFamily="34" charset="0"/>
-                <a:cs typeface="Segoe UI Light" panose="020B0502040204020203" pitchFamily="34" charset="0"/>
-              </a:rPr>
-              <a:t>Que si se envían dos peticiones y la respuesta primara llegase después de la respuesta de la segunda no la machaque</a:t>
-            </a:r>
+            <a:endParaRPr lang="es-ES" dirty="0"/>
+          </a:p>
+          <a:p>
+            <a:endParaRPr lang="es-ES" dirty="0"/>
           </a:p>
         </p:txBody>
       </p:sp>
     </p:spTree>
     <p:extLst>
       <p:ext uri="{BB962C8B-B14F-4D97-AF65-F5344CB8AC3E}">
-        <p14:creationId xmlns:p14="http://schemas.microsoft.com/office/powerpoint/2010/main" val="4255341365"/>
+        <p14:creationId xmlns:p14="http://schemas.microsoft.com/office/powerpoint/2010/main" val="746738406"/>
       </p:ext>
     </p:extLst>
   </p:cSld>
@@ -24523,6 +25533,289 @@
             </a:r>
             <a:r>
               <a:rPr lang="es-ES" dirty="0"/>
+              <a:t> 1. </a:t>
+            </a:r>
+            <a:r>
+              <a:rPr lang="es-ES" dirty="0" err="1"/>
+              <a:t>Rxjs</a:t>
+            </a:r>
+            <a:r>
+              <a:rPr lang="es-ES" dirty="0"/>
+              <a:t>. Ejercicio</a:t>
+            </a:r>
+          </a:p>
+        </p:txBody>
+      </p:sp>
+      <p:sp>
+        <p:nvSpPr>
+          <p:cNvPr id="4" name="CuadroTexto 3"/>
+          <p:cNvSpPr txBox="1"/>
+          <p:nvPr/>
+        </p:nvSpPr>
+        <p:spPr>
+          <a:xfrm>
+            <a:off x="1148080" y="1818640"/>
+            <a:ext cx="10088880" cy="4093428"/>
+          </a:xfrm>
+          <a:prstGeom prst="rect">
+            <a:avLst/>
+          </a:prstGeom>
+          <a:noFill/>
+        </p:spPr>
+        <p:txBody>
+          <a:bodyPr wrap="square" rtlCol="0">
+            <a:spAutoFit/>
+          </a:bodyPr>
+          <a:lstStyle/>
+          <a:p>
+            <a:pPr marL="342900" indent="-342900">
+              <a:buFont typeface="Arial" panose="020B0604020202020204" pitchFamily="34" charset="0"/>
+              <a:buChar char="•"/>
+            </a:pPr>
+            <a:r>
+              <a:rPr lang="es-ES" sz="2000" dirty="0">
+                <a:latin typeface="Segoe UI Light" panose="020B0502040204020203" pitchFamily="34" charset="0"/>
+                <a:cs typeface="Segoe UI Light" panose="020B0502040204020203" pitchFamily="34" charset="0"/>
+              </a:rPr>
+              <a:t>Tenéis un autocomplete básico en </a:t>
+            </a:r>
+            <a:r>
+              <a:rPr lang="es-ES" sz="2000" dirty="0">
+                <a:latin typeface="Segoe UI Light" panose="020B0502040204020203" pitchFamily="34" charset="0"/>
+                <a:cs typeface="Segoe UI Light" panose="020B0502040204020203" pitchFamily="34" charset="0"/>
+                <a:hlinkClick r:id="rId2"/>
+              </a:rPr>
+              <a:t>http://jsbin.com/zayadefoye/edit?html,js,console,output</a:t>
+            </a:r>
+            <a:endParaRPr lang="es-ES" sz="2000" dirty="0">
+              <a:latin typeface="Segoe UI Light" panose="020B0502040204020203" pitchFamily="34" charset="0"/>
+              <a:cs typeface="Segoe UI Light" panose="020B0502040204020203" pitchFamily="34" charset="0"/>
+            </a:endParaRPr>
+          </a:p>
+          <a:p>
+            <a:pPr marL="800100" lvl="2" indent="-342900">
+              <a:buFont typeface="Arial" panose="020B0604020202020204" pitchFamily="34" charset="0"/>
+              <a:buChar char="•"/>
+            </a:pPr>
+            <a:r>
+              <a:rPr lang="es-ES" dirty="0">
+                <a:latin typeface="Segoe UI Light" panose="020B0502040204020203" pitchFamily="34" charset="0"/>
+                <a:cs typeface="Segoe UI Light" panose="020B0502040204020203" pitchFamily="34" charset="0"/>
+              </a:rPr>
+              <a:t>En el cual a partir de un observable que creamos a partir del </a:t>
+            </a:r>
+            <a:r>
+              <a:rPr lang="es-ES" dirty="0" err="1">
+                <a:latin typeface="Segoe UI Light" panose="020B0502040204020203" pitchFamily="34" charset="0"/>
+                <a:cs typeface="Segoe UI Light" panose="020B0502040204020203" pitchFamily="34" charset="0"/>
+              </a:rPr>
+              <a:t>keyUp</a:t>
+            </a:r>
+            <a:r>
+              <a:rPr lang="es-ES" dirty="0">
+                <a:latin typeface="Segoe UI Light" panose="020B0502040204020203" pitchFamily="34" charset="0"/>
+                <a:cs typeface="Segoe UI Light" panose="020B0502040204020203" pitchFamily="34" charset="0"/>
+              </a:rPr>
+              <a:t> de las pulsaciones en un input</a:t>
+            </a:r>
+          </a:p>
+          <a:p>
+            <a:pPr marL="800100" lvl="2" indent="-342900">
+              <a:buFont typeface="Arial" panose="020B0604020202020204" pitchFamily="34" charset="0"/>
+              <a:buChar char="•"/>
+            </a:pPr>
+            <a:r>
+              <a:rPr lang="es-ES" dirty="0">
+                <a:latin typeface="Segoe UI Light" panose="020B0502040204020203" pitchFamily="34" charset="0"/>
+                <a:cs typeface="Segoe UI Light" panose="020B0502040204020203" pitchFamily="34" charset="0"/>
+              </a:rPr>
+              <a:t>Le aplicamos una función de búsqueda en la Wikipedia (Ajax </a:t>
+            </a:r>
+            <a:r>
+              <a:rPr lang="es-ES" dirty="0" err="1">
+                <a:latin typeface="Segoe UI Light" panose="020B0502040204020203" pitchFamily="34" charset="0"/>
+                <a:cs typeface="Segoe UI Light" panose="020B0502040204020203" pitchFamily="34" charset="0"/>
+              </a:rPr>
+              <a:t>call</a:t>
+            </a:r>
+            <a:r>
+              <a:rPr lang="es-ES" dirty="0">
+                <a:latin typeface="Segoe UI Light" panose="020B0502040204020203" pitchFamily="34" charset="0"/>
+                <a:cs typeface="Segoe UI Light" panose="020B0502040204020203" pitchFamily="34" charset="0"/>
+              </a:rPr>
+              <a:t>)</a:t>
+            </a:r>
+          </a:p>
+          <a:p>
+            <a:pPr marL="800100" lvl="2" indent="-342900">
+              <a:buFont typeface="Arial" panose="020B0604020202020204" pitchFamily="34" charset="0"/>
+              <a:buChar char="•"/>
+            </a:pPr>
+            <a:r>
+              <a:rPr lang="es-ES" dirty="0">
+                <a:latin typeface="Segoe UI Light" panose="020B0502040204020203" pitchFamily="34" charset="0"/>
+                <a:cs typeface="Segoe UI Light" panose="020B0502040204020203" pitchFamily="34" charset="0"/>
+              </a:rPr>
+              <a:t>Y del observable resultante de la anterior acción nos suscribimos a sus respuestas para escribirlas en una pagina</a:t>
+            </a:r>
+            <a:endParaRPr lang="es-ES" sz="2000" dirty="0">
+              <a:latin typeface="Segoe UI Light" panose="020B0502040204020203" pitchFamily="34" charset="0"/>
+              <a:cs typeface="Segoe UI Light" panose="020B0502040204020203" pitchFamily="34" charset="0"/>
+            </a:endParaRPr>
+          </a:p>
+          <a:p>
+            <a:pPr marL="342900" indent="-342900">
+              <a:buFont typeface="Arial" panose="020B0604020202020204" pitchFamily="34" charset="0"/>
+              <a:buChar char="•"/>
+            </a:pPr>
+            <a:endParaRPr lang="es-ES" sz="2000" dirty="0">
+              <a:latin typeface="Segoe UI Light" panose="020B0502040204020203" pitchFamily="34" charset="0"/>
+              <a:cs typeface="Segoe UI Light" panose="020B0502040204020203" pitchFamily="34" charset="0"/>
+            </a:endParaRPr>
+          </a:p>
+          <a:p>
+            <a:pPr marL="342900" indent="-342900">
+              <a:buFont typeface="Arial" panose="020B0604020202020204" pitchFamily="34" charset="0"/>
+              <a:buChar char="•"/>
+            </a:pPr>
+            <a:r>
+              <a:rPr lang="es-ES" sz="2000" dirty="0">
+                <a:latin typeface="Segoe UI Light" panose="020B0502040204020203" pitchFamily="34" charset="0"/>
+                <a:cs typeface="Segoe UI Light" panose="020B0502040204020203" pitchFamily="34" charset="0"/>
+              </a:rPr>
+              <a:t>Modificaciones que se piden:</a:t>
+            </a:r>
+          </a:p>
+          <a:p>
+            <a:pPr marL="800100" lvl="1" indent="-342900">
+              <a:buFont typeface="Arial" panose="020B0604020202020204" pitchFamily="34" charset="0"/>
+              <a:buChar char="•"/>
+            </a:pPr>
+            <a:r>
+              <a:rPr lang="es-ES" dirty="0">
+                <a:latin typeface="Segoe UI Light" panose="020B0502040204020203" pitchFamily="34" charset="0"/>
+                <a:cs typeface="Segoe UI Light" panose="020B0502040204020203" pitchFamily="34" charset="0"/>
+              </a:rPr>
+              <a:t>Que el </a:t>
+            </a:r>
+            <a:r>
+              <a:rPr lang="es-ES" dirty="0" err="1">
+                <a:latin typeface="Segoe UI Light" panose="020B0502040204020203" pitchFamily="34" charset="0"/>
+                <a:cs typeface="Segoe UI Light" panose="020B0502040204020203" pitchFamily="34" charset="0"/>
+              </a:rPr>
+              <a:t>stream</a:t>
+            </a:r>
+            <a:r>
+              <a:rPr lang="es-ES" dirty="0">
+                <a:latin typeface="Segoe UI Light" panose="020B0502040204020203" pitchFamily="34" charset="0"/>
+                <a:cs typeface="Segoe UI Light" panose="020B0502040204020203" pitchFamily="34" charset="0"/>
+              </a:rPr>
+              <a:t> </a:t>
+            </a:r>
+            <a:r>
+              <a:rPr lang="es-ES" dirty="0" err="1">
+                <a:latin typeface="Segoe UI Light" panose="020B0502040204020203" pitchFamily="34" charset="0"/>
+                <a:cs typeface="Segoe UI Light" panose="020B0502040204020203" pitchFamily="34" charset="0"/>
+              </a:rPr>
+              <a:t>keyup</a:t>
+            </a:r>
+            <a:r>
+              <a:rPr lang="es-ES" dirty="0">
+                <a:latin typeface="Segoe UI Light" panose="020B0502040204020203" pitchFamily="34" charset="0"/>
+                <a:cs typeface="Segoe UI Light" panose="020B0502040204020203" pitchFamily="34" charset="0"/>
+              </a:rPr>
+              <a:t> solo devuelva cuando la longitud del texto entrado sea mayor que 2 </a:t>
+            </a:r>
+          </a:p>
+          <a:p>
+            <a:pPr marL="800100" lvl="1" indent="-342900">
+              <a:buFont typeface="Arial" panose="020B0604020202020204" pitchFamily="34" charset="0"/>
+              <a:buChar char="•"/>
+            </a:pPr>
+            <a:r>
+              <a:rPr lang="es-ES" dirty="0">
+                <a:latin typeface="Segoe UI Light" panose="020B0502040204020203" pitchFamily="34" charset="0"/>
+                <a:cs typeface="Segoe UI Light" panose="020B0502040204020203" pitchFamily="34" charset="0"/>
+              </a:rPr>
+              <a:t>Que si escribe y borra no se envíe </a:t>
+            </a:r>
+          </a:p>
+          <a:p>
+            <a:pPr marL="800100" lvl="1" indent="-342900">
+              <a:buFont typeface="Arial" panose="020B0604020202020204" pitchFamily="34" charset="0"/>
+              <a:buChar char="•"/>
+            </a:pPr>
+            <a:endParaRPr lang="es-ES" dirty="0">
+              <a:latin typeface="Segoe UI Light" panose="020B0502040204020203" pitchFamily="34" charset="0"/>
+              <a:cs typeface="Segoe UI Light" panose="020B0502040204020203" pitchFamily="34" charset="0"/>
+            </a:endParaRPr>
+          </a:p>
+          <a:p>
+            <a:pPr marL="800100" lvl="1" indent="-342900">
+              <a:buFont typeface="Arial" panose="020B0604020202020204" pitchFamily="34" charset="0"/>
+              <a:buChar char="•"/>
+            </a:pPr>
+            <a:r>
+              <a:rPr lang="es-ES" dirty="0">
+                <a:latin typeface="Segoe UI Light" panose="020B0502040204020203" pitchFamily="34" charset="0"/>
+                <a:cs typeface="Segoe UI Light" panose="020B0502040204020203" pitchFamily="34" charset="0"/>
+              </a:rPr>
+              <a:t>Que si se envían dos peticiones y la respuesta primara llegase después de la respuesta de la segunda no la machaque</a:t>
+            </a:r>
+          </a:p>
+        </p:txBody>
+      </p:sp>
+    </p:spTree>
+    <p:extLst>
+      <p:ext uri="{BB962C8B-B14F-4D97-AF65-F5344CB8AC3E}">
+        <p14:creationId xmlns:p14="http://schemas.microsoft.com/office/powerpoint/2010/main" val="4255341365"/>
+      </p:ext>
+    </p:extLst>
+  </p:cSld>
+  <p:clrMapOvr>
+    <a:masterClrMapping/>
+  </p:clrMapOvr>
+</p:sld>
+</file>
+
+<file path=ppt/slides/slide31.xml><?xml version="1.0" encoding="utf-8"?>
+<p:sld xmlns:a="http://schemas.openxmlformats.org/drawingml/2006/main" xmlns:r="http://schemas.openxmlformats.org/officeDocument/2006/relationships" xmlns:p="http://schemas.openxmlformats.org/presentationml/2006/main">
+  <p:cSld>
+    <p:spTree>
+      <p:nvGrpSpPr>
+        <p:cNvPr id="1" name=""/>
+        <p:cNvGrpSpPr/>
+        <p:nvPr/>
+      </p:nvGrpSpPr>
+      <p:grpSpPr>
+        <a:xfrm>
+          <a:off x="0" y="0"/>
+          <a:ext cx="0" cy="0"/>
+          <a:chOff x="0" y="0"/>
+          <a:chExt cx="0" cy="0"/>
+        </a:xfrm>
+      </p:grpSpPr>
+      <p:sp>
+        <p:nvSpPr>
+          <p:cNvPr id="2" name="Título 1"/>
+          <p:cNvSpPr>
+            <a:spLocks noGrp="1"/>
+          </p:cNvSpPr>
+          <p:nvPr>
+            <p:ph type="title"/>
+          </p:nvPr>
+        </p:nvSpPr>
+        <p:spPr/>
+        <p:txBody>
+          <a:bodyPr/>
+          <a:lstStyle/>
+          <a:p>
+            <a:r>
+              <a:rPr lang="es-ES" dirty="0" err="1"/>
+              <a:t>Apendice</a:t>
+            </a:r>
+            <a:r>
+              <a:rPr lang="es-ES" dirty="0"/>
               <a:t> 2. Recursos</a:t>
             </a:r>
           </a:p>
@@ -24586,7 +25879,7 @@
 </p:sld>
 </file>
 
-<file path=ppt/slides/slide31.xml><?xml version="1.0" encoding="utf-8"?>
+<file path=ppt/slides/slide32.xml><?xml version="1.0" encoding="utf-8"?>
 <p:sld xmlns:a="http://schemas.openxmlformats.org/drawingml/2006/main" xmlns:r="http://schemas.openxmlformats.org/officeDocument/2006/relationships" xmlns:p="http://schemas.openxmlformats.org/presentationml/2006/main">
   <p:cSld>
     <p:spTree>
@@ -29054,6 +30347,21 @@
 </file>
 
 <file path=customXml/item1.xml><?xml version="1.0" encoding="utf-8"?>
+<p:properties xmlns:p="http://schemas.microsoft.com/office/2006/metadata/properties" xmlns:xsi="http://www.w3.org/2001/XMLSchema-instance" xmlns:pc="http://schemas.microsoft.com/office/infopath/2007/PartnerControls">
+  <documentManagement>
+    <TaxCatchAll xmlns="a55c6545-c4b0-41ba-b65e-41037e7c803f"/>
+    <SharedWithUsers xmlns="b048c077-1ef5-43d8-8cbe-0087f6733556">
+      <UserInfo>
+        <DisplayName>Todos excepto los usuarios externos</DisplayName>
+        <AccountId>181</AccountId>
+        <AccountType/>
+      </UserInfo>
+    </SharedWithUsers>
+  </documentManagement>
+</p:properties>
+</file>
+
+<file path=customXml/item2.xml><?xml version="1.0" encoding="utf-8"?>
 <ct:contentTypeSchema xmlns:ct="http://schemas.microsoft.com/office/2006/metadata/contentType" xmlns:ma="http://schemas.microsoft.com/office/2006/metadata/properties/metaAttributes" ct:_="" ma:_="" ma:contentTypeName="Documento" ma:contentTypeID="0x01010011374B617ED0E840AAD9696600400A02" ma:contentTypeVersion="9" ma:contentTypeDescription="Crear nuevo documento." ma:contentTypeScope="" ma:versionID="250dcc0a2ebb02d44b4ddffdd32b7dd2">
   <xsd:schema xmlns:xsd="http://www.w3.org/2001/XMLSchema" xmlns:xs="http://www.w3.org/2001/XMLSchema" xmlns:p="http://schemas.microsoft.com/office/2006/metadata/properties" xmlns:ns2="a55c6545-c4b0-41ba-b65e-41037e7c803f" xmlns:ns3="b048c077-1ef5-43d8-8cbe-0087f6733556" targetNamespace="http://schemas.microsoft.com/office/2006/metadata/properties" ma:root="true" ma:fieldsID="7a367e56634011d3948e6870b2482d1c" ns2:_="" ns3:_="">
     <xsd:import namespace="a55c6545-c4b0-41ba-b65e-41037e7c803f"/>
@@ -29224,21 +30532,6 @@
 </ct:contentTypeSchema>
 </file>
 
-<file path=customXml/item2.xml><?xml version="1.0" encoding="utf-8"?>
-<p:properties xmlns:p="http://schemas.microsoft.com/office/2006/metadata/properties" xmlns:xsi="http://www.w3.org/2001/XMLSchema-instance" xmlns:pc="http://schemas.microsoft.com/office/infopath/2007/PartnerControls">
-  <documentManagement>
-    <TaxCatchAll xmlns="a55c6545-c4b0-41ba-b65e-41037e7c803f"/>
-    <SharedWithUsers xmlns="b048c077-1ef5-43d8-8cbe-0087f6733556">
-      <UserInfo>
-        <DisplayName>Todos excepto los usuarios externos</DisplayName>
-        <AccountId>181</AccountId>
-        <AccountType/>
-      </UserInfo>
-    </SharedWithUsers>
-  </documentManagement>
-</p:properties>
-</file>
-
 <file path=customXml/item3.xml><?xml version="1.0" encoding="utf-8"?>
 <?mso-contentType ?>
 <FormTemplates xmlns="http://schemas.microsoft.com/sharepoint/v3/contenttype/forms">
@@ -29249,6 +30542,23 @@
 </file>
 
 <file path=customXml/itemProps1.xml><?xml version="1.0" encoding="utf-8"?>
+<ds:datastoreItem xmlns:ds="http://schemas.openxmlformats.org/officeDocument/2006/customXml" ds:itemID="{6C60FA3A-4249-4D6E-A9A8-3B7219DF275B}">
+  <ds:schemaRefs>
+    <ds:schemaRef ds:uri="http://schemas.microsoft.com/office/2006/metadata/properties"/>
+    <ds:schemaRef ds:uri="http://schemas.openxmlformats.org/package/2006/metadata/core-properties"/>
+    <ds:schemaRef ds:uri="http://purl.org/dc/terms/"/>
+    <ds:schemaRef ds:uri="http://schemas.microsoft.com/office/infopath/2007/PartnerControls"/>
+    <ds:schemaRef ds:uri="http://purl.org/dc/dcmitype/"/>
+    <ds:schemaRef ds:uri="http://schemas.microsoft.com/office/2006/documentManagement/types"/>
+    <ds:schemaRef ds:uri="http://purl.org/dc/elements/1.1/"/>
+    <ds:schemaRef ds:uri="b048c077-1ef5-43d8-8cbe-0087f6733556"/>
+    <ds:schemaRef ds:uri="a55c6545-c4b0-41ba-b65e-41037e7c803f"/>
+    <ds:schemaRef ds:uri="http://www.w3.org/XML/1998/namespace"/>
+  </ds:schemaRefs>
+</ds:datastoreItem>
+</file>
+
+<file path=customXml/itemProps2.xml><?xml version="1.0" encoding="utf-8"?>
 <ds:datastoreItem xmlns:ds="http://schemas.openxmlformats.org/officeDocument/2006/customXml" ds:itemID="{40B01907-E433-4243-9A3E-9E9101133288}">
   <ds:schemaRefs>
     <ds:schemaRef ds:uri="http://schemas.microsoft.com/office/2006/metadata/contentType"/>
@@ -29267,23 +30577,6 @@
 </ds:datastoreItem>
 </file>
 
-<file path=customXml/itemProps2.xml><?xml version="1.0" encoding="utf-8"?>
-<ds:datastoreItem xmlns:ds="http://schemas.openxmlformats.org/officeDocument/2006/customXml" ds:itemID="{6C60FA3A-4249-4D6E-A9A8-3B7219DF275B}">
-  <ds:schemaRefs>
-    <ds:schemaRef ds:uri="http://schemas.microsoft.com/office/2006/metadata/properties"/>
-    <ds:schemaRef ds:uri="http://schemas.openxmlformats.org/package/2006/metadata/core-properties"/>
-    <ds:schemaRef ds:uri="http://purl.org/dc/terms/"/>
-    <ds:schemaRef ds:uri="http://schemas.microsoft.com/office/infopath/2007/PartnerControls"/>
-    <ds:schemaRef ds:uri="http://purl.org/dc/dcmitype/"/>
-    <ds:schemaRef ds:uri="http://schemas.microsoft.com/office/2006/documentManagement/types"/>
-    <ds:schemaRef ds:uri="http://purl.org/dc/elements/1.1/"/>
-    <ds:schemaRef ds:uri="b048c077-1ef5-43d8-8cbe-0087f6733556"/>
-    <ds:schemaRef ds:uri="a55c6545-c4b0-41ba-b65e-41037e7c803f"/>
-    <ds:schemaRef ds:uri="http://www.w3.org/XML/1998/namespace"/>
-  </ds:schemaRefs>
-</ds:datastoreItem>
-</file>
-
 <file path=customXml/itemProps3.xml><?xml version="1.0" encoding="utf-8"?>
 <ds:datastoreItem xmlns:ds="http://schemas.openxmlformats.org/officeDocument/2006/customXml" ds:itemID="{5313EA09-C0DC-4015-ABE0-A5612D75F864}">
   <ds:schemaRefs>
